--- a/ASPNET.pptx
+++ b/ASPNET.pptx
@@ -9,7 +9,7 @@
     <p:sldId id="259" r:id="rId3"/>
     <p:sldId id="260" r:id="rId4"/>
     <p:sldId id="261" r:id="rId5"/>
-    <p:sldId id="262" r:id="rId6"/>
+    <p:sldId id="283" r:id="rId6"/>
     <p:sldId id="273" r:id="rId7"/>
     <p:sldId id="274" r:id="rId8"/>
     <p:sldId id="275" r:id="rId9"/>
@@ -6726,7 +6726,7 @@
           <a:p>
             <a:fld id="{EC7F2B01-AC76-42E9-ABF2-EA2D440F0667}" type="datetimeFigureOut">
               <a:rPr lang="pl-PL" smtClean="0"/>
-              <a:t>30.03.2021</a:t>
+              <a:t>23.04.2021</a:t>
             </a:fld>
             <a:endParaRPr lang="pl-PL"/>
           </a:p>
@@ -12077,7 +12077,7 @@
           <a:p>
             <a:fld id="{EC7F2B01-AC76-42E9-ABF2-EA2D440F0667}" type="datetimeFigureOut">
               <a:rPr lang="pl-PL" smtClean="0"/>
-              <a:t>30.03.2021</a:t>
+              <a:t>23.04.2021</a:t>
             </a:fld>
             <a:endParaRPr lang="pl-PL"/>
           </a:p>
@@ -13402,7 +13402,7 @@
           <a:p>
             <a:fld id="{EC7F2B01-AC76-42E9-ABF2-EA2D440F0667}" type="datetimeFigureOut">
               <a:rPr lang="pl-PL" smtClean="0"/>
-              <a:t>30.03.2021</a:t>
+              <a:t>23.04.2021</a:t>
             </a:fld>
             <a:endParaRPr lang="pl-PL"/>
           </a:p>
@@ -13971,7 +13971,7 @@
           <a:p>
             <a:fld id="{EC7F2B01-AC76-42E9-ABF2-EA2D440F0667}" type="datetimeFigureOut">
               <a:rPr lang="pl-PL" smtClean="0"/>
-              <a:t>30.03.2021</a:t>
+              <a:t>23.04.2021</a:t>
             </a:fld>
             <a:endParaRPr lang="pl-PL"/>
           </a:p>
@@ -14623,13 +14623,602 @@
         </p:nvSpPr>
         <p:spPr/>
         <p:txBody>
-          <a:bodyPr/>
+          <a:bodyPr>
+            <a:normAutofit/>
+          </a:bodyPr>
           <a:lstStyle/>
           <a:p>
             <a:pPr marL="0" indent="0">
               <a:buNone/>
             </a:pPr>
-            <a:endParaRPr lang="pl-PL" dirty="0"/>
+            <a:r>
+              <a:rPr lang="pl-PL" sz="2400" dirty="0"/>
+              <a:t>Tworzenie </a:t>
+            </a:r>
+            <a:r>
+              <a:rPr lang="pl-PL" sz="2400" dirty="0" err="1"/>
+              <a:t>endpointów</a:t>
+            </a:r>
+            <a:r>
+              <a:rPr lang="pl-PL" sz="2400" dirty="0"/>
+              <a:t> jest związane bezpośrednio z kontrolerami.</a:t>
+            </a:r>
+          </a:p>
+          <a:p>
+            <a:pPr marL="0" indent="0">
+              <a:buNone/>
+            </a:pPr>
+            <a:r>
+              <a:rPr lang="pl-PL" sz="2400" dirty="0"/>
+              <a:t>Każda publiczna metoda klasy, będzie stanowić osobny </a:t>
+            </a:r>
+            <a:r>
+              <a:rPr lang="pl-PL" sz="2400" dirty="0" err="1"/>
+              <a:t>endpoint</a:t>
+            </a:r>
+            <a:r>
+              <a:rPr lang="pl-PL" sz="2400" dirty="0"/>
+              <a:t>.</a:t>
+            </a:r>
+          </a:p>
+          <a:p>
+            <a:pPr marL="0" indent="0">
+              <a:buNone/>
+            </a:pPr>
+            <a:endParaRPr lang="pl-PL" sz="2400" dirty="0"/>
+          </a:p>
+          <a:p>
+            <a:pPr marL="0" indent="0">
+              <a:buNone/>
+            </a:pPr>
+            <a:r>
+              <a:rPr lang="pl-PL" sz="1400" b="0" dirty="0">
+                <a:solidFill>
+                  <a:srgbClr val="000000"/>
+                </a:solidFill>
+                <a:effectLst/>
+                <a:latin typeface="Consolas" panose="020B0609020204030204" pitchFamily="49" charset="0"/>
+              </a:rPr>
+              <a:t>[</a:t>
+            </a:r>
+            <a:r>
+              <a:rPr lang="pl-PL" sz="1400" b="0" dirty="0" err="1">
+                <a:solidFill>
+                  <a:srgbClr val="267F99"/>
+                </a:solidFill>
+                <a:effectLst/>
+                <a:latin typeface="Consolas" panose="020B0609020204030204" pitchFamily="49" charset="0"/>
+              </a:rPr>
+              <a:t>Route</a:t>
+            </a:r>
+            <a:r>
+              <a:rPr lang="pl-PL" sz="1400" b="0" dirty="0">
+                <a:solidFill>
+                  <a:srgbClr val="000000"/>
+                </a:solidFill>
+                <a:effectLst/>
+                <a:latin typeface="Consolas" panose="020B0609020204030204" pitchFamily="49" charset="0"/>
+              </a:rPr>
+              <a:t>(</a:t>
+            </a:r>
+            <a:r>
+              <a:rPr lang="pl-PL" sz="1400" b="0" dirty="0">
+                <a:solidFill>
+                  <a:srgbClr val="A31515"/>
+                </a:solidFill>
+                <a:effectLst/>
+                <a:latin typeface="Consolas" panose="020B0609020204030204" pitchFamily="49" charset="0"/>
+              </a:rPr>
+              <a:t>"[</a:t>
+            </a:r>
+            <a:r>
+              <a:rPr lang="pl-PL" sz="1400" b="0" dirty="0" err="1">
+                <a:solidFill>
+                  <a:srgbClr val="A31515"/>
+                </a:solidFill>
+                <a:effectLst/>
+                <a:latin typeface="Consolas" panose="020B0609020204030204" pitchFamily="49" charset="0"/>
+              </a:rPr>
+              <a:t>controller</a:t>
+            </a:r>
+            <a:r>
+              <a:rPr lang="pl-PL" sz="1400" b="0" dirty="0">
+                <a:solidFill>
+                  <a:srgbClr val="A31515"/>
+                </a:solidFill>
+                <a:effectLst/>
+                <a:latin typeface="Consolas" panose="020B0609020204030204" pitchFamily="49" charset="0"/>
+              </a:rPr>
+              <a:t>]/[</a:t>
+            </a:r>
+            <a:r>
+              <a:rPr lang="pl-PL" sz="1400" b="0" dirty="0" err="1">
+                <a:solidFill>
+                  <a:srgbClr val="A31515"/>
+                </a:solidFill>
+                <a:effectLst/>
+                <a:latin typeface="Consolas" panose="020B0609020204030204" pitchFamily="49" charset="0"/>
+              </a:rPr>
+              <a:t>action</a:t>
+            </a:r>
+            <a:r>
+              <a:rPr lang="pl-PL" sz="1400" b="0" dirty="0">
+                <a:solidFill>
+                  <a:srgbClr val="A31515"/>
+                </a:solidFill>
+                <a:effectLst/>
+                <a:latin typeface="Consolas" panose="020B0609020204030204" pitchFamily="49" charset="0"/>
+              </a:rPr>
+              <a:t>]"</a:t>
+            </a:r>
+            <a:r>
+              <a:rPr lang="pl-PL" sz="1400" b="0" dirty="0">
+                <a:solidFill>
+                  <a:srgbClr val="000000"/>
+                </a:solidFill>
+                <a:effectLst/>
+                <a:latin typeface="Consolas" panose="020B0609020204030204" pitchFamily="49" charset="0"/>
+              </a:rPr>
+              <a:t>)]</a:t>
+            </a:r>
+          </a:p>
+          <a:p>
+            <a:pPr marL="0" indent="0">
+              <a:buNone/>
+            </a:pPr>
+            <a:r>
+              <a:rPr lang="pl-PL" sz="1400" b="0" dirty="0">
+                <a:solidFill>
+                  <a:srgbClr val="0000FF"/>
+                </a:solidFill>
+                <a:effectLst/>
+                <a:latin typeface="Consolas" panose="020B0609020204030204" pitchFamily="49" charset="0"/>
+              </a:rPr>
+              <a:t>public</a:t>
+            </a:r>
+            <a:r>
+              <a:rPr lang="pl-PL" sz="1400" b="0" dirty="0">
+                <a:solidFill>
+                  <a:srgbClr val="000000"/>
+                </a:solidFill>
+                <a:effectLst/>
+                <a:latin typeface="Consolas" panose="020B0609020204030204" pitchFamily="49" charset="0"/>
+              </a:rPr>
+              <a:t> </a:t>
+            </a:r>
+            <a:r>
+              <a:rPr lang="pl-PL" sz="1400" b="0" dirty="0" err="1">
+                <a:solidFill>
+                  <a:srgbClr val="0000FF"/>
+                </a:solidFill>
+                <a:effectLst/>
+                <a:latin typeface="Consolas" panose="020B0609020204030204" pitchFamily="49" charset="0"/>
+              </a:rPr>
+              <a:t>class</a:t>
+            </a:r>
+            <a:r>
+              <a:rPr lang="pl-PL" sz="1400" b="0" dirty="0">
+                <a:solidFill>
+                  <a:srgbClr val="000000"/>
+                </a:solidFill>
+                <a:effectLst/>
+                <a:latin typeface="Consolas" panose="020B0609020204030204" pitchFamily="49" charset="0"/>
+              </a:rPr>
+              <a:t> </a:t>
+            </a:r>
+            <a:r>
+              <a:rPr lang="pl-PL" sz="1400" b="0" dirty="0" err="1">
+                <a:solidFill>
+                  <a:srgbClr val="267F99"/>
+                </a:solidFill>
+                <a:effectLst/>
+                <a:latin typeface="Consolas" panose="020B0609020204030204" pitchFamily="49" charset="0"/>
+              </a:rPr>
+              <a:t>BookshelfController</a:t>
+            </a:r>
+            <a:r>
+              <a:rPr lang="pl-PL" sz="1400" b="0" dirty="0">
+                <a:solidFill>
+                  <a:srgbClr val="000000"/>
+                </a:solidFill>
+                <a:effectLst/>
+                <a:latin typeface="Consolas" panose="020B0609020204030204" pitchFamily="49" charset="0"/>
+              </a:rPr>
+              <a:t> : </a:t>
+            </a:r>
+            <a:r>
+              <a:rPr lang="pl-PL" sz="1400" b="0" dirty="0">
+                <a:solidFill>
+                  <a:srgbClr val="267F99"/>
+                </a:solidFill>
+                <a:effectLst/>
+                <a:latin typeface="Consolas" panose="020B0609020204030204" pitchFamily="49" charset="0"/>
+              </a:rPr>
+              <a:t>Controller</a:t>
+            </a:r>
+            <a:endParaRPr lang="pl-PL" sz="1400" dirty="0">
+              <a:solidFill>
+                <a:srgbClr val="000000"/>
+              </a:solidFill>
+              <a:latin typeface="Consolas" panose="020B0609020204030204" pitchFamily="49" charset="0"/>
+            </a:endParaRPr>
+          </a:p>
+          <a:p>
+            <a:pPr marL="0" indent="0">
+              <a:buNone/>
+            </a:pPr>
+            <a:r>
+              <a:rPr lang="pl-PL" sz="1400" b="0" dirty="0">
+                <a:solidFill>
+                  <a:srgbClr val="000000"/>
+                </a:solidFill>
+                <a:effectLst/>
+                <a:latin typeface="Consolas" panose="020B0609020204030204" pitchFamily="49" charset="0"/>
+              </a:rPr>
+              <a:t>{</a:t>
+            </a:r>
+          </a:p>
+          <a:p>
+            <a:pPr marL="0" indent="0">
+              <a:buNone/>
+            </a:pPr>
+            <a:r>
+              <a:rPr lang="pl-PL" sz="1050" b="0" dirty="0">
+                <a:solidFill>
+                  <a:srgbClr val="008000"/>
+                </a:solidFill>
+                <a:effectLst/>
+                <a:latin typeface="Consolas" panose="020B0609020204030204" pitchFamily="49" charset="0"/>
+              </a:rPr>
+              <a:t>      </a:t>
+            </a:r>
+            <a:r>
+              <a:rPr lang="pl-PL" sz="1400" b="0" dirty="0">
+                <a:solidFill>
+                  <a:srgbClr val="008000"/>
+                </a:solidFill>
+                <a:effectLst/>
+                <a:latin typeface="Consolas" panose="020B0609020204030204" pitchFamily="49" charset="0"/>
+              </a:rPr>
+              <a:t>// GET: /</a:t>
+            </a:r>
+            <a:r>
+              <a:rPr lang="pl-PL" sz="1400" b="0" dirty="0" err="1">
+                <a:solidFill>
+                  <a:srgbClr val="008000"/>
+                </a:solidFill>
+                <a:effectLst/>
+                <a:latin typeface="Consolas" panose="020B0609020204030204" pitchFamily="49" charset="0"/>
+              </a:rPr>
+              <a:t>bookshelf</a:t>
+            </a:r>
+            <a:r>
+              <a:rPr lang="pl-PL" sz="1400" b="0" dirty="0">
+                <a:solidFill>
+                  <a:srgbClr val="008000"/>
+                </a:solidFill>
+                <a:effectLst/>
+                <a:latin typeface="Consolas" panose="020B0609020204030204" pitchFamily="49" charset="0"/>
+              </a:rPr>
+              <a:t>/test</a:t>
+            </a:r>
+            <a:endParaRPr lang="pl-PL" sz="1050" b="0" dirty="0">
+              <a:solidFill>
+                <a:srgbClr val="008000"/>
+              </a:solidFill>
+              <a:effectLst/>
+              <a:latin typeface="Consolas" panose="020B0609020204030204" pitchFamily="49" charset="0"/>
+            </a:endParaRPr>
+          </a:p>
+          <a:p>
+            <a:pPr marL="0" indent="0">
+              <a:buNone/>
+            </a:pPr>
+            <a:r>
+              <a:rPr lang="pl-PL" sz="1050" dirty="0">
+                <a:solidFill>
+                  <a:srgbClr val="008000"/>
+                </a:solidFill>
+                <a:latin typeface="Consolas" panose="020B0609020204030204" pitchFamily="49" charset="0"/>
+              </a:rPr>
+              <a:t>     </a:t>
+            </a:r>
+            <a:r>
+              <a:rPr lang="pl-PL" sz="1400" b="0" dirty="0">
+                <a:solidFill>
+                  <a:srgbClr val="000000"/>
+                </a:solidFill>
+                <a:effectLst/>
+                <a:latin typeface="Consolas" panose="020B0609020204030204" pitchFamily="49" charset="0"/>
+              </a:rPr>
+              <a:t>[</a:t>
+            </a:r>
+            <a:r>
+              <a:rPr lang="pl-PL" sz="1400" b="0" dirty="0" err="1">
+                <a:solidFill>
+                  <a:srgbClr val="267F99"/>
+                </a:solidFill>
+                <a:effectLst/>
+                <a:latin typeface="Consolas" panose="020B0609020204030204" pitchFamily="49" charset="0"/>
+              </a:rPr>
+              <a:t>HttpGet</a:t>
+            </a:r>
+            <a:r>
+              <a:rPr lang="pl-PL" sz="1400" b="0" dirty="0">
+                <a:solidFill>
+                  <a:srgbClr val="000000"/>
+                </a:solidFill>
+                <a:effectLst/>
+                <a:latin typeface="Consolas" panose="020B0609020204030204" pitchFamily="49" charset="0"/>
+              </a:rPr>
+              <a:t>]</a:t>
+            </a:r>
+          </a:p>
+          <a:p>
+            <a:pPr marL="0" indent="0">
+              <a:buNone/>
+            </a:pPr>
+            <a:r>
+              <a:rPr lang="pl-PL" sz="1400" b="0" dirty="0">
+                <a:solidFill>
+                  <a:srgbClr val="0000FF"/>
+                </a:solidFill>
+                <a:effectLst/>
+                <a:latin typeface="Consolas" panose="020B0609020204030204" pitchFamily="49" charset="0"/>
+              </a:rPr>
+              <a:t>    public</a:t>
+            </a:r>
+            <a:r>
+              <a:rPr lang="pl-PL" sz="1400" b="0" dirty="0">
+                <a:solidFill>
+                  <a:srgbClr val="000000"/>
+                </a:solidFill>
+                <a:effectLst/>
+                <a:latin typeface="Consolas" panose="020B0609020204030204" pitchFamily="49" charset="0"/>
+              </a:rPr>
+              <a:t> </a:t>
+            </a:r>
+            <a:r>
+              <a:rPr lang="pl-PL" sz="1400" b="0" dirty="0" err="1">
+                <a:solidFill>
+                  <a:srgbClr val="267F99"/>
+                </a:solidFill>
+                <a:effectLst/>
+                <a:latin typeface="Consolas" panose="020B0609020204030204" pitchFamily="49" charset="0"/>
+              </a:rPr>
+              <a:t>IActionResult</a:t>
+            </a:r>
+            <a:r>
+              <a:rPr lang="pl-PL" sz="1400" b="0" dirty="0">
+                <a:solidFill>
+                  <a:srgbClr val="000000"/>
+                </a:solidFill>
+                <a:effectLst/>
+                <a:latin typeface="Consolas" panose="020B0609020204030204" pitchFamily="49" charset="0"/>
+              </a:rPr>
+              <a:t> </a:t>
+            </a:r>
+            <a:r>
+              <a:rPr lang="pl-PL" sz="1400" b="0" dirty="0">
+                <a:solidFill>
+                  <a:srgbClr val="795E26"/>
+                </a:solidFill>
+                <a:effectLst/>
+                <a:latin typeface="Consolas" panose="020B0609020204030204" pitchFamily="49" charset="0"/>
+              </a:rPr>
+              <a:t>Test</a:t>
+            </a:r>
+            <a:r>
+              <a:rPr lang="pl-PL" sz="1400" b="0" dirty="0">
+                <a:solidFill>
+                  <a:srgbClr val="000000"/>
+                </a:solidFill>
+                <a:effectLst/>
+                <a:latin typeface="Consolas" panose="020B0609020204030204" pitchFamily="49" charset="0"/>
+              </a:rPr>
+              <a:t>()</a:t>
+            </a:r>
+          </a:p>
+          <a:p>
+            <a:pPr marL="0" indent="0">
+              <a:buNone/>
+            </a:pPr>
+            <a:r>
+              <a:rPr lang="pl-PL" sz="1400" b="0" dirty="0">
+                <a:solidFill>
+                  <a:srgbClr val="000000"/>
+                </a:solidFill>
+                <a:effectLst/>
+                <a:latin typeface="Consolas" panose="020B0609020204030204" pitchFamily="49" charset="0"/>
+              </a:rPr>
+              <a:t>    {</a:t>
+            </a:r>
+          </a:p>
+          <a:p>
+            <a:pPr marL="0" indent="0">
+              <a:buNone/>
+            </a:pPr>
+            <a:r>
+              <a:rPr lang="pl-PL" sz="1400" b="0" dirty="0">
+                <a:solidFill>
+                  <a:srgbClr val="AF00DB"/>
+                </a:solidFill>
+                <a:effectLst/>
+                <a:latin typeface="Consolas" panose="020B0609020204030204" pitchFamily="49" charset="0"/>
+              </a:rPr>
+              <a:t>        return</a:t>
+            </a:r>
+            <a:r>
+              <a:rPr lang="pl-PL" sz="1400" b="0" dirty="0">
+                <a:solidFill>
+                  <a:srgbClr val="000000"/>
+                </a:solidFill>
+                <a:effectLst/>
+                <a:latin typeface="Consolas" panose="020B0609020204030204" pitchFamily="49" charset="0"/>
+              </a:rPr>
+              <a:t> </a:t>
+            </a:r>
+            <a:r>
+              <a:rPr lang="pl-PL" sz="1400" b="0" dirty="0" err="1">
+                <a:solidFill>
+                  <a:srgbClr val="795E26"/>
+                </a:solidFill>
+                <a:effectLst/>
+                <a:latin typeface="Consolas" panose="020B0609020204030204" pitchFamily="49" charset="0"/>
+              </a:rPr>
+              <a:t>StatusCode</a:t>
+            </a:r>
+            <a:r>
+              <a:rPr lang="pl-PL" sz="1400" b="0" dirty="0">
+                <a:solidFill>
+                  <a:srgbClr val="000000"/>
+                </a:solidFill>
+                <a:effectLst/>
+                <a:latin typeface="Consolas" panose="020B0609020204030204" pitchFamily="49" charset="0"/>
+              </a:rPr>
+              <a:t>(</a:t>
+            </a:r>
+            <a:r>
+              <a:rPr lang="pl-PL" sz="1400" b="0" dirty="0">
+                <a:solidFill>
+                  <a:srgbClr val="098658"/>
+                </a:solidFill>
+                <a:effectLst/>
+                <a:latin typeface="Consolas" panose="020B0609020204030204" pitchFamily="49" charset="0"/>
+              </a:rPr>
+              <a:t>418</a:t>
+            </a:r>
+            <a:r>
+              <a:rPr lang="pl-PL" sz="1400" b="0" dirty="0">
+                <a:solidFill>
+                  <a:srgbClr val="000000"/>
+                </a:solidFill>
+                <a:effectLst/>
+                <a:latin typeface="Consolas" panose="020B0609020204030204" pitchFamily="49" charset="0"/>
+              </a:rPr>
+              <a:t>, </a:t>
+            </a:r>
+            <a:r>
+              <a:rPr lang="pl-PL" sz="1400" b="0" dirty="0" err="1">
+                <a:solidFill>
+                  <a:srgbClr val="0000FF"/>
+                </a:solidFill>
+                <a:effectLst/>
+                <a:latin typeface="Consolas" panose="020B0609020204030204" pitchFamily="49" charset="0"/>
+              </a:rPr>
+              <a:t>new</a:t>
+            </a:r>
+            <a:r>
+              <a:rPr lang="pl-PL" sz="1400" b="0" dirty="0">
+                <a:solidFill>
+                  <a:srgbClr val="000000"/>
+                </a:solidFill>
+                <a:effectLst/>
+                <a:latin typeface="Consolas" panose="020B0609020204030204" pitchFamily="49" charset="0"/>
+              </a:rPr>
+              <a:t> { </a:t>
+            </a:r>
+            <a:r>
+              <a:rPr lang="pl-PL" sz="1400" b="0" dirty="0">
+                <a:solidFill>
+                  <a:srgbClr val="001080"/>
+                </a:solidFill>
+                <a:effectLst/>
+                <a:latin typeface="Consolas" panose="020B0609020204030204" pitchFamily="49" charset="0"/>
+              </a:rPr>
+              <a:t>test</a:t>
+            </a:r>
+            <a:r>
+              <a:rPr lang="pl-PL" sz="1400" b="0" dirty="0">
+                <a:solidFill>
+                  <a:srgbClr val="000000"/>
+                </a:solidFill>
+                <a:effectLst/>
+                <a:latin typeface="Consolas" panose="020B0609020204030204" pitchFamily="49" charset="0"/>
+              </a:rPr>
+              <a:t> = </a:t>
+            </a:r>
+            <a:r>
+              <a:rPr lang="pl-PL" sz="1400" b="0" dirty="0">
+                <a:solidFill>
+                  <a:srgbClr val="A31515"/>
+                </a:solidFill>
+                <a:effectLst/>
+                <a:latin typeface="Consolas" panose="020B0609020204030204" pitchFamily="49" charset="0"/>
+              </a:rPr>
+              <a:t>"Hello, </a:t>
+            </a:r>
+            <a:r>
+              <a:rPr lang="pl-PL" sz="1400" b="0" dirty="0" err="1">
+                <a:solidFill>
+                  <a:srgbClr val="A31515"/>
+                </a:solidFill>
+                <a:effectLst/>
+                <a:latin typeface="Consolas" panose="020B0609020204030204" pitchFamily="49" charset="0"/>
+              </a:rPr>
+              <a:t>I'm</a:t>
+            </a:r>
+            <a:r>
+              <a:rPr lang="pl-PL" sz="1400" b="0" dirty="0">
+                <a:solidFill>
+                  <a:srgbClr val="A31515"/>
+                </a:solidFill>
+                <a:effectLst/>
+                <a:latin typeface="Consolas" panose="020B0609020204030204" pitchFamily="49" charset="0"/>
+              </a:rPr>
+              <a:t> a </a:t>
+            </a:r>
+            <a:r>
+              <a:rPr lang="pl-PL" sz="1400" b="0" dirty="0" err="1">
+                <a:solidFill>
+                  <a:srgbClr val="A31515"/>
+                </a:solidFill>
+                <a:effectLst/>
+                <a:latin typeface="Consolas" panose="020B0609020204030204" pitchFamily="49" charset="0"/>
+              </a:rPr>
+              <a:t>teapot</a:t>
+            </a:r>
+            <a:r>
+              <a:rPr lang="pl-PL" sz="1400" b="0" dirty="0">
+                <a:solidFill>
+                  <a:srgbClr val="A31515"/>
+                </a:solidFill>
+                <a:effectLst/>
+                <a:latin typeface="Consolas" panose="020B0609020204030204" pitchFamily="49" charset="0"/>
+              </a:rPr>
+              <a:t>!!"</a:t>
+            </a:r>
+            <a:r>
+              <a:rPr lang="pl-PL" sz="1400" b="0" dirty="0">
+                <a:solidFill>
+                  <a:srgbClr val="000000"/>
+                </a:solidFill>
+                <a:effectLst/>
+                <a:latin typeface="Consolas" panose="020B0609020204030204" pitchFamily="49" charset="0"/>
+              </a:rPr>
+              <a:t> });</a:t>
+            </a:r>
+          </a:p>
+          <a:p>
+            <a:pPr marL="0" indent="0">
+              <a:buNone/>
+            </a:pPr>
+            <a:r>
+              <a:rPr lang="pl-PL" sz="1400" b="0" dirty="0">
+                <a:solidFill>
+                  <a:srgbClr val="000000"/>
+                </a:solidFill>
+                <a:effectLst/>
+                <a:latin typeface="Consolas" panose="020B0609020204030204" pitchFamily="49" charset="0"/>
+              </a:rPr>
+              <a:t>    }</a:t>
+            </a:r>
+          </a:p>
+          <a:p>
+            <a:pPr marL="0" indent="0">
+              <a:buNone/>
+            </a:pPr>
+            <a:endParaRPr lang="pl-PL" sz="2400" dirty="0"/>
           </a:p>
         </p:txBody>
       </p:sp>
@@ -14713,10 +15302,295 @@
         </p:nvSpPr>
         <p:spPr/>
         <p:txBody>
-          <a:bodyPr/>
+          <a:bodyPr>
+            <a:normAutofit/>
+          </a:bodyPr>
           <a:lstStyle/>
           <a:p>
-            <a:endParaRPr lang="pl-PL"/>
+            <a:pPr marL="0" indent="0">
+              <a:buNone/>
+            </a:pPr>
+            <a:r>
+              <a:rPr lang="pl-PL" sz="2400" dirty="0"/>
+              <a:t>Podajemy je jako atrybuty funkcji. Dla danego </a:t>
+            </a:r>
+            <a:r>
+              <a:rPr lang="pl-PL" sz="2400" dirty="0" err="1"/>
+              <a:t>endpointu</a:t>
+            </a:r>
+            <a:r>
+              <a:rPr lang="pl-PL" sz="2400" dirty="0"/>
+              <a:t> można ustawić wiele dopuszczalnych metod.</a:t>
+            </a:r>
+          </a:p>
+          <a:p>
+            <a:pPr marL="0" indent="0">
+              <a:buNone/>
+            </a:pPr>
+            <a:endParaRPr lang="pl-PL" sz="2000" b="0" dirty="0">
+              <a:solidFill>
+                <a:srgbClr val="000000"/>
+              </a:solidFill>
+              <a:effectLst/>
+              <a:latin typeface="Consolas" panose="020B0609020204030204" pitchFamily="49" charset="0"/>
+            </a:endParaRPr>
+          </a:p>
+          <a:p>
+            <a:pPr marL="0" indent="0">
+              <a:buNone/>
+            </a:pPr>
+            <a:r>
+              <a:rPr lang="pl-PL" sz="2000" b="0" dirty="0">
+                <a:solidFill>
+                  <a:srgbClr val="000000"/>
+                </a:solidFill>
+                <a:effectLst/>
+                <a:latin typeface="Consolas" panose="020B0609020204030204" pitchFamily="49" charset="0"/>
+              </a:rPr>
+              <a:t>[</a:t>
+            </a:r>
+            <a:r>
+              <a:rPr lang="pl-PL" sz="2000" b="0" dirty="0" err="1">
+                <a:solidFill>
+                  <a:srgbClr val="267F99"/>
+                </a:solidFill>
+                <a:effectLst/>
+                <a:latin typeface="Consolas" panose="020B0609020204030204" pitchFamily="49" charset="0"/>
+              </a:rPr>
+              <a:t>HttpGet</a:t>
+            </a:r>
+            <a:r>
+              <a:rPr lang="pl-PL" sz="2000" b="0" dirty="0">
+                <a:solidFill>
+                  <a:srgbClr val="000000"/>
+                </a:solidFill>
+                <a:effectLst/>
+                <a:latin typeface="Consolas" panose="020B0609020204030204" pitchFamily="49" charset="0"/>
+              </a:rPr>
+              <a:t>]</a:t>
+            </a:r>
+          </a:p>
+          <a:p>
+            <a:pPr marL="0" indent="0">
+              <a:buNone/>
+            </a:pPr>
+            <a:r>
+              <a:rPr lang="pl-PL" sz="2000" b="0" dirty="0">
+                <a:solidFill>
+                  <a:srgbClr val="000000"/>
+                </a:solidFill>
+                <a:effectLst/>
+                <a:latin typeface="Consolas" panose="020B0609020204030204" pitchFamily="49" charset="0"/>
+              </a:rPr>
+              <a:t>[</a:t>
+            </a:r>
+            <a:r>
+              <a:rPr lang="pl-PL" sz="2000" b="0" dirty="0" err="1">
+                <a:solidFill>
+                  <a:srgbClr val="267F99"/>
+                </a:solidFill>
+                <a:effectLst/>
+                <a:latin typeface="Consolas" panose="020B0609020204030204" pitchFamily="49" charset="0"/>
+              </a:rPr>
+              <a:t>HttpPost</a:t>
+            </a:r>
+            <a:r>
+              <a:rPr lang="pl-PL" sz="2000" b="0" dirty="0">
+                <a:solidFill>
+                  <a:srgbClr val="000000"/>
+                </a:solidFill>
+                <a:effectLst/>
+                <a:latin typeface="Consolas" panose="020B0609020204030204" pitchFamily="49" charset="0"/>
+              </a:rPr>
+              <a:t>]</a:t>
+            </a:r>
+          </a:p>
+          <a:p>
+            <a:pPr marL="0" indent="0">
+              <a:buNone/>
+            </a:pPr>
+            <a:r>
+              <a:rPr lang="pl-PL" sz="2000" b="0" dirty="0">
+                <a:solidFill>
+                  <a:srgbClr val="000000"/>
+                </a:solidFill>
+                <a:effectLst/>
+                <a:latin typeface="Consolas" panose="020B0609020204030204" pitchFamily="49" charset="0"/>
+              </a:rPr>
+              <a:t>[</a:t>
+            </a:r>
+            <a:r>
+              <a:rPr lang="pl-PL" sz="2000" b="0" dirty="0" err="1">
+                <a:solidFill>
+                  <a:srgbClr val="267F99"/>
+                </a:solidFill>
+                <a:effectLst/>
+                <a:latin typeface="Consolas" panose="020B0609020204030204" pitchFamily="49" charset="0"/>
+              </a:rPr>
+              <a:t>HttpPut</a:t>
+            </a:r>
+            <a:r>
+              <a:rPr lang="pl-PL" sz="2000" b="0" dirty="0">
+                <a:solidFill>
+                  <a:srgbClr val="000000"/>
+                </a:solidFill>
+                <a:effectLst/>
+                <a:latin typeface="Consolas" panose="020B0609020204030204" pitchFamily="49" charset="0"/>
+              </a:rPr>
+              <a:t>]</a:t>
+            </a:r>
+          </a:p>
+          <a:p>
+            <a:pPr marL="0" indent="0">
+              <a:buNone/>
+            </a:pPr>
+            <a:r>
+              <a:rPr lang="pl-PL" sz="2000" b="0" dirty="0">
+                <a:solidFill>
+                  <a:srgbClr val="000000"/>
+                </a:solidFill>
+                <a:effectLst/>
+                <a:latin typeface="Consolas" panose="020B0609020204030204" pitchFamily="49" charset="0"/>
+              </a:rPr>
+              <a:t>[</a:t>
+            </a:r>
+            <a:r>
+              <a:rPr lang="pl-PL" sz="2000" b="0" dirty="0" err="1">
+                <a:solidFill>
+                  <a:srgbClr val="267F99"/>
+                </a:solidFill>
+                <a:effectLst/>
+                <a:latin typeface="Consolas" panose="020B0609020204030204" pitchFamily="49" charset="0"/>
+              </a:rPr>
+              <a:t>HttpPatch</a:t>
+            </a:r>
+            <a:r>
+              <a:rPr lang="pl-PL" sz="2000" b="0" dirty="0">
+                <a:solidFill>
+                  <a:srgbClr val="000000"/>
+                </a:solidFill>
+                <a:effectLst/>
+                <a:latin typeface="Consolas" panose="020B0609020204030204" pitchFamily="49" charset="0"/>
+              </a:rPr>
+              <a:t>]</a:t>
+            </a:r>
+          </a:p>
+          <a:p>
+            <a:pPr marL="0" indent="0">
+              <a:buNone/>
+            </a:pPr>
+            <a:r>
+              <a:rPr lang="pl-PL" sz="2000" b="0" dirty="0">
+                <a:solidFill>
+                  <a:srgbClr val="000000"/>
+                </a:solidFill>
+                <a:effectLst/>
+                <a:latin typeface="Consolas" panose="020B0609020204030204" pitchFamily="49" charset="0"/>
+              </a:rPr>
+              <a:t>[</a:t>
+            </a:r>
+            <a:r>
+              <a:rPr lang="pl-PL" sz="2000" b="0" dirty="0" err="1">
+                <a:solidFill>
+                  <a:srgbClr val="267F99"/>
+                </a:solidFill>
+                <a:effectLst/>
+                <a:latin typeface="Consolas" panose="020B0609020204030204" pitchFamily="49" charset="0"/>
+              </a:rPr>
+              <a:t>HttpDelete</a:t>
+            </a:r>
+            <a:r>
+              <a:rPr lang="pl-PL" sz="2000" b="0" dirty="0">
+                <a:solidFill>
+                  <a:srgbClr val="000000"/>
+                </a:solidFill>
+                <a:effectLst/>
+                <a:latin typeface="Consolas" panose="020B0609020204030204" pitchFamily="49" charset="0"/>
+              </a:rPr>
+              <a:t>]</a:t>
+            </a:r>
+          </a:p>
+          <a:p>
+            <a:pPr marL="0" indent="0">
+              <a:buNone/>
+            </a:pPr>
+            <a:r>
+              <a:rPr lang="pl-PL" sz="2000" b="0" dirty="0">
+                <a:solidFill>
+                  <a:srgbClr val="000000"/>
+                </a:solidFill>
+                <a:effectLst/>
+                <a:latin typeface="Consolas" panose="020B0609020204030204" pitchFamily="49" charset="0"/>
+              </a:rPr>
+              <a:t>[</a:t>
+            </a:r>
+            <a:r>
+              <a:rPr lang="pl-PL" sz="2000" b="0" dirty="0" err="1">
+                <a:solidFill>
+                  <a:srgbClr val="267F99"/>
+                </a:solidFill>
+                <a:effectLst/>
+                <a:latin typeface="Consolas" panose="020B0609020204030204" pitchFamily="49" charset="0"/>
+              </a:rPr>
+              <a:t>HttpOptions</a:t>
+            </a:r>
+            <a:r>
+              <a:rPr lang="pl-PL" sz="2000" b="0" dirty="0">
+                <a:solidFill>
+                  <a:srgbClr val="000000"/>
+                </a:solidFill>
+                <a:effectLst/>
+                <a:latin typeface="Consolas" panose="020B0609020204030204" pitchFamily="49" charset="0"/>
+              </a:rPr>
+              <a:t>]</a:t>
+            </a:r>
+          </a:p>
+          <a:p>
+            <a:pPr marL="0" indent="0">
+              <a:buNone/>
+            </a:pPr>
+            <a:r>
+              <a:rPr lang="pl-PL" sz="2000" b="0" dirty="0">
+                <a:solidFill>
+                  <a:srgbClr val="000000"/>
+                </a:solidFill>
+                <a:effectLst/>
+                <a:latin typeface="Consolas" panose="020B0609020204030204" pitchFamily="49" charset="0"/>
+              </a:rPr>
+              <a:t>[</a:t>
+            </a:r>
+            <a:r>
+              <a:rPr lang="pl-PL" sz="2000" b="0" dirty="0" err="1">
+                <a:solidFill>
+                  <a:srgbClr val="267F99"/>
+                </a:solidFill>
+                <a:effectLst/>
+                <a:latin typeface="Consolas" panose="020B0609020204030204" pitchFamily="49" charset="0"/>
+              </a:rPr>
+              <a:t>HttpHead</a:t>
+            </a:r>
+            <a:r>
+              <a:rPr lang="pl-PL" sz="2000" b="0" dirty="0">
+                <a:solidFill>
+                  <a:srgbClr val="000000"/>
+                </a:solidFill>
+                <a:effectLst/>
+                <a:latin typeface="Consolas" panose="020B0609020204030204" pitchFamily="49" charset="0"/>
+              </a:rPr>
+              <a:t>]</a:t>
+            </a:r>
+          </a:p>
+          <a:p>
+            <a:pPr marL="0" indent="0">
+              <a:buNone/>
+            </a:pPr>
+            <a:endParaRPr lang="pl-PL" dirty="0"/>
+          </a:p>
+          <a:p>
+            <a:pPr marL="0" indent="0">
+              <a:buNone/>
+            </a:pPr>
+            <a:endParaRPr lang="pl-PL" dirty="0"/>
           </a:p>
         </p:txBody>
       </p:sp>
@@ -14796,10 +15670,577 @@
         </p:nvSpPr>
         <p:spPr/>
         <p:txBody>
-          <a:bodyPr/>
+          <a:bodyPr>
+            <a:normAutofit/>
+          </a:bodyPr>
           <a:lstStyle/>
           <a:p>
-            <a:endParaRPr lang="pl-PL"/>
+            <a:pPr marL="0" indent="0">
+              <a:buNone/>
+            </a:pPr>
+            <a:r>
+              <a:rPr lang="pl-PL" sz="1600" b="0" dirty="0" err="1">
+                <a:solidFill>
+                  <a:srgbClr val="AF00DB"/>
+                </a:solidFill>
+                <a:effectLst/>
+                <a:latin typeface="Consolas" panose="020B0609020204030204" pitchFamily="49" charset="0"/>
+              </a:rPr>
+              <a:t>if</a:t>
+            </a:r>
+            <a:r>
+              <a:rPr lang="pl-PL" sz="1600" b="0" dirty="0">
+                <a:solidFill>
+                  <a:srgbClr val="000000"/>
+                </a:solidFill>
+                <a:effectLst/>
+                <a:latin typeface="Consolas" panose="020B0609020204030204" pitchFamily="49" charset="0"/>
+              </a:rPr>
+              <a:t>(</a:t>
+            </a:r>
+            <a:r>
+              <a:rPr lang="pl-PL" sz="1600" b="0" dirty="0" err="1">
+                <a:solidFill>
+                  <a:srgbClr val="001080"/>
+                </a:solidFill>
+                <a:effectLst/>
+                <a:latin typeface="Consolas" panose="020B0609020204030204" pitchFamily="49" charset="0"/>
+              </a:rPr>
+              <a:t>ModelState</a:t>
+            </a:r>
+            <a:r>
+              <a:rPr lang="pl-PL" sz="1600" b="0" dirty="0" err="1">
+                <a:solidFill>
+                  <a:srgbClr val="000000"/>
+                </a:solidFill>
+                <a:effectLst/>
+                <a:latin typeface="Consolas" panose="020B0609020204030204" pitchFamily="49" charset="0"/>
+              </a:rPr>
+              <a:t>.</a:t>
+            </a:r>
+            <a:r>
+              <a:rPr lang="pl-PL" sz="1600" b="0" dirty="0" err="1">
+                <a:solidFill>
+                  <a:srgbClr val="001080"/>
+                </a:solidFill>
+                <a:effectLst/>
+                <a:latin typeface="Consolas" panose="020B0609020204030204" pitchFamily="49" charset="0"/>
+              </a:rPr>
+              <a:t>IsValid</a:t>
+            </a:r>
+            <a:r>
+              <a:rPr lang="pl-PL" sz="1600" b="0" dirty="0">
+                <a:solidFill>
+                  <a:srgbClr val="000000"/>
+                </a:solidFill>
+                <a:effectLst/>
+                <a:latin typeface="Consolas" panose="020B0609020204030204" pitchFamily="49" charset="0"/>
+              </a:rPr>
+              <a:t>)</a:t>
+            </a:r>
+          </a:p>
+          <a:p>
+            <a:pPr marL="0" indent="0">
+              <a:buNone/>
+            </a:pPr>
+            <a:r>
+              <a:rPr lang="pl-PL" sz="1600" b="0" dirty="0">
+                <a:solidFill>
+                  <a:srgbClr val="000000"/>
+                </a:solidFill>
+                <a:effectLst/>
+                <a:latin typeface="Consolas" panose="020B0609020204030204" pitchFamily="49" charset="0"/>
+              </a:rPr>
+              <a:t>{</a:t>
+            </a:r>
+          </a:p>
+          <a:p>
+            <a:pPr marL="0" indent="0">
+              <a:buNone/>
+            </a:pPr>
+            <a:r>
+              <a:rPr lang="pl-PL" sz="1600" b="0" dirty="0">
+                <a:solidFill>
+                  <a:srgbClr val="001080"/>
+                </a:solidFill>
+                <a:effectLst/>
+                <a:latin typeface="Consolas" panose="020B0609020204030204" pitchFamily="49" charset="0"/>
+              </a:rPr>
+              <a:t>	_</a:t>
+            </a:r>
+            <a:r>
+              <a:rPr lang="pl-PL" sz="1600" b="0" dirty="0" err="1">
+                <a:solidFill>
+                  <a:srgbClr val="001080"/>
+                </a:solidFill>
+                <a:effectLst/>
+                <a:latin typeface="Consolas" panose="020B0609020204030204" pitchFamily="49" charset="0"/>
+              </a:rPr>
+              <a:t>dbContext</a:t>
+            </a:r>
+            <a:r>
+              <a:rPr lang="pl-PL" sz="1600" b="0" dirty="0" err="1">
+                <a:solidFill>
+                  <a:srgbClr val="000000"/>
+                </a:solidFill>
+                <a:effectLst/>
+                <a:latin typeface="Consolas" panose="020B0609020204030204" pitchFamily="49" charset="0"/>
+              </a:rPr>
+              <a:t>.</a:t>
+            </a:r>
+            <a:r>
+              <a:rPr lang="pl-PL" sz="1600" b="0" dirty="0" err="1">
+                <a:solidFill>
+                  <a:srgbClr val="001080"/>
+                </a:solidFill>
+                <a:effectLst/>
+                <a:latin typeface="Consolas" panose="020B0609020204030204" pitchFamily="49" charset="0"/>
+              </a:rPr>
+              <a:t>Books</a:t>
+            </a:r>
+            <a:r>
+              <a:rPr lang="pl-PL" sz="1600" b="0" dirty="0" err="1">
+                <a:solidFill>
+                  <a:srgbClr val="000000"/>
+                </a:solidFill>
+                <a:effectLst/>
+                <a:latin typeface="Consolas" panose="020B0609020204030204" pitchFamily="49" charset="0"/>
+              </a:rPr>
+              <a:t>.</a:t>
+            </a:r>
+            <a:r>
+              <a:rPr lang="pl-PL" sz="1600" b="0" dirty="0" err="1">
+                <a:solidFill>
+                  <a:srgbClr val="795E26"/>
+                </a:solidFill>
+                <a:effectLst/>
+                <a:latin typeface="Consolas" panose="020B0609020204030204" pitchFamily="49" charset="0"/>
+              </a:rPr>
+              <a:t>Add</a:t>
+            </a:r>
+            <a:r>
+              <a:rPr lang="pl-PL" sz="1600" b="0" dirty="0">
+                <a:solidFill>
+                  <a:srgbClr val="000000"/>
+                </a:solidFill>
+                <a:effectLst/>
+                <a:latin typeface="Consolas" panose="020B0609020204030204" pitchFamily="49" charset="0"/>
+              </a:rPr>
+              <a:t>(</a:t>
+            </a:r>
+            <a:r>
+              <a:rPr lang="pl-PL" sz="1600" b="0" dirty="0">
+                <a:solidFill>
+                  <a:srgbClr val="001080"/>
+                </a:solidFill>
+                <a:effectLst/>
+                <a:latin typeface="Consolas" panose="020B0609020204030204" pitchFamily="49" charset="0"/>
+              </a:rPr>
+              <a:t>model</a:t>
+            </a:r>
+            <a:r>
+              <a:rPr lang="pl-PL" sz="1600" b="0" dirty="0">
+                <a:solidFill>
+                  <a:srgbClr val="000000"/>
+                </a:solidFill>
+                <a:effectLst/>
+                <a:latin typeface="Consolas" panose="020B0609020204030204" pitchFamily="49" charset="0"/>
+              </a:rPr>
+              <a:t>);</a:t>
+            </a:r>
+          </a:p>
+          <a:p>
+            <a:pPr marL="0" indent="0">
+              <a:buNone/>
+            </a:pPr>
+            <a:r>
+              <a:rPr lang="pl-PL" sz="1600" b="0" dirty="0">
+                <a:solidFill>
+                  <a:srgbClr val="001080"/>
+                </a:solidFill>
+                <a:effectLst/>
+                <a:latin typeface="Consolas" panose="020B0609020204030204" pitchFamily="49" charset="0"/>
+              </a:rPr>
+              <a:t>	_</a:t>
+            </a:r>
+            <a:r>
+              <a:rPr lang="pl-PL" sz="1600" b="0" dirty="0" err="1">
+                <a:solidFill>
+                  <a:srgbClr val="001080"/>
+                </a:solidFill>
+                <a:effectLst/>
+                <a:latin typeface="Consolas" panose="020B0609020204030204" pitchFamily="49" charset="0"/>
+              </a:rPr>
+              <a:t>dbContext</a:t>
+            </a:r>
+            <a:r>
+              <a:rPr lang="pl-PL" sz="1600" b="0" dirty="0" err="1">
+                <a:solidFill>
+                  <a:srgbClr val="000000"/>
+                </a:solidFill>
+                <a:effectLst/>
+                <a:latin typeface="Consolas" panose="020B0609020204030204" pitchFamily="49" charset="0"/>
+              </a:rPr>
+              <a:t>.</a:t>
+            </a:r>
+            <a:r>
+              <a:rPr lang="pl-PL" sz="1600" b="0" dirty="0" err="1">
+                <a:solidFill>
+                  <a:srgbClr val="795E26"/>
+                </a:solidFill>
+                <a:effectLst/>
+                <a:latin typeface="Consolas" panose="020B0609020204030204" pitchFamily="49" charset="0"/>
+              </a:rPr>
+              <a:t>SaveChanges</a:t>
+            </a:r>
+            <a:r>
+              <a:rPr lang="pl-PL" sz="1600" b="0" dirty="0">
+                <a:solidFill>
+                  <a:srgbClr val="000000"/>
+                </a:solidFill>
+                <a:effectLst/>
+                <a:latin typeface="Consolas" panose="020B0609020204030204" pitchFamily="49" charset="0"/>
+              </a:rPr>
+              <a:t>();</a:t>
+            </a:r>
+          </a:p>
+          <a:p>
+            <a:pPr marL="0" indent="0">
+              <a:buNone/>
+            </a:pPr>
+            <a:r>
+              <a:rPr lang="pl-PL" sz="1600" b="0" dirty="0">
+                <a:solidFill>
+                  <a:srgbClr val="000000"/>
+                </a:solidFill>
+                <a:effectLst/>
+                <a:latin typeface="Consolas" panose="020B0609020204030204" pitchFamily="49" charset="0"/>
+              </a:rPr>
+              <a:t>             </a:t>
+            </a:r>
+          </a:p>
+          <a:p>
+            <a:pPr marL="0" indent="0">
+              <a:buNone/>
+            </a:pPr>
+            <a:r>
+              <a:rPr lang="pl-PL" sz="1600" b="0" dirty="0">
+                <a:solidFill>
+                  <a:srgbClr val="AF00DB"/>
+                </a:solidFill>
+                <a:effectLst/>
+                <a:latin typeface="Consolas" panose="020B0609020204030204" pitchFamily="49" charset="0"/>
+              </a:rPr>
+              <a:t>	return</a:t>
+            </a:r>
+            <a:r>
+              <a:rPr lang="pl-PL" sz="1600" b="0" dirty="0">
+                <a:solidFill>
+                  <a:srgbClr val="000000"/>
+                </a:solidFill>
+                <a:effectLst/>
+                <a:latin typeface="Consolas" panose="020B0609020204030204" pitchFamily="49" charset="0"/>
+              </a:rPr>
+              <a:t> </a:t>
+            </a:r>
+            <a:r>
+              <a:rPr lang="pl-PL" sz="1600" b="0" dirty="0" err="1">
+                <a:solidFill>
+                  <a:srgbClr val="795E26"/>
+                </a:solidFill>
+                <a:effectLst/>
+                <a:latin typeface="Consolas" panose="020B0609020204030204" pitchFamily="49" charset="0"/>
+              </a:rPr>
+              <a:t>StatusCode</a:t>
+            </a:r>
+            <a:r>
+              <a:rPr lang="pl-PL" sz="1600" b="0" dirty="0">
+                <a:solidFill>
+                  <a:srgbClr val="000000"/>
+                </a:solidFill>
+                <a:effectLst/>
+                <a:latin typeface="Consolas" panose="020B0609020204030204" pitchFamily="49" charset="0"/>
+              </a:rPr>
+              <a:t>(</a:t>
+            </a:r>
+            <a:r>
+              <a:rPr lang="pl-PL" sz="1600" b="0" dirty="0">
+                <a:solidFill>
+                  <a:srgbClr val="098658"/>
+                </a:solidFill>
+                <a:effectLst/>
+                <a:latin typeface="Consolas" panose="020B0609020204030204" pitchFamily="49" charset="0"/>
+              </a:rPr>
+              <a:t>201</a:t>
+            </a:r>
+            <a:r>
+              <a:rPr lang="pl-PL" sz="1600" b="0" dirty="0">
+                <a:solidFill>
+                  <a:srgbClr val="000000"/>
+                </a:solidFill>
+                <a:effectLst/>
+                <a:latin typeface="Consolas" panose="020B0609020204030204" pitchFamily="49" charset="0"/>
+              </a:rPr>
+              <a:t>, </a:t>
+            </a:r>
+            <a:r>
+              <a:rPr lang="pl-PL" sz="1600" b="0" dirty="0" err="1">
+                <a:solidFill>
+                  <a:srgbClr val="0000FF"/>
+                </a:solidFill>
+                <a:effectLst/>
+                <a:latin typeface="Consolas" panose="020B0609020204030204" pitchFamily="49" charset="0"/>
+              </a:rPr>
+              <a:t>new</a:t>
+            </a:r>
+            <a:r>
+              <a:rPr lang="pl-PL" sz="1600" b="0" dirty="0">
+                <a:solidFill>
+                  <a:srgbClr val="000000"/>
+                </a:solidFill>
+                <a:effectLst/>
+                <a:latin typeface="Consolas" panose="020B0609020204030204" pitchFamily="49" charset="0"/>
+              </a:rPr>
+              <a:t> {</a:t>
+            </a:r>
+            <a:r>
+              <a:rPr lang="pl-PL" sz="1600" b="0" dirty="0">
+                <a:solidFill>
+                  <a:srgbClr val="001080"/>
+                </a:solidFill>
+                <a:effectLst/>
+                <a:latin typeface="Consolas" panose="020B0609020204030204" pitchFamily="49" charset="0"/>
+              </a:rPr>
+              <a:t>status</a:t>
+            </a:r>
+            <a:r>
+              <a:rPr lang="pl-PL" sz="1600" b="0" dirty="0">
+                <a:solidFill>
+                  <a:srgbClr val="000000"/>
+                </a:solidFill>
+                <a:effectLst/>
+                <a:latin typeface="Consolas" panose="020B0609020204030204" pitchFamily="49" charset="0"/>
+              </a:rPr>
+              <a:t> = </a:t>
+            </a:r>
+            <a:r>
+              <a:rPr lang="pl-PL" sz="1600" b="0" dirty="0">
+                <a:solidFill>
+                  <a:srgbClr val="A31515"/>
+                </a:solidFill>
+                <a:effectLst/>
+                <a:latin typeface="Consolas" panose="020B0609020204030204" pitchFamily="49" charset="0"/>
+              </a:rPr>
+              <a:t>"</a:t>
+            </a:r>
+            <a:r>
+              <a:rPr lang="pl-PL" sz="1600" b="0" dirty="0" err="1">
+                <a:solidFill>
+                  <a:srgbClr val="A31515"/>
+                </a:solidFill>
+                <a:effectLst/>
+                <a:latin typeface="Consolas" panose="020B0609020204030204" pitchFamily="49" charset="0"/>
+              </a:rPr>
+              <a:t>success</a:t>
+            </a:r>
+            <a:r>
+              <a:rPr lang="pl-PL" sz="1600" b="0" dirty="0">
+                <a:solidFill>
+                  <a:srgbClr val="A31515"/>
+                </a:solidFill>
+                <a:effectLst/>
+                <a:latin typeface="Consolas" panose="020B0609020204030204" pitchFamily="49" charset="0"/>
+              </a:rPr>
+              <a:t>"</a:t>
+            </a:r>
+            <a:r>
+              <a:rPr lang="pl-PL" sz="1600" b="0" dirty="0">
+                <a:solidFill>
+                  <a:srgbClr val="000000"/>
+                </a:solidFill>
+                <a:effectLst/>
+                <a:latin typeface="Consolas" panose="020B0609020204030204" pitchFamily="49" charset="0"/>
+              </a:rPr>
+              <a:t>});</a:t>
+            </a:r>
+          </a:p>
+          <a:p>
+            <a:pPr marL="0" indent="0">
+              <a:buNone/>
+            </a:pPr>
+            <a:r>
+              <a:rPr lang="pl-PL" sz="1600" b="0" dirty="0">
+                <a:solidFill>
+                  <a:srgbClr val="000000"/>
+                </a:solidFill>
+                <a:effectLst/>
+                <a:latin typeface="Consolas" panose="020B0609020204030204" pitchFamily="49" charset="0"/>
+              </a:rPr>
+              <a:t>}</a:t>
+            </a:r>
+          </a:p>
+          <a:p>
+            <a:pPr marL="0" indent="0">
+              <a:buNone/>
+            </a:pPr>
+            <a:r>
+              <a:rPr lang="pl-PL" sz="1600" b="0" dirty="0" err="1">
+                <a:solidFill>
+                  <a:srgbClr val="AF00DB"/>
+                </a:solidFill>
+                <a:effectLst/>
+                <a:latin typeface="Consolas" panose="020B0609020204030204" pitchFamily="49" charset="0"/>
+              </a:rPr>
+              <a:t>else</a:t>
+            </a:r>
+            <a:endParaRPr lang="pl-PL" sz="1600" b="0" dirty="0">
+              <a:solidFill>
+                <a:srgbClr val="000000"/>
+              </a:solidFill>
+              <a:effectLst/>
+              <a:latin typeface="Consolas" panose="020B0609020204030204" pitchFamily="49" charset="0"/>
+            </a:endParaRPr>
+          </a:p>
+          <a:p>
+            <a:pPr marL="0" indent="0">
+              <a:buNone/>
+            </a:pPr>
+            <a:r>
+              <a:rPr lang="pl-PL" sz="1600" b="0" dirty="0">
+                <a:solidFill>
+                  <a:srgbClr val="000000"/>
+                </a:solidFill>
+                <a:effectLst/>
+                <a:latin typeface="Consolas" panose="020B0609020204030204" pitchFamily="49" charset="0"/>
+              </a:rPr>
+              <a:t>{</a:t>
+            </a:r>
+          </a:p>
+          <a:p>
+            <a:pPr marL="0" indent="0">
+              <a:buNone/>
+            </a:pPr>
+            <a:r>
+              <a:rPr lang="pl-PL" sz="1600" b="0" dirty="0">
+                <a:solidFill>
+                  <a:srgbClr val="AF00DB"/>
+                </a:solidFill>
+                <a:effectLst/>
+                <a:latin typeface="Consolas" panose="020B0609020204030204" pitchFamily="49" charset="0"/>
+              </a:rPr>
+              <a:t>	return</a:t>
+            </a:r>
+            <a:r>
+              <a:rPr lang="pl-PL" sz="1600" b="0" dirty="0">
+                <a:solidFill>
+                  <a:srgbClr val="000000"/>
+                </a:solidFill>
+                <a:effectLst/>
+                <a:latin typeface="Consolas" panose="020B0609020204030204" pitchFamily="49" charset="0"/>
+              </a:rPr>
+              <a:t> </a:t>
+            </a:r>
+            <a:r>
+              <a:rPr lang="pl-PL" sz="1600" b="0" dirty="0" err="1">
+                <a:solidFill>
+                  <a:srgbClr val="795E26"/>
+                </a:solidFill>
+                <a:effectLst/>
+                <a:latin typeface="Consolas" panose="020B0609020204030204" pitchFamily="49" charset="0"/>
+              </a:rPr>
+              <a:t>BadRequest</a:t>
+            </a:r>
+            <a:r>
+              <a:rPr lang="pl-PL" sz="1600" b="0" dirty="0">
+                <a:solidFill>
+                  <a:srgbClr val="000000"/>
+                </a:solidFill>
+                <a:effectLst/>
+                <a:latin typeface="Consolas" panose="020B0609020204030204" pitchFamily="49" charset="0"/>
+              </a:rPr>
+              <a:t>(</a:t>
+            </a:r>
+            <a:r>
+              <a:rPr lang="pl-PL" sz="1600" b="0" dirty="0" err="1">
+                <a:solidFill>
+                  <a:srgbClr val="0000FF"/>
+                </a:solidFill>
+                <a:effectLst/>
+                <a:latin typeface="Consolas" panose="020B0609020204030204" pitchFamily="49" charset="0"/>
+              </a:rPr>
+              <a:t>new</a:t>
+            </a:r>
+            <a:r>
+              <a:rPr lang="pl-PL" sz="1600" b="0" dirty="0">
+                <a:solidFill>
+                  <a:srgbClr val="000000"/>
+                </a:solidFill>
+                <a:effectLst/>
+                <a:latin typeface="Consolas" panose="020B0609020204030204" pitchFamily="49" charset="0"/>
+              </a:rPr>
+              <a:t> {</a:t>
+            </a:r>
+            <a:r>
+              <a:rPr lang="pl-PL" sz="1600" b="0" dirty="0">
+                <a:solidFill>
+                  <a:srgbClr val="001080"/>
+                </a:solidFill>
+                <a:effectLst/>
+                <a:latin typeface="Consolas" panose="020B0609020204030204" pitchFamily="49" charset="0"/>
+              </a:rPr>
+              <a:t>status</a:t>
+            </a:r>
+            <a:r>
+              <a:rPr lang="pl-PL" sz="1600" b="0" dirty="0">
+                <a:solidFill>
+                  <a:srgbClr val="000000"/>
+                </a:solidFill>
+                <a:effectLst/>
+                <a:latin typeface="Consolas" panose="020B0609020204030204" pitchFamily="49" charset="0"/>
+              </a:rPr>
+              <a:t>=</a:t>
+            </a:r>
+            <a:r>
+              <a:rPr lang="pl-PL" sz="1600" b="0" dirty="0">
+                <a:solidFill>
+                  <a:srgbClr val="A31515"/>
+                </a:solidFill>
+                <a:effectLst/>
+                <a:latin typeface="Consolas" panose="020B0609020204030204" pitchFamily="49" charset="0"/>
+              </a:rPr>
+              <a:t>"error"</a:t>
+            </a:r>
+            <a:r>
+              <a:rPr lang="pl-PL" sz="1600" b="0" dirty="0">
+                <a:solidFill>
+                  <a:srgbClr val="000000"/>
+                </a:solidFill>
+                <a:effectLst/>
+                <a:latin typeface="Consolas" panose="020B0609020204030204" pitchFamily="49" charset="0"/>
+              </a:rPr>
+              <a:t>});</a:t>
+            </a:r>
+          </a:p>
+          <a:p>
+            <a:pPr marL="0" indent="0">
+              <a:buNone/>
+            </a:pPr>
+            <a:r>
+              <a:rPr lang="pl-PL" sz="1600" b="0" dirty="0">
+                <a:solidFill>
+                  <a:srgbClr val="000000"/>
+                </a:solidFill>
+                <a:effectLst/>
+                <a:latin typeface="Consolas" panose="020B0609020204030204" pitchFamily="49" charset="0"/>
+              </a:rPr>
+              <a:t> }</a:t>
+            </a:r>
+          </a:p>
+          <a:p>
+            <a:pPr marL="0" indent="0">
+              <a:buNone/>
+            </a:pPr>
+            <a:endParaRPr lang="pl-PL" sz="2400" dirty="0"/>
           </a:p>
         </p:txBody>
       </p:sp>
@@ -14863,31 +16304,6 @@
       </p:grpSpPr>
       <p:sp>
         <p:nvSpPr>
-          <p:cNvPr id="2" name="Symbol zastępczy zawartości 1">
-            <a:extLst>
-              <a:ext uri="{FF2B5EF4-FFF2-40B4-BE49-F238E27FC236}">
-                <a16:creationId xmlns:a16="http://schemas.microsoft.com/office/drawing/2014/main" id="{BBC0AD1F-EBF2-4810-8647-00457C5EEBE3}"/>
-              </a:ext>
-            </a:extLst>
-          </p:cNvPr>
-          <p:cNvSpPr>
-            <a:spLocks noGrp="1"/>
-          </p:cNvSpPr>
-          <p:nvPr>
-            <p:ph idx="1"/>
-          </p:nvPr>
-        </p:nvSpPr>
-        <p:spPr/>
-        <p:txBody>
-          <a:bodyPr/>
-          <a:lstStyle/>
-          <a:p>
-            <a:endParaRPr lang="pl-PL"/>
-          </a:p>
-        </p:txBody>
-      </p:sp>
-      <p:sp>
-        <p:nvSpPr>
           <p:cNvPr id="3" name="Tytuł 2">
             <a:extLst>
               <a:ext uri="{FF2B5EF4-FFF2-40B4-BE49-F238E27FC236}">
@@ -14922,6 +16338,2212 @@
               <a:rPr lang="pl-PL" dirty="0" err="1"/>
               <a:t>View</a:t>
             </a:r>
+            <a:endParaRPr lang="pl-PL" dirty="0"/>
+          </a:p>
+        </p:txBody>
+      </p:sp>
+      <p:sp>
+        <p:nvSpPr>
+          <p:cNvPr id="5" name="Symbol zastępczy zawartości 4">
+            <a:extLst>
+              <a:ext uri="{FF2B5EF4-FFF2-40B4-BE49-F238E27FC236}">
+                <a16:creationId xmlns:a16="http://schemas.microsoft.com/office/drawing/2014/main" id="{4CC64897-230F-43CE-B312-FBB016053F4B}"/>
+              </a:ext>
+            </a:extLst>
+          </p:cNvPr>
+          <p:cNvSpPr>
+            <a:spLocks noGrp="1"/>
+          </p:cNvSpPr>
+          <p:nvPr>
+            <p:ph sz="half" idx="1"/>
+          </p:nvPr>
+        </p:nvSpPr>
+        <p:spPr>
+          <a:xfrm>
+            <a:off x="585926" y="1825625"/>
+            <a:ext cx="5433874" cy="4351338"/>
+          </a:xfrm>
+        </p:spPr>
+        <p:txBody>
+          <a:bodyPr>
+            <a:normAutofit fontScale="25000" lnSpcReduction="20000"/>
+          </a:bodyPr>
+          <a:lstStyle/>
+          <a:p>
+            <a:pPr marL="0" indent="0">
+              <a:buNone/>
+            </a:pPr>
+            <a:r>
+              <a:rPr lang="pl-PL" sz="5600" b="0" dirty="0">
+                <a:solidFill>
+                  <a:srgbClr val="0000FF"/>
+                </a:solidFill>
+                <a:effectLst/>
+                <a:latin typeface="Consolas" panose="020B0609020204030204" pitchFamily="49" charset="0"/>
+              </a:rPr>
+              <a:t>public</a:t>
+            </a:r>
+            <a:r>
+              <a:rPr lang="pl-PL" sz="5600" b="0" dirty="0">
+                <a:solidFill>
+                  <a:srgbClr val="000000"/>
+                </a:solidFill>
+                <a:effectLst/>
+                <a:latin typeface="Consolas" panose="020B0609020204030204" pitchFamily="49" charset="0"/>
+              </a:rPr>
+              <a:t> </a:t>
+            </a:r>
+            <a:r>
+              <a:rPr lang="pl-PL" sz="5600" b="0" dirty="0" err="1">
+                <a:solidFill>
+                  <a:srgbClr val="267F99"/>
+                </a:solidFill>
+                <a:effectLst/>
+                <a:latin typeface="Consolas" panose="020B0609020204030204" pitchFamily="49" charset="0"/>
+              </a:rPr>
+              <a:t>IActionResult</a:t>
+            </a:r>
+            <a:r>
+              <a:rPr lang="pl-PL" sz="5600" b="0" dirty="0">
+                <a:solidFill>
+                  <a:srgbClr val="000000"/>
+                </a:solidFill>
+                <a:effectLst/>
+                <a:latin typeface="Consolas" panose="020B0609020204030204" pitchFamily="49" charset="0"/>
+              </a:rPr>
+              <a:t> </a:t>
+            </a:r>
+            <a:r>
+              <a:rPr lang="pl-PL" sz="5600" b="0" dirty="0">
+                <a:solidFill>
+                  <a:srgbClr val="795E26"/>
+                </a:solidFill>
+                <a:effectLst/>
+                <a:latin typeface="Consolas" panose="020B0609020204030204" pitchFamily="49" charset="0"/>
+              </a:rPr>
+              <a:t>List</a:t>
+            </a:r>
+            <a:r>
+              <a:rPr lang="pl-PL" sz="5600" b="0" dirty="0">
+                <a:solidFill>
+                  <a:srgbClr val="000000"/>
+                </a:solidFill>
+                <a:effectLst/>
+                <a:latin typeface="Consolas" panose="020B0609020204030204" pitchFamily="49" charset="0"/>
+              </a:rPr>
+              <a:t>()</a:t>
+            </a:r>
+          </a:p>
+          <a:p>
+            <a:pPr marL="0" indent="0">
+              <a:buNone/>
+            </a:pPr>
+            <a:r>
+              <a:rPr lang="pl-PL" sz="5600" b="0" dirty="0">
+                <a:solidFill>
+                  <a:srgbClr val="000000"/>
+                </a:solidFill>
+                <a:effectLst/>
+                <a:latin typeface="Consolas" panose="020B0609020204030204" pitchFamily="49" charset="0"/>
+              </a:rPr>
+              <a:t>{</a:t>
+            </a:r>
+          </a:p>
+          <a:p>
+            <a:pPr marL="0" indent="0">
+              <a:buNone/>
+            </a:pPr>
+            <a:r>
+              <a:rPr lang="pl-PL" sz="5600" dirty="0">
+                <a:solidFill>
+                  <a:srgbClr val="001080"/>
+                </a:solidFill>
+                <a:latin typeface="Consolas" panose="020B0609020204030204" pitchFamily="49" charset="0"/>
+              </a:rPr>
+              <a:t>   </a:t>
+            </a:r>
+            <a:r>
+              <a:rPr lang="pl-PL" sz="5600" b="0" dirty="0" err="1">
+                <a:solidFill>
+                  <a:srgbClr val="001080"/>
+                </a:solidFill>
+                <a:effectLst/>
+                <a:latin typeface="Consolas" panose="020B0609020204030204" pitchFamily="49" charset="0"/>
+              </a:rPr>
+              <a:t>ViewData</a:t>
+            </a:r>
+            <a:r>
+              <a:rPr lang="pl-PL" sz="5600" b="0" dirty="0">
+                <a:solidFill>
+                  <a:srgbClr val="000000"/>
+                </a:solidFill>
+                <a:effectLst/>
+                <a:latin typeface="Consolas" panose="020B0609020204030204" pitchFamily="49" charset="0"/>
+              </a:rPr>
+              <a:t>[</a:t>
+            </a:r>
+            <a:r>
+              <a:rPr lang="pl-PL" sz="5600" b="0" dirty="0">
+                <a:solidFill>
+                  <a:srgbClr val="A31515"/>
+                </a:solidFill>
+                <a:effectLst/>
+                <a:latin typeface="Consolas" panose="020B0609020204030204" pitchFamily="49" charset="0"/>
+              </a:rPr>
+              <a:t>"</a:t>
+            </a:r>
+            <a:r>
+              <a:rPr lang="pl-PL" sz="5600" b="0" dirty="0" err="1">
+                <a:solidFill>
+                  <a:srgbClr val="A31515"/>
+                </a:solidFill>
+                <a:effectLst/>
+                <a:latin typeface="Consolas" panose="020B0609020204030204" pitchFamily="49" charset="0"/>
+              </a:rPr>
+              <a:t>BookList</a:t>
+            </a:r>
+            <a:r>
+              <a:rPr lang="pl-PL" sz="5600" b="0" dirty="0">
+                <a:solidFill>
+                  <a:srgbClr val="A31515"/>
+                </a:solidFill>
+                <a:effectLst/>
+                <a:latin typeface="Consolas" panose="020B0609020204030204" pitchFamily="49" charset="0"/>
+              </a:rPr>
+              <a:t>"</a:t>
+            </a:r>
+            <a:r>
+              <a:rPr lang="pl-PL" sz="5600" b="0" dirty="0">
+                <a:solidFill>
+                  <a:srgbClr val="000000"/>
+                </a:solidFill>
+                <a:effectLst/>
+                <a:latin typeface="Consolas" panose="020B0609020204030204" pitchFamily="49" charset="0"/>
+              </a:rPr>
+              <a:t>] = </a:t>
+            </a:r>
+            <a:r>
+              <a:rPr lang="pl-PL" sz="5600" b="0" dirty="0">
+                <a:solidFill>
+                  <a:srgbClr val="001080"/>
+                </a:solidFill>
+                <a:effectLst/>
+                <a:latin typeface="Consolas" panose="020B0609020204030204" pitchFamily="49" charset="0"/>
+              </a:rPr>
+              <a:t>_</a:t>
+            </a:r>
+            <a:r>
+              <a:rPr lang="pl-PL" sz="5600" b="0" dirty="0" err="1">
+                <a:solidFill>
+                  <a:srgbClr val="001080"/>
+                </a:solidFill>
+                <a:effectLst/>
+                <a:latin typeface="Consolas" panose="020B0609020204030204" pitchFamily="49" charset="0"/>
+              </a:rPr>
+              <a:t>dbContext</a:t>
+            </a:r>
+            <a:r>
+              <a:rPr lang="pl-PL" sz="5600" b="0" dirty="0" err="1">
+                <a:solidFill>
+                  <a:srgbClr val="000000"/>
+                </a:solidFill>
+                <a:effectLst/>
+                <a:latin typeface="Consolas" panose="020B0609020204030204" pitchFamily="49" charset="0"/>
+              </a:rPr>
+              <a:t>.</a:t>
+            </a:r>
+            <a:r>
+              <a:rPr lang="pl-PL" sz="5600" b="0" dirty="0" err="1">
+                <a:solidFill>
+                  <a:srgbClr val="001080"/>
+                </a:solidFill>
+                <a:effectLst/>
+                <a:latin typeface="Consolas" panose="020B0609020204030204" pitchFamily="49" charset="0"/>
+              </a:rPr>
+              <a:t>Books</a:t>
+            </a:r>
+            <a:r>
+              <a:rPr lang="pl-PL" sz="5600" b="0" dirty="0" err="1">
+                <a:solidFill>
+                  <a:srgbClr val="000000"/>
+                </a:solidFill>
+                <a:effectLst/>
+                <a:latin typeface="Consolas" panose="020B0609020204030204" pitchFamily="49" charset="0"/>
+              </a:rPr>
+              <a:t>.</a:t>
+            </a:r>
+            <a:r>
+              <a:rPr lang="pl-PL" sz="5600" b="0" dirty="0" err="1">
+                <a:solidFill>
+                  <a:srgbClr val="795E26"/>
+                </a:solidFill>
+                <a:effectLst/>
+                <a:latin typeface="Consolas" panose="020B0609020204030204" pitchFamily="49" charset="0"/>
+              </a:rPr>
+              <a:t>ToList</a:t>
+            </a:r>
+            <a:r>
+              <a:rPr lang="pl-PL" sz="5600" b="0" dirty="0">
+                <a:solidFill>
+                  <a:srgbClr val="000000"/>
+                </a:solidFill>
+                <a:effectLst/>
+                <a:latin typeface="Consolas" panose="020B0609020204030204" pitchFamily="49" charset="0"/>
+              </a:rPr>
+              <a:t>();</a:t>
+            </a:r>
+          </a:p>
+          <a:p>
+            <a:pPr marL="0" indent="0">
+              <a:buNone/>
+            </a:pPr>
+            <a:r>
+              <a:rPr lang="pl-PL" sz="5600" dirty="0">
+                <a:solidFill>
+                  <a:srgbClr val="AF00DB"/>
+                </a:solidFill>
+                <a:latin typeface="Consolas" panose="020B0609020204030204" pitchFamily="49" charset="0"/>
+              </a:rPr>
+              <a:t>   </a:t>
+            </a:r>
+            <a:r>
+              <a:rPr lang="pl-PL" sz="5600" b="0" dirty="0">
+                <a:solidFill>
+                  <a:srgbClr val="AF00DB"/>
+                </a:solidFill>
+                <a:effectLst/>
+                <a:latin typeface="Consolas" panose="020B0609020204030204" pitchFamily="49" charset="0"/>
+              </a:rPr>
+              <a:t>return</a:t>
+            </a:r>
+            <a:r>
+              <a:rPr lang="pl-PL" sz="5600" b="0" dirty="0">
+                <a:solidFill>
+                  <a:srgbClr val="000000"/>
+                </a:solidFill>
+                <a:effectLst/>
+                <a:latin typeface="Consolas" panose="020B0609020204030204" pitchFamily="49" charset="0"/>
+              </a:rPr>
+              <a:t> </a:t>
+            </a:r>
+            <a:r>
+              <a:rPr lang="pl-PL" sz="5600" b="0" dirty="0" err="1">
+                <a:solidFill>
+                  <a:srgbClr val="795E26"/>
+                </a:solidFill>
+                <a:effectLst/>
+                <a:latin typeface="Consolas" panose="020B0609020204030204" pitchFamily="49" charset="0"/>
+              </a:rPr>
+              <a:t>View</a:t>
+            </a:r>
+            <a:r>
+              <a:rPr lang="pl-PL" sz="5600" b="0" dirty="0">
+                <a:solidFill>
+                  <a:srgbClr val="000000"/>
+                </a:solidFill>
+                <a:effectLst/>
+                <a:latin typeface="Consolas" panose="020B0609020204030204" pitchFamily="49" charset="0"/>
+              </a:rPr>
+              <a:t>();</a:t>
+            </a:r>
+          </a:p>
+          <a:p>
+            <a:pPr marL="0" indent="0">
+              <a:buNone/>
+            </a:pPr>
+            <a:r>
+              <a:rPr lang="pl-PL" sz="5600" b="0" dirty="0">
+                <a:solidFill>
+                  <a:srgbClr val="000000"/>
+                </a:solidFill>
+                <a:effectLst/>
+                <a:latin typeface="Consolas" panose="020B0609020204030204" pitchFamily="49" charset="0"/>
+              </a:rPr>
+              <a:t>}</a:t>
+            </a:r>
+          </a:p>
+          <a:p>
+            <a:pPr marL="0" indent="0">
+              <a:buNone/>
+            </a:pPr>
+            <a:endParaRPr lang="pl-PL" sz="1400" dirty="0"/>
+          </a:p>
+          <a:p>
+            <a:pPr marL="0" indent="0">
+              <a:buNone/>
+            </a:pPr>
+            <a:endParaRPr lang="pl-PL" sz="1400" dirty="0"/>
+          </a:p>
+          <a:p>
+            <a:pPr marL="0" indent="0">
+              <a:buNone/>
+            </a:pPr>
+            <a:r>
+              <a:rPr lang="pl-PL" sz="5600" b="0" dirty="0">
+                <a:solidFill>
+                  <a:srgbClr val="008000"/>
+                </a:solidFill>
+                <a:effectLst/>
+                <a:latin typeface="Consolas" panose="020B0609020204030204" pitchFamily="49" charset="0"/>
+              </a:rPr>
+              <a:t>// inny przykład</a:t>
+            </a:r>
+            <a:endParaRPr lang="pl-PL" sz="5600" b="0" dirty="0">
+              <a:solidFill>
+                <a:srgbClr val="0000FF"/>
+              </a:solidFill>
+              <a:effectLst/>
+              <a:latin typeface="Consolas" panose="020B0609020204030204" pitchFamily="49" charset="0"/>
+            </a:endParaRPr>
+          </a:p>
+          <a:p>
+            <a:pPr marL="0" indent="0">
+              <a:buNone/>
+            </a:pPr>
+            <a:r>
+              <a:rPr lang="pl-PL" sz="5600" b="0" dirty="0">
+                <a:solidFill>
+                  <a:srgbClr val="0000FF"/>
+                </a:solidFill>
+                <a:effectLst/>
+                <a:latin typeface="Consolas" panose="020B0609020204030204" pitchFamily="49" charset="0"/>
+              </a:rPr>
+              <a:t>public</a:t>
+            </a:r>
+            <a:r>
+              <a:rPr lang="pl-PL" sz="5600" b="0" dirty="0">
+                <a:solidFill>
+                  <a:srgbClr val="000000"/>
+                </a:solidFill>
+                <a:effectLst/>
+                <a:latin typeface="Consolas" panose="020B0609020204030204" pitchFamily="49" charset="0"/>
+              </a:rPr>
+              <a:t> </a:t>
+            </a:r>
+            <a:r>
+              <a:rPr lang="pl-PL" sz="5600" b="0" dirty="0" err="1">
+                <a:solidFill>
+                  <a:srgbClr val="267F99"/>
+                </a:solidFill>
+                <a:effectLst/>
+                <a:latin typeface="Consolas" panose="020B0609020204030204" pitchFamily="49" charset="0"/>
+              </a:rPr>
+              <a:t>IActionResult</a:t>
+            </a:r>
+            <a:r>
+              <a:rPr lang="pl-PL" sz="5600" b="0" dirty="0">
+                <a:solidFill>
+                  <a:srgbClr val="000000"/>
+                </a:solidFill>
+                <a:effectLst/>
+                <a:latin typeface="Consolas" panose="020B0609020204030204" pitchFamily="49" charset="0"/>
+              </a:rPr>
+              <a:t> </a:t>
+            </a:r>
+            <a:r>
+              <a:rPr lang="pl-PL" sz="5600" b="0" dirty="0">
+                <a:solidFill>
+                  <a:srgbClr val="795E26"/>
+                </a:solidFill>
+                <a:effectLst/>
+                <a:latin typeface="Consolas" panose="020B0609020204030204" pitchFamily="49" charset="0"/>
+              </a:rPr>
+              <a:t>Update</a:t>
+            </a:r>
+            <a:r>
+              <a:rPr lang="pl-PL" sz="5600" b="0" dirty="0">
+                <a:solidFill>
+                  <a:srgbClr val="000000"/>
+                </a:solidFill>
+                <a:effectLst/>
+                <a:latin typeface="Consolas" panose="020B0609020204030204" pitchFamily="49" charset="0"/>
+              </a:rPr>
+              <a:t>([</a:t>
+            </a:r>
+            <a:r>
+              <a:rPr lang="pl-PL" sz="5600" b="0" dirty="0" err="1">
+                <a:solidFill>
+                  <a:srgbClr val="267F99"/>
+                </a:solidFill>
+                <a:effectLst/>
+                <a:latin typeface="Consolas" panose="020B0609020204030204" pitchFamily="49" charset="0"/>
+              </a:rPr>
+              <a:t>FromQuery</a:t>
+            </a:r>
+            <a:r>
+              <a:rPr lang="pl-PL" sz="5600" b="0" dirty="0">
+                <a:solidFill>
+                  <a:srgbClr val="000000"/>
+                </a:solidFill>
+                <a:effectLst/>
+                <a:latin typeface="Consolas" panose="020B0609020204030204" pitchFamily="49" charset="0"/>
+              </a:rPr>
+              <a:t>] </a:t>
+            </a:r>
+            <a:r>
+              <a:rPr lang="pl-PL" sz="5600" b="0" dirty="0" err="1">
+                <a:solidFill>
+                  <a:srgbClr val="0000FF"/>
+                </a:solidFill>
+                <a:effectLst/>
+                <a:latin typeface="Consolas" panose="020B0609020204030204" pitchFamily="49" charset="0"/>
+              </a:rPr>
+              <a:t>int</a:t>
+            </a:r>
+            <a:r>
+              <a:rPr lang="pl-PL" sz="5600" b="0" dirty="0">
+                <a:solidFill>
+                  <a:srgbClr val="000000"/>
+                </a:solidFill>
+                <a:effectLst/>
+                <a:latin typeface="Consolas" panose="020B0609020204030204" pitchFamily="49" charset="0"/>
+              </a:rPr>
+              <a:t> </a:t>
+            </a:r>
+            <a:r>
+              <a:rPr lang="pl-PL" sz="5600" b="0" dirty="0">
+                <a:solidFill>
+                  <a:srgbClr val="001080"/>
+                </a:solidFill>
+                <a:effectLst/>
+                <a:latin typeface="Consolas" panose="020B0609020204030204" pitchFamily="49" charset="0"/>
+              </a:rPr>
+              <a:t>id</a:t>
+            </a:r>
+            <a:r>
+              <a:rPr lang="pl-PL" sz="5600" b="0" dirty="0">
+                <a:solidFill>
+                  <a:srgbClr val="000000"/>
+                </a:solidFill>
+                <a:effectLst/>
+                <a:latin typeface="Consolas" panose="020B0609020204030204" pitchFamily="49" charset="0"/>
+              </a:rPr>
+              <a:t>)</a:t>
+            </a:r>
+          </a:p>
+          <a:p>
+            <a:pPr marL="0" indent="0">
+              <a:buNone/>
+            </a:pPr>
+            <a:r>
+              <a:rPr lang="pl-PL" sz="5600" b="0" dirty="0">
+                <a:solidFill>
+                  <a:srgbClr val="000000"/>
+                </a:solidFill>
+                <a:effectLst/>
+                <a:latin typeface="Consolas" panose="020B0609020204030204" pitchFamily="49" charset="0"/>
+              </a:rPr>
+              <a:t>{</a:t>
+            </a:r>
+          </a:p>
+          <a:p>
+            <a:pPr marL="0" indent="0">
+              <a:buNone/>
+            </a:pPr>
+            <a:r>
+              <a:rPr lang="pl-PL" sz="5600" b="0" dirty="0">
+                <a:solidFill>
+                  <a:srgbClr val="000000"/>
+                </a:solidFill>
+                <a:effectLst/>
+                <a:latin typeface="Consolas" panose="020B0609020204030204" pitchFamily="49" charset="0"/>
+              </a:rPr>
+              <a:t>    </a:t>
+            </a:r>
+            <a:r>
+              <a:rPr lang="pl-PL" sz="5600" b="0" dirty="0" err="1">
+                <a:solidFill>
+                  <a:srgbClr val="0000FF"/>
+                </a:solidFill>
+                <a:effectLst/>
+                <a:latin typeface="Consolas" panose="020B0609020204030204" pitchFamily="49" charset="0"/>
+              </a:rPr>
+              <a:t>var</a:t>
+            </a:r>
+            <a:r>
+              <a:rPr lang="pl-PL" sz="5600" b="0" dirty="0">
+                <a:solidFill>
+                  <a:srgbClr val="000000"/>
+                </a:solidFill>
+                <a:effectLst/>
+                <a:latin typeface="Consolas" panose="020B0609020204030204" pitchFamily="49" charset="0"/>
+              </a:rPr>
+              <a:t> </a:t>
+            </a:r>
+            <a:r>
+              <a:rPr lang="pl-PL" sz="5600" b="0" dirty="0" err="1">
+                <a:solidFill>
+                  <a:srgbClr val="001080"/>
+                </a:solidFill>
+                <a:effectLst/>
+                <a:latin typeface="Consolas" panose="020B0609020204030204" pitchFamily="49" charset="0"/>
+              </a:rPr>
+              <a:t>book</a:t>
+            </a:r>
+            <a:r>
+              <a:rPr lang="pl-PL" sz="5600" b="0" dirty="0">
+                <a:solidFill>
+                  <a:srgbClr val="000000"/>
+                </a:solidFill>
+                <a:effectLst/>
+                <a:latin typeface="Consolas" panose="020B0609020204030204" pitchFamily="49" charset="0"/>
+              </a:rPr>
+              <a:t> = </a:t>
+            </a:r>
+            <a:r>
+              <a:rPr lang="pl-PL" sz="5600" b="0" dirty="0">
+                <a:solidFill>
+                  <a:srgbClr val="001080"/>
+                </a:solidFill>
+                <a:effectLst/>
+                <a:latin typeface="Consolas" panose="020B0609020204030204" pitchFamily="49" charset="0"/>
+              </a:rPr>
+              <a:t>_</a:t>
+            </a:r>
+            <a:r>
+              <a:rPr lang="pl-PL" sz="5600" b="0" dirty="0" err="1">
+                <a:solidFill>
+                  <a:srgbClr val="001080"/>
+                </a:solidFill>
+                <a:effectLst/>
+                <a:latin typeface="Consolas" panose="020B0609020204030204" pitchFamily="49" charset="0"/>
+              </a:rPr>
+              <a:t>dbContext</a:t>
+            </a:r>
+            <a:r>
+              <a:rPr lang="pl-PL" sz="5600" b="0" dirty="0" err="1">
+                <a:solidFill>
+                  <a:srgbClr val="000000"/>
+                </a:solidFill>
+                <a:effectLst/>
+                <a:latin typeface="Consolas" panose="020B0609020204030204" pitchFamily="49" charset="0"/>
+              </a:rPr>
+              <a:t>.</a:t>
+            </a:r>
+            <a:r>
+              <a:rPr lang="pl-PL" sz="5600" b="0" dirty="0" err="1">
+                <a:solidFill>
+                  <a:srgbClr val="001080"/>
+                </a:solidFill>
+                <a:effectLst/>
+                <a:latin typeface="Consolas" panose="020B0609020204030204" pitchFamily="49" charset="0"/>
+              </a:rPr>
+              <a:t>Books</a:t>
+            </a:r>
+            <a:r>
+              <a:rPr lang="pl-PL" sz="5600" b="0" dirty="0" err="1">
+                <a:solidFill>
+                  <a:srgbClr val="000000"/>
+                </a:solidFill>
+                <a:effectLst/>
+                <a:latin typeface="Consolas" panose="020B0609020204030204" pitchFamily="49" charset="0"/>
+              </a:rPr>
+              <a:t>.</a:t>
+            </a:r>
+            <a:r>
+              <a:rPr lang="pl-PL" sz="5600" b="0" dirty="0" err="1">
+                <a:solidFill>
+                  <a:srgbClr val="795E26"/>
+                </a:solidFill>
+                <a:effectLst/>
+                <a:latin typeface="Consolas" panose="020B0609020204030204" pitchFamily="49" charset="0"/>
+              </a:rPr>
+              <a:t>FirstOrDefault</a:t>
+            </a:r>
+            <a:r>
+              <a:rPr lang="pl-PL" sz="5600" b="0" dirty="0">
+                <a:solidFill>
+                  <a:srgbClr val="000000"/>
+                </a:solidFill>
+                <a:effectLst/>
+                <a:latin typeface="Consolas" panose="020B0609020204030204" pitchFamily="49" charset="0"/>
+              </a:rPr>
+              <a:t>(</a:t>
+            </a:r>
+          </a:p>
+          <a:p>
+            <a:pPr marL="0" indent="0">
+              <a:buNone/>
+            </a:pPr>
+            <a:r>
+              <a:rPr lang="pl-PL" sz="5600" dirty="0">
+                <a:solidFill>
+                  <a:srgbClr val="000000"/>
+                </a:solidFill>
+                <a:latin typeface="Consolas" panose="020B0609020204030204" pitchFamily="49" charset="0"/>
+              </a:rPr>
+              <a:t>	</a:t>
+            </a:r>
+            <a:r>
+              <a:rPr lang="pl-PL" sz="5600" b="0" dirty="0">
+                <a:solidFill>
+                  <a:srgbClr val="000000"/>
+                </a:solidFill>
+                <a:effectLst/>
+                <a:latin typeface="Consolas" panose="020B0609020204030204" pitchFamily="49" charset="0"/>
+              </a:rPr>
+              <a:t>(</a:t>
+            </a:r>
+            <a:r>
+              <a:rPr lang="pl-PL" sz="5600" b="0" dirty="0">
+                <a:solidFill>
+                  <a:srgbClr val="001080"/>
+                </a:solidFill>
+                <a:effectLst/>
+                <a:latin typeface="Consolas" panose="020B0609020204030204" pitchFamily="49" charset="0"/>
+              </a:rPr>
+              <a:t>x</a:t>
+            </a:r>
+            <a:r>
+              <a:rPr lang="pl-PL" sz="5600" b="0" dirty="0">
+                <a:solidFill>
+                  <a:srgbClr val="000000"/>
+                </a:solidFill>
+                <a:effectLst/>
+                <a:latin typeface="Consolas" panose="020B0609020204030204" pitchFamily="49" charset="0"/>
+              </a:rPr>
+              <a:t>) =&gt; </a:t>
+            </a:r>
+            <a:r>
+              <a:rPr lang="pl-PL" sz="5600" b="0" dirty="0" err="1">
+                <a:solidFill>
+                  <a:srgbClr val="001080"/>
+                </a:solidFill>
+                <a:effectLst/>
+                <a:latin typeface="Consolas" panose="020B0609020204030204" pitchFamily="49" charset="0"/>
+              </a:rPr>
+              <a:t>x</a:t>
+            </a:r>
+            <a:r>
+              <a:rPr lang="pl-PL" sz="5600" b="0" dirty="0" err="1">
+                <a:solidFill>
+                  <a:srgbClr val="000000"/>
+                </a:solidFill>
+                <a:effectLst/>
+                <a:latin typeface="Consolas" panose="020B0609020204030204" pitchFamily="49" charset="0"/>
+              </a:rPr>
+              <a:t>.</a:t>
+            </a:r>
+            <a:r>
+              <a:rPr lang="pl-PL" sz="5600" b="0" dirty="0" err="1">
+                <a:solidFill>
+                  <a:srgbClr val="001080"/>
+                </a:solidFill>
+                <a:effectLst/>
+                <a:latin typeface="Consolas" panose="020B0609020204030204" pitchFamily="49" charset="0"/>
+              </a:rPr>
+              <a:t>BookId</a:t>
+            </a:r>
+            <a:r>
+              <a:rPr lang="pl-PL" sz="5600" b="0" dirty="0">
+                <a:solidFill>
+                  <a:srgbClr val="000000"/>
+                </a:solidFill>
+                <a:effectLst/>
+                <a:latin typeface="Consolas" panose="020B0609020204030204" pitchFamily="49" charset="0"/>
+              </a:rPr>
+              <a:t> == </a:t>
+            </a:r>
+            <a:r>
+              <a:rPr lang="pl-PL" sz="5600" b="0" dirty="0">
+                <a:solidFill>
+                  <a:srgbClr val="001080"/>
+                </a:solidFill>
+                <a:effectLst/>
+                <a:latin typeface="Consolas" panose="020B0609020204030204" pitchFamily="49" charset="0"/>
+              </a:rPr>
+              <a:t>id</a:t>
+            </a:r>
+            <a:r>
+              <a:rPr lang="pl-PL" sz="5600" b="0" dirty="0">
+                <a:solidFill>
+                  <a:srgbClr val="000000"/>
+                </a:solidFill>
+                <a:effectLst/>
+                <a:latin typeface="Consolas" panose="020B0609020204030204" pitchFamily="49" charset="0"/>
+              </a:rPr>
+              <a:t>);</a:t>
+            </a:r>
+          </a:p>
+          <a:p>
+            <a:pPr marL="0" indent="0">
+              <a:buNone/>
+            </a:pPr>
+            <a:r>
+              <a:rPr lang="pl-PL" sz="5600" b="0" dirty="0">
+                <a:solidFill>
+                  <a:srgbClr val="000000"/>
+                </a:solidFill>
+                <a:effectLst/>
+                <a:latin typeface="Consolas" panose="020B0609020204030204" pitchFamily="49" charset="0"/>
+              </a:rPr>
+              <a:t>    </a:t>
+            </a:r>
+            <a:r>
+              <a:rPr lang="pl-PL" sz="5600" b="0" dirty="0">
+                <a:solidFill>
+                  <a:srgbClr val="AF00DB"/>
+                </a:solidFill>
+                <a:effectLst/>
+                <a:latin typeface="Consolas" panose="020B0609020204030204" pitchFamily="49" charset="0"/>
+              </a:rPr>
+              <a:t>return</a:t>
+            </a:r>
+            <a:r>
+              <a:rPr lang="pl-PL" sz="5600" b="0" dirty="0">
+                <a:solidFill>
+                  <a:srgbClr val="000000"/>
+                </a:solidFill>
+                <a:effectLst/>
+                <a:latin typeface="Consolas" panose="020B0609020204030204" pitchFamily="49" charset="0"/>
+              </a:rPr>
+              <a:t> </a:t>
+            </a:r>
+            <a:r>
+              <a:rPr lang="pl-PL" sz="5600" b="0" dirty="0" err="1">
+                <a:solidFill>
+                  <a:srgbClr val="795E26"/>
+                </a:solidFill>
+                <a:effectLst/>
+                <a:latin typeface="Consolas" panose="020B0609020204030204" pitchFamily="49" charset="0"/>
+              </a:rPr>
+              <a:t>View</a:t>
+            </a:r>
+            <a:r>
+              <a:rPr lang="pl-PL" sz="5600" b="0" dirty="0">
+                <a:solidFill>
+                  <a:srgbClr val="000000"/>
+                </a:solidFill>
+                <a:effectLst/>
+                <a:latin typeface="Consolas" panose="020B0609020204030204" pitchFamily="49" charset="0"/>
+              </a:rPr>
+              <a:t>(</a:t>
+            </a:r>
+            <a:r>
+              <a:rPr lang="pl-PL" sz="5600" b="0" dirty="0" err="1">
+                <a:solidFill>
+                  <a:srgbClr val="001080"/>
+                </a:solidFill>
+                <a:effectLst/>
+                <a:latin typeface="Consolas" panose="020B0609020204030204" pitchFamily="49" charset="0"/>
+              </a:rPr>
+              <a:t>book</a:t>
+            </a:r>
+            <a:r>
+              <a:rPr lang="pl-PL" sz="5600" b="0" dirty="0">
+                <a:solidFill>
+                  <a:srgbClr val="000000"/>
+                </a:solidFill>
+                <a:effectLst/>
+                <a:latin typeface="Consolas" panose="020B0609020204030204" pitchFamily="49" charset="0"/>
+              </a:rPr>
+              <a:t>);</a:t>
+            </a:r>
+          </a:p>
+          <a:p>
+            <a:pPr marL="0" indent="0">
+              <a:buNone/>
+            </a:pPr>
+            <a:r>
+              <a:rPr lang="pl-PL" sz="5600" b="0" dirty="0">
+                <a:solidFill>
+                  <a:srgbClr val="000000"/>
+                </a:solidFill>
+                <a:effectLst/>
+                <a:latin typeface="Consolas" panose="020B0609020204030204" pitchFamily="49" charset="0"/>
+              </a:rPr>
+              <a:t>}</a:t>
+            </a:r>
+            <a:br>
+              <a:rPr lang="pl-PL" sz="5600" b="0" dirty="0">
+                <a:solidFill>
+                  <a:srgbClr val="000000"/>
+                </a:solidFill>
+                <a:effectLst/>
+                <a:latin typeface="Consolas" panose="020B0609020204030204" pitchFamily="49" charset="0"/>
+              </a:rPr>
+            </a:br>
+            <a:endParaRPr lang="pl-PL" sz="5600" b="0" dirty="0">
+              <a:solidFill>
+                <a:srgbClr val="000000"/>
+              </a:solidFill>
+              <a:effectLst/>
+              <a:latin typeface="Consolas" panose="020B0609020204030204" pitchFamily="49" charset="0"/>
+            </a:endParaRPr>
+          </a:p>
+          <a:p>
+            <a:pPr marL="0" indent="0">
+              <a:buNone/>
+            </a:pPr>
+            <a:endParaRPr lang="pl-PL" sz="5600" dirty="0"/>
+          </a:p>
+        </p:txBody>
+      </p:sp>
+      <p:sp>
+        <p:nvSpPr>
+          <p:cNvPr id="4" name="Symbol zastępczy zawartości 3">
+            <a:extLst>
+              <a:ext uri="{FF2B5EF4-FFF2-40B4-BE49-F238E27FC236}">
+                <a16:creationId xmlns:a16="http://schemas.microsoft.com/office/drawing/2014/main" id="{822BD8BF-DBFA-41DC-B7B1-44AD131C1172}"/>
+              </a:ext>
+            </a:extLst>
+          </p:cNvPr>
+          <p:cNvSpPr>
+            <a:spLocks noGrp="1"/>
+          </p:cNvSpPr>
+          <p:nvPr>
+            <p:ph sz="half" idx="2"/>
+          </p:nvPr>
+        </p:nvSpPr>
+        <p:spPr>
+          <a:xfrm>
+            <a:off x="6172202" y="1825625"/>
+            <a:ext cx="5750509" cy="4351338"/>
+          </a:xfrm>
+        </p:spPr>
+        <p:txBody>
+          <a:bodyPr>
+            <a:normAutofit fontScale="25000" lnSpcReduction="20000"/>
+          </a:bodyPr>
+          <a:lstStyle/>
+          <a:p>
+            <a:pPr marL="0" indent="0">
+              <a:spcBef>
+                <a:spcPts val="600"/>
+              </a:spcBef>
+              <a:buNone/>
+            </a:pPr>
+            <a:r>
+              <a:rPr lang="pl-PL" sz="5600" b="0" dirty="0">
+                <a:solidFill>
+                  <a:srgbClr val="800000"/>
+                </a:solidFill>
+                <a:effectLst/>
+                <a:latin typeface="Consolas" panose="020B0609020204030204" pitchFamily="49" charset="0"/>
+              </a:rPr>
+              <a:t>&lt;</a:t>
+            </a:r>
+            <a:r>
+              <a:rPr lang="pl-PL" sz="5600" b="0" dirty="0" err="1">
+                <a:solidFill>
+                  <a:srgbClr val="800000"/>
+                </a:solidFill>
+                <a:effectLst/>
+                <a:latin typeface="Consolas" panose="020B0609020204030204" pitchFamily="49" charset="0"/>
+              </a:rPr>
+              <a:t>tbody</a:t>
+            </a:r>
+            <a:r>
+              <a:rPr lang="pl-PL" sz="5600" b="0" dirty="0">
+                <a:solidFill>
+                  <a:srgbClr val="800000"/>
+                </a:solidFill>
+                <a:effectLst/>
+                <a:latin typeface="Consolas" panose="020B0609020204030204" pitchFamily="49" charset="0"/>
+              </a:rPr>
+              <a:t>&gt;</a:t>
+            </a:r>
+            <a:endParaRPr lang="pl-PL" sz="5600" b="0" dirty="0">
+              <a:solidFill>
+                <a:srgbClr val="000000"/>
+              </a:solidFill>
+              <a:effectLst/>
+              <a:latin typeface="Consolas" panose="020B0609020204030204" pitchFamily="49" charset="0"/>
+            </a:endParaRPr>
+          </a:p>
+          <a:p>
+            <a:pPr marL="0" indent="0">
+              <a:spcBef>
+                <a:spcPts val="600"/>
+              </a:spcBef>
+              <a:buNone/>
+            </a:pPr>
+            <a:r>
+              <a:rPr lang="pl-PL" sz="5600" b="0" dirty="0">
+                <a:solidFill>
+                  <a:srgbClr val="AF00DB"/>
+                </a:solidFill>
+                <a:effectLst/>
+                <a:latin typeface="Consolas" panose="020B0609020204030204" pitchFamily="49" charset="0"/>
+              </a:rPr>
+              <a:t>@{</a:t>
+            </a:r>
+            <a:r>
+              <a:rPr lang="pl-PL" sz="5600" dirty="0">
+                <a:solidFill>
+                  <a:srgbClr val="000000"/>
+                </a:solidFill>
+                <a:latin typeface="Consolas" panose="020B0609020204030204" pitchFamily="49" charset="0"/>
+              </a:rPr>
+              <a:t> </a:t>
+            </a:r>
+          </a:p>
+          <a:p>
+            <a:pPr marL="0" indent="0">
+              <a:spcBef>
+                <a:spcPts val="600"/>
+              </a:spcBef>
+              <a:buNone/>
+            </a:pPr>
+            <a:r>
+              <a:rPr lang="pl-PL" sz="5600" b="0" dirty="0">
+                <a:solidFill>
+                  <a:srgbClr val="000000"/>
+                </a:solidFill>
+                <a:effectLst/>
+                <a:latin typeface="Consolas" panose="020B0609020204030204" pitchFamily="49" charset="0"/>
+              </a:rPr>
+              <a:t>    </a:t>
+            </a:r>
+            <a:r>
+              <a:rPr lang="pl-PL" sz="5600" b="0" dirty="0" err="1">
+                <a:solidFill>
+                  <a:srgbClr val="0000FF"/>
+                </a:solidFill>
+                <a:effectLst/>
+                <a:latin typeface="Consolas" panose="020B0609020204030204" pitchFamily="49" charset="0"/>
+              </a:rPr>
+              <a:t>var</a:t>
+            </a:r>
+            <a:r>
+              <a:rPr lang="pl-PL" sz="5600" b="0" dirty="0">
+                <a:solidFill>
+                  <a:srgbClr val="000000"/>
+                </a:solidFill>
+                <a:effectLst/>
+                <a:latin typeface="Consolas" panose="020B0609020204030204" pitchFamily="49" charset="0"/>
+              </a:rPr>
+              <a:t> </a:t>
+            </a:r>
+            <a:r>
+              <a:rPr lang="pl-PL" sz="5600" b="0" dirty="0" err="1">
+                <a:solidFill>
+                  <a:srgbClr val="001080"/>
+                </a:solidFill>
+                <a:effectLst/>
+                <a:latin typeface="Consolas" panose="020B0609020204030204" pitchFamily="49" charset="0"/>
+              </a:rPr>
+              <a:t>books</a:t>
+            </a:r>
+            <a:r>
+              <a:rPr lang="pl-PL" sz="5600" b="0" dirty="0">
+                <a:solidFill>
+                  <a:srgbClr val="000000"/>
+                </a:solidFill>
+                <a:effectLst/>
+                <a:latin typeface="Consolas" panose="020B0609020204030204" pitchFamily="49" charset="0"/>
+              </a:rPr>
+              <a:t> = </a:t>
+            </a:r>
+            <a:r>
+              <a:rPr lang="pl-PL" sz="5600" b="0" dirty="0" err="1">
+                <a:solidFill>
+                  <a:srgbClr val="001080"/>
+                </a:solidFill>
+                <a:effectLst/>
+                <a:latin typeface="Consolas" panose="020B0609020204030204" pitchFamily="49" charset="0"/>
+              </a:rPr>
+              <a:t>ViewData</a:t>
+            </a:r>
+            <a:r>
+              <a:rPr lang="pl-PL" sz="5600" b="0" dirty="0">
+                <a:solidFill>
+                  <a:srgbClr val="000000"/>
+                </a:solidFill>
+                <a:effectLst/>
+                <a:latin typeface="Consolas" panose="020B0609020204030204" pitchFamily="49" charset="0"/>
+              </a:rPr>
+              <a:t>[</a:t>
+            </a:r>
+            <a:r>
+              <a:rPr lang="pl-PL" sz="5600" b="0" dirty="0">
+                <a:solidFill>
+                  <a:srgbClr val="A31515"/>
+                </a:solidFill>
+                <a:effectLst/>
+                <a:latin typeface="Consolas" panose="020B0609020204030204" pitchFamily="49" charset="0"/>
+              </a:rPr>
+              <a:t>"</a:t>
+            </a:r>
+            <a:r>
+              <a:rPr lang="pl-PL" sz="5600" b="0" dirty="0" err="1">
+                <a:solidFill>
+                  <a:srgbClr val="A31515"/>
+                </a:solidFill>
+                <a:effectLst/>
+                <a:latin typeface="Consolas" panose="020B0609020204030204" pitchFamily="49" charset="0"/>
+              </a:rPr>
+              <a:t>BookList</a:t>
+            </a:r>
+            <a:r>
+              <a:rPr lang="pl-PL" sz="5600" b="0" dirty="0">
+                <a:solidFill>
+                  <a:srgbClr val="A31515"/>
+                </a:solidFill>
+                <a:effectLst/>
+                <a:latin typeface="Consolas" panose="020B0609020204030204" pitchFamily="49" charset="0"/>
+              </a:rPr>
+              <a:t>"</a:t>
+            </a:r>
+            <a:r>
+              <a:rPr lang="pl-PL" sz="5600" b="0" dirty="0">
+                <a:solidFill>
+                  <a:srgbClr val="000000"/>
+                </a:solidFill>
+                <a:effectLst/>
+                <a:latin typeface="Consolas" panose="020B0609020204030204" pitchFamily="49" charset="0"/>
+              </a:rPr>
+              <a:t>] </a:t>
+            </a:r>
+            <a:r>
+              <a:rPr lang="pl-PL" sz="5600" b="0" dirty="0">
+                <a:solidFill>
+                  <a:srgbClr val="0000FF"/>
+                </a:solidFill>
+                <a:effectLst/>
+                <a:latin typeface="Consolas" panose="020B0609020204030204" pitchFamily="49" charset="0"/>
+              </a:rPr>
+              <a:t>as</a:t>
+            </a:r>
+            <a:r>
+              <a:rPr lang="pl-PL" sz="5600" b="0" dirty="0">
+                <a:solidFill>
+                  <a:srgbClr val="000000"/>
+                </a:solidFill>
+                <a:effectLst/>
+                <a:latin typeface="Consolas" panose="020B0609020204030204" pitchFamily="49" charset="0"/>
+              </a:rPr>
+              <a:t> </a:t>
+            </a:r>
+            <a:r>
+              <a:rPr lang="pl-PL" sz="5600" b="0" dirty="0">
+                <a:solidFill>
+                  <a:srgbClr val="267F99"/>
+                </a:solidFill>
+                <a:effectLst/>
+                <a:latin typeface="Consolas" panose="020B0609020204030204" pitchFamily="49" charset="0"/>
+              </a:rPr>
+              <a:t>List</a:t>
+            </a:r>
+            <a:r>
+              <a:rPr lang="pl-PL" sz="5600" b="0" dirty="0">
+                <a:solidFill>
+                  <a:srgbClr val="000000"/>
+                </a:solidFill>
+                <a:effectLst/>
+                <a:latin typeface="Consolas" panose="020B0609020204030204" pitchFamily="49" charset="0"/>
+              </a:rPr>
+              <a:t>&lt;</a:t>
+            </a:r>
+            <a:r>
+              <a:rPr lang="pl-PL" sz="5600" b="0" dirty="0" err="1">
+                <a:solidFill>
+                  <a:srgbClr val="267F99"/>
+                </a:solidFill>
+                <a:effectLst/>
+                <a:latin typeface="Consolas" panose="020B0609020204030204" pitchFamily="49" charset="0"/>
+              </a:rPr>
+              <a:t>BookModel</a:t>
+            </a:r>
+            <a:r>
+              <a:rPr lang="pl-PL" sz="5600" b="0" dirty="0">
+                <a:solidFill>
+                  <a:srgbClr val="000000"/>
+                </a:solidFill>
+                <a:effectLst/>
+                <a:latin typeface="Consolas" panose="020B0609020204030204" pitchFamily="49" charset="0"/>
+              </a:rPr>
+              <a:t>&gt;;</a:t>
+            </a:r>
+          </a:p>
+          <a:p>
+            <a:pPr marL="0" indent="0">
+              <a:spcBef>
+                <a:spcPts val="600"/>
+              </a:spcBef>
+              <a:buNone/>
+            </a:pPr>
+            <a:r>
+              <a:rPr lang="pl-PL" sz="5600" b="0" dirty="0">
+                <a:solidFill>
+                  <a:srgbClr val="000000"/>
+                </a:solidFill>
+                <a:effectLst/>
+                <a:latin typeface="Consolas" panose="020B0609020204030204" pitchFamily="49" charset="0"/>
+              </a:rPr>
+              <a:t>    </a:t>
+            </a:r>
+            <a:r>
+              <a:rPr lang="pl-PL" sz="5600" b="0" dirty="0">
+                <a:solidFill>
+                  <a:srgbClr val="AF00DB"/>
+                </a:solidFill>
+                <a:effectLst/>
+                <a:latin typeface="Consolas" panose="020B0609020204030204" pitchFamily="49" charset="0"/>
+              </a:rPr>
+              <a:t>@if</a:t>
+            </a:r>
+            <a:r>
+              <a:rPr lang="pl-PL" sz="5600" b="0" dirty="0">
+                <a:solidFill>
+                  <a:srgbClr val="000000"/>
+                </a:solidFill>
+                <a:effectLst/>
+                <a:latin typeface="Consolas" panose="020B0609020204030204" pitchFamily="49" charset="0"/>
+              </a:rPr>
+              <a:t>(</a:t>
+            </a:r>
+            <a:r>
+              <a:rPr lang="pl-PL" sz="5600" b="0" dirty="0">
+                <a:solidFill>
+                  <a:srgbClr val="001080"/>
+                </a:solidFill>
+                <a:effectLst/>
+                <a:latin typeface="Consolas" panose="020B0609020204030204" pitchFamily="49" charset="0"/>
+              </a:rPr>
+              <a:t>books</a:t>
+            </a:r>
+            <a:r>
+              <a:rPr lang="pl-PL" sz="5600" b="0" dirty="0">
+                <a:solidFill>
+                  <a:srgbClr val="000000"/>
+                </a:solidFill>
+                <a:effectLst/>
+                <a:latin typeface="Consolas" panose="020B0609020204030204" pitchFamily="49" charset="0"/>
+              </a:rPr>
+              <a:t> != </a:t>
+            </a:r>
+            <a:r>
+              <a:rPr lang="pl-PL" sz="5600" b="0" dirty="0" err="1">
+                <a:solidFill>
+                  <a:srgbClr val="0000FF"/>
+                </a:solidFill>
+                <a:effectLst/>
+                <a:latin typeface="Consolas" panose="020B0609020204030204" pitchFamily="49" charset="0"/>
+              </a:rPr>
+              <a:t>null</a:t>
+            </a:r>
+            <a:r>
+              <a:rPr lang="pl-PL" sz="5600" b="0" dirty="0">
+                <a:solidFill>
+                  <a:srgbClr val="000000"/>
+                </a:solidFill>
+                <a:effectLst/>
+                <a:latin typeface="Consolas" panose="020B0609020204030204" pitchFamily="49" charset="0"/>
+              </a:rPr>
+              <a:t>)</a:t>
+            </a:r>
+          </a:p>
+          <a:p>
+            <a:pPr marL="0" indent="0">
+              <a:spcBef>
+                <a:spcPts val="600"/>
+              </a:spcBef>
+              <a:buNone/>
+            </a:pPr>
+            <a:r>
+              <a:rPr lang="pl-PL" sz="5600" b="0" dirty="0">
+                <a:solidFill>
+                  <a:srgbClr val="000000"/>
+                </a:solidFill>
+                <a:effectLst/>
+                <a:latin typeface="Consolas" panose="020B0609020204030204" pitchFamily="49" charset="0"/>
+              </a:rPr>
+              <a:t>    {</a:t>
+            </a:r>
+          </a:p>
+          <a:p>
+            <a:pPr marL="0" indent="0">
+              <a:spcBef>
+                <a:spcPts val="600"/>
+              </a:spcBef>
+              <a:buNone/>
+            </a:pPr>
+            <a:r>
+              <a:rPr lang="pl-PL" sz="5600" b="0" dirty="0">
+                <a:solidFill>
+                  <a:srgbClr val="000000"/>
+                </a:solidFill>
+                <a:effectLst/>
+                <a:latin typeface="Consolas" panose="020B0609020204030204" pitchFamily="49" charset="0"/>
+              </a:rPr>
+              <a:t>        </a:t>
+            </a:r>
+            <a:r>
+              <a:rPr lang="pl-PL" sz="5600" b="0" dirty="0" err="1">
+                <a:solidFill>
+                  <a:srgbClr val="AF00DB"/>
+                </a:solidFill>
+                <a:effectLst/>
+                <a:latin typeface="Consolas" panose="020B0609020204030204" pitchFamily="49" charset="0"/>
+              </a:rPr>
+              <a:t>foreach</a:t>
+            </a:r>
+            <a:r>
+              <a:rPr lang="pl-PL" sz="5600" b="0" dirty="0">
+                <a:solidFill>
+                  <a:srgbClr val="000000"/>
+                </a:solidFill>
+                <a:effectLst/>
+                <a:latin typeface="Consolas" panose="020B0609020204030204" pitchFamily="49" charset="0"/>
+              </a:rPr>
+              <a:t> (</a:t>
+            </a:r>
+            <a:r>
+              <a:rPr lang="pl-PL" sz="5600" b="0" dirty="0" err="1">
+                <a:solidFill>
+                  <a:srgbClr val="0000FF"/>
+                </a:solidFill>
+                <a:effectLst/>
+                <a:latin typeface="Consolas" panose="020B0609020204030204" pitchFamily="49" charset="0"/>
+              </a:rPr>
+              <a:t>var</a:t>
+            </a:r>
+            <a:r>
+              <a:rPr lang="pl-PL" sz="5600" b="0" dirty="0">
+                <a:solidFill>
+                  <a:srgbClr val="000000"/>
+                </a:solidFill>
+                <a:effectLst/>
+                <a:latin typeface="Consolas" panose="020B0609020204030204" pitchFamily="49" charset="0"/>
+              </a:rPr>
+              <a:t> </a:t>
+            </a:r>
+            <a:r>
+              <a:rPr lang="pl-PL" sz="5600" b="0" dirty="0" err="1">
+                <a:solidFill>
+                  <a:srgbClr val="001080"/>
+                </a:solidFill>
+                <a:effectLst/>
+                <a:latin typeface="Consolas" panose="020B0609020204030204" pitchFamily="49" charset="0"/>
+              </a:rPr>
+              <a:t>item</a:t>
+            </a:r>
+            <a:r>
+              <a:rPr lang="pl-PL" sz="5600" b="0" dirty="0">
+                <a:solidFill>
+                  <a:srgbClr val="000000"/>
+                </a:solidFill>
+                <a:effectLst/>
+                <a:latin typeface="Consolas" panose="020B0609020204030204" pitchFamily="49" charset="0"/>
+              </a:rPr>
+              <a:t> </a:t>
+            </a:r>
+            <a:r>
+              <a:rPr lang="pl-PL" sz="5600" b="0" dirty="0">
+                <a:solidFill>
+                  <a:srgbClr val="AF00DB"/>
+                </a:solidFill>
+                <a:effectLst/>
+                <a:latin typeface="Consolas" panose="020B0609020204030204" pitchFamily="49" charset="0"/>
+              </a:rPr>
+              <a:t>in</a:t>
+            </a:r>
+            <a:r>
+              <a:rPr lang="pl-PL" sz="5600" b="0" dirty="0">
+                <a:solidFill>
+                  <a:srgbClr val="000000"/>
+                </a:solidFill>
+                <a:effectLst/>
+                <a:latin typeface="Consolas" panose="020B0609020204030204" pitchFamily="49" charset="0"/>
+              </a:rPr>
+              <a:t> </a:t>
+            </a:r>
+            <a:r>
+              <a:rPr lang="pl-PL" sz="5600" b="0" dirty="0" err="1">
+                <a:solidFill>
+                  <a:srgbClr val="001080"/>
+                </a:solidFill>
+                <a:effectLst/>
+                <a:latin typeface="Consolas" panose="020B0609020204030204" pitchFamily="49" charset="0"/>
+              </a:rPr>
+              <a:t>books</a:t>
+            </a:r>
+            <a:r>
+              <a:rPr lang="pl-PL" sz="5600" b="0" dirty="0">
+                <a:solidFill>
+                  <a:srgbClr val="000000"/>
+                </a:solidFill>
+                <a:effectLst/>
+                <a:latin typeface="Consolas" panose="020B0609020204030204" pitchFamily="49" charset="0"/>
+              </a:rPr>
+              <a:t>)</a:t>
+            </a:r>
+          </a:p>
+          <a:p>
+            <a:pPr marL="0" indent="0">
+              <a:spcBef>
+                <a:spcPts val="600"/>
+              </a:spcBef>
+              <a:buNone/>
+            </a:pPr>
+            <a:r>
+              <a:rPr lang="pl-PL" sz="5600" b="0" dirty="0">
+                <a:solidFill>
+                  <a:srgbClr val="000000"/>
+                </a:solidFill>
+                <a:effectLst/>
+                <a:latin typeface="Consolas" panose="020B0609020204030204" pitchFamily="49" charset="0"/>
+              </a:rPr>
+              <a:t>        {</a:t>
+            </a:r>
+          </a:p>
+          <a:p>
+            <a:pPr marL="0" indent="0">
+              <a:spcBef>
+                <a:spcPts val="600"/>
+              </a:spcBef>
+              <a:buNone/>
+            </a:pPr>
+            <a:r>
+              <a:rPr lang="pl-PL" sz="5600" b="0" dirty="0">
+                <a:solidFill>
+                  <a:srgbClr val="000000"/>
+                </a:solidFill>
+                <a:effectLst/>
+                <a:latin typeface="Consolas" panose="020B0609020204030204" pitchFamily="49" charset="0"/>
+              </a:rPr>
+              <a:t>            </a:t>
+            </a:r>
+            <a:r>
+              <a:rPr lang="pl-PL" sz="5600" b="0" dirty="0">
+                <a:solidFill>
+                  <a:srgbClr val="800000"/>
+                </a:solidFill>
+                <a:effectLst/>
+                <a:latin typeface="Consolas" panose="020B0609020204030204" pitchFamily="49" charset="0"/>
+              </a:rPr>
+              <a:t>&lt;</a:t>
+            </a:r>
+            <a:r>
+              <a:rPr lang="pl-PL" sz="5600" b="0" dirty="0" err="1">
+                <a:solidFill>
+                  <a:srgbClr val="800000"/>
+                </a:solidFill>
+                <a:effectLst/>
+                <a:latin typeface="Consolas" panose="020B0609020204030204" pitchFamily="49" charset="0"/>
+              </a:rPr>
+              <a:t>tr</a:t>
+            </a:r>
+            <a:r>
+              <a:rPr lang="pl-PL" sz="5600" b="0" dirty="0">
+                <a:solidFill>
+                  <a:srgbClr val="800000"/>
+                </a:solidFill>
+                <a:effectLst/>
+                <a:latin typeface="Consolas" panose="020B0609020204030204" pitchFamily="49" charset="0"/>
+              </a:rPr>
+              <a:t>&gt;</a:t>
+            </a:r>
+            <a:endParaRPr lang="pl-PL" sz="5600" b="0" dirty="0">
+              <a:solidFill>
+                <a:srgbClr val="000000"/>
+              </a:solidFill>
+              <a:effectLst/>
+              <a:latin typeface="Consolas" panose="020B0609020204030204" pitchFamily="49" charset="0"/>
+            </a:endParaRPr>
+          </a:p>
+          <a:p>
+            <a:pPr marL="0" indent="0">
+              <a:spcBef>
+                <a:spcPts val="600"/>
+              </a:spcBef>
+              <a:buNone/>
+            </a:pPr>
+            <a:r>
+              <a:rPr lang="pl-PL" sz="5600" b="0" dirty="0">
+                <a:solidFill>
+                  <a:srgbClr val="000000"/>
+                </a:solidFill>
+                <a:effectLst/>
+                <a:latin typeface="Consolas" panose="020B0609020204030204" pitchFamily="49" charset="0"/>
+              </a:rPr>
+              <a:t>               </a:t>
+            </a:r>
+            <a:r>
+              <a:rPr lang="pl-PL" sz="5600" b="0" dirty="0">
+                <a:solidFill>
+                  <a:srgbClr val="800000"/>
+                </a:solidFill>
+                <a:effectLst/>
+                <a:latin typeface="Consolas" panose="020B0609020204030204" pitchFamily="49" charset="0"/>
+              </a:rPr>
+              <a:t>&lt;</a:t>
+            </a:r>
+            <a:r>
+              <a:rPr lang="pl-PL" sz="5600" b="0" dirty="0" err="1">
+                <a:solidFill>
+                  <a:srgbClr val="800000"/>
+                </a:solidFill>
+                <a:effectLst/>
+                <a:latin typeface="Consolas" panose="020B0609020204030204" pitchFamily="49" charset="0"/>
+              </a:rPr>
+              <a:t>td</a:t>
+            </a:r>
+            <a:r>
+              <a:rPr lang="pl-PL" sz="5600" b="0" dirty="0">
+                <a:solidFill>
+                  <a:srgbClr val="800000"/>
+                </a:solidFill>
+                <a:effectLst/>
+                <a:latin typeface="Consolas" panose="020B0609020204030204" pitchFamily="49" charset="0"/>
+              </a:rPr>
+              <a:t>&gt;</a:t>
+            </a:r>
+            <a:r>
+              <a:rPr lang="pl-PL" sz="5600" b="0" dirty="0">
+                <a:solidFill>
+                  <a:srgbClr val="AF00DB"/>
+                </a:solidFill>
+                <a:effectLst/>
+                <a:latin typeface="Consolas" panose="020B0609020204030204" pitchFamily="49" charset="0"/>
+              </a:rPr>
+              <a:t>@</a:t>
+            </a:r>
+            <a:r>
+              <a:rPr lang="pl-PL" sz="5600" b="0" dirty="0">
+                <a:solidFill>
+                  <a:srgbClr val="001080"/>
+                </a:solidFill>
+                <a:effectLst/>
+                <a:latin typeface="Consolas" panose="020B0609020204030204" pitchFamily="49" charset="0"/>
+              </a:rPr>
+              <a:t>item</a:t>
+            </a:r>
+            <a:r>
+              <a:rPr lang="pl-PL" sz="5600" b="0" dirty="0">
+                <a:solidFill>
+                  <a:srgbClr val="000000"/>
+                </a:solidFill>
+                <a:effectLst/>
+                <a:latin typeface="Consolas" panose="020B0609020204030204" pitchFamily="49" charset="0"/>
+              </a:rPr>
+              <a:t>.</a:t>
+            </a:r>
+            <a:r>
+              <a:rPr lang="pl-PL" sz="5600" b="0" dirty="0">
+                <a:solidFill>
+                  <a:srgbClr val="001080"/>
+                </a:solidFill>
+                <a:effectLst/>
+                <a:latin typeface="Consolas" panose="020B0609020204030204" pitchFamily="49" charset="0"/>
+              </a:rPr>
+              <a:t>BookId</a:t>
+            </a:r>
+            <a:r>
+              <a:rPr lang="pl-PL" sz="5600" b="0" dirty="0">
+                <a:solidFill>
+                  <a:srgbClr val="800000"/>
+                </a:solidFill>
+                <a:effectLst/>
+                <a:latin typeface="Consolas" panose="020B0609020204030204" pitchFamily="49" charset="0"/>
+              </a:rPr>
+              <a:t>&lt;/td&gt;</a:t>
+            </a:r>
+            <a:endParaRPr lang="pl-PL" sz="5600" b="0" dirty="0">
+              <a:solidFill>
+                <a:srgbClr val="000000"/>
+              </a:solidFill>
+              <a:effectLst/>
+              <a:latin typeface="Consolas" panose="020B0609020204030204" pitchFamily="49" charset="0"/>
+            </a:endParaRPr>
+          </a:p>
+          <a:p>
+            <a:pPr marL="0" indent="0">
+              <a:spcBef>
+                <a:spcPts val="600"/>
+              </a:spcBef>
+              <a:buNone/>
+            </a:pPr>
+            <a:r>
+              <a:rPr lang="pl-PL" sz="5600" b="0" dirty="0">
+                <a:solidFill>
+                  <a:srgbClr val="000000"/>
+                </a:solidFill>
+                <a:effectLst/>
+                <a:latin typeface="Consolas" panose="020B0609020204030204" pitchFamily="49" charset="0"/>
+              </a:rPr>
+              <a:t>               </a:t>
+            </a:r>
+            <a:r>
+              <a:rPr lang="pl-PL" sz="5600" b="0" dirty="0">
+                <a:solidFill>
+                  <a:srgbClr val="800000"/>
+                </a:solidFill>
+                <a:effectLst/>
+                <a:latin typeface="Consolas" panose="020B0609020204030204" pitchFamily="49" charset="0"/>
+              </a:rPr>
+              <a:t>&lt;</a:t>
+            </a:r>
+            <a:r>
+              <a:rPr lang="pl-PL" sz="5600" b="0" dirty="0" err="1">
+                <a:solidFill>
+                  <a:srgbClr val="800000"/>
+                </a:solidFill>
+                <a:effectLst/>
+                <a:latin typeface="Consolas" panose="020B0609020204030204" pitchFamily="49" charset="0"/>
+              </a:rPr>
+              <a:t>td</a:t>
+            </a:r>
+            <a:r>
+              <a:rPr lang="pl-PL" sz="5600" b="0" dirty="0">
+                <a:solidFill>
+                  <a:srgbClr val="800000"/>
+                </a:solidFill>
+                <a:effectLst/>
+                <a:latin typeface="Consolas" panose="020B0609020204030204" pitchFamily="49" charset="0"/>
+              </a:rPr>
+              <a:t>&gt;</a:t>
+            </a:r>
+            <a:r>
+              <a:rPr lang="pl-PL" sz="5600" b="0" dirty="0">
+                <a:solidFill>
+                  <a:srgbClr val="AF00DB"/>
+                </a:solidFill>
+                <a:effectLst/>
+                <a:latin typeface="Consolas" panose="020B0609020204030204" pitchFamily="49" charset="0"/>
+              </a:rPr>
+              <a:t>@</a:t>
+            </a:r>
+            <a:r>
+              <a:rPr lang="pl-PL" sz="5600" b="0" dirty="0">
+                <a:solidFill>
+                  <a:srgbClr val="001080"/>
+                </a:solidFill>
+                <a:effectLst/>
+                <a:latin typeface="Consolas" panose="020B0609020204030204" pitchFamily="49" charset="0"/>
+              </a:rPr>
+              <a:t>item</a:t>
+            </a:r>
+            <a:r>
+              <a:rPr lang="pl-PL" sz="5600" b="0" dirty="0">
+                <a:solidFill>
+                  <a:srgbClr val="000000"/>
+                </a:solidFill>
+                <a:effectLst/>
+                <a:latin typeface="Consolas" panose="020B0609020204030204" pitchFamily="49" charset="0"/>
+              </a:rPr>
+              <a:t>.</a:t>
+            </a:r>
+            <a:r>
+              <a:rPr lang="pl-PL" sz="5600" b="0" dirty="0">
+                <a:solidFill>
+                  <a:srgbClr val="001080"/>
+                </a:solidFill>
+                <a:effectLst/>
+                <a:latin typeface="Consolas" panose="020B0609020204030204" pitchFamily="49" charset="0"/>
+              </a:rPr>
+              <a:t>Title</a:t>
+            </a:r>
+            <a:r>
+              <a:rPr lang="pl-PL" sz="5600" b="0" dirty="0">
+                <a:solidFill>
+                  <a:srgbClr val="800000"/>
+                </a:solidFill>
+                <a:effectLst/>
+                <a:latin typeface="Consolas" panose="020B0609020204030204" pitchFamily="49" charset="0"/>
+              </a:rPr>
+              <a:t>&lt;/td&gt;</a:t>
+            </a:r>
+            <a:endParaRPr lang="pl-PL" sz="5600" b="0" dirty="0">
+              <a:solidFill>
+                <a:srgbClr val="000000"/>
+              </a:solidFill>
+              <a:effectLst/>
+              <a:latin typeface="Consolas" panose="020B0609020204030204" pitchFamily="49" charset="0"/>
+            </a:endParaRPr>
+          </a:p>
+          <a:p>
+            <a:pPr marL="0" indent="0">
+              <a:spcBef>
+                <a:spcPts val="600"/>
+              </a:spcBef>
+              <a:buNone/>
+            </a:pPr>
+            <a:r>
+              <a:rPr lang="pl-PL" sz="5600" b="0" dirty="0">
+                <a:solidFill>
+                  <a:srgbClr val="000000"/>
+                </a:solidFill>
+                <a:effectLst/>
+                <a:latin typeface="Consolas" panose="020B0609020204030204" pitchFamily="49" charset="0"/>
+              </a:rPr>
+              <a:t>               </a:t>
+            </a:r>
+            <a:r>
+              <a:rPr lang="pl-PL" sz="5600" b="0" dirty="0">
+                <a:solidFill>
+                  <a:srgbClr val="800000"/>
+                </a:solidFill>
+                <a:effectLst/>
+                <a:latin typeface="Consolas" panose="020B0609020204030204" pitchFamily="49" charset="0"/>
+              </a:rPr>
+              <a:t>&lt;</a:t>
+            </a:r>
+            <a:r>
+              <a:rPr lang="pl-PL" sz="5600" b="0" dirty="0" err="1">
+                <a:solidFill>
+                  <a:srgbClr val="800000"/>
+                </a:solidFill>
+                <a:effectLst/>
+                <a:latin typeface="Consolas" panose="020B0609020204030204" pitchFamily="49" charset="0"/>
+              </a:rPr>
+              <a:t>td</a:t>
+            </a:r>
+            <a:r>
+              <a:rPr lang="pl-PL" sz="5600" b="0" dirty="0">
+                <a:solidFill>
+                  <a:srgbClr val="800000"/>
+                </a:solidFill>
+                <a:effectLst/>
+                <a:latin typeface="Consolas" panose="020B0609020204030204" pitchFamily="49" charset="0"/>
+              </a:rPr>
+              <a:t>&gt;</a:t>
+            </a:r>
+            <a:r>
+              <a:rPr lang="pl-PL" sz="5600" b="0" dirty="0">
+                <a:solidFill>
+                  <a:srgbClr val="AF00DB"/>
+                </a:solidFill>
+                <a:effectLst/>
+                <a:latin typeface="Consolas" panose="020B0609020204030204" pitchFamily="49" charset="0"/>
+              </a:rPr>
+              <a:t>@</a:t>
+            </a:r>
+            <a:r>
+              <a:rPr lang="pl-PL" sz="5600" b="0" dirty="0">
+                <a:solidFill>
+                  <a:srgbClr val="001080"/>
+                </a:solidFill>
+                <a:effectLst/>
+                <a:latin typeface="Consolas" panose="020B0609020204030204" pitchFamily="49" charset="0"/>
+              </a:rPr>
+              <a:t>item</a:t>
+            </a:r>
+            <a:r>
+              <a:rPr lang="pl-PL" sz="5600" b="0" dirty="0">
+                <a:solidFill>
+                  <a:srgbClr val="000000"/>
+                </a:solidFill>
+                <a:effectLst/>
+                <a:latin typeface="Consolas" panose="020B0609020204030204" pitchFamily="49" charset="0"/>
+              </a:rPr>
+              <a:t>.</a:t>
+            </a:r>
+            <a:r>
+              <a:rPr lang="pl-PL" sz="5600" b="0" dirty="0">
+                <a:solidFill>
+                  <a:srgbClr val="001080"/>
+                </a:solidFill>
+                <a:effectLst/>
+                <a:latin typeface="Consolas" panose="020B0609020204030204" pitchFamily="49" charset="0"/>
+              </a:rPr>
+              <a:t>Author</a:t>
+            </a:r>
+            <a:r>
+              <a:rPr lang="pl-PL" sz="5600" b="0" dirty="0">
+                <a:solidFill>
+                  <a:srgbClr val="800000"/>
+                </a:solidFill>
+                <a:effectLst/>
+                <a:latin typeface="Consolas" panose="020B0609020204030204" pitchFamily="49" charset="0"/>
+              </a:rPr>
+              <a:t>&lt;/td&gt;</a:t>
+            </a:r>
+            <a:endParaRPr lang="pl-PL" sz="5600" b="0" dirty="0">
+              <a:solidFill>
+                <a:srgbClr val="000000"/>
+              </a:solidFill>
+              <a:effectLst/>
+              <a:latin typeface="Consolas" panose="020B0609020204030204" pitchFamily="49" charset="0"/>
+            </a:endParaRPr>
+          </a:p>
+          <a:p>
+            <a:pPr marL="0" indent="0">
+              <a:spcBef>
+                <a:spcPts val="600"/>
+              </a:spcBef>
+              <a:buNone/>
+            </a:pPr>
+            <a:r>
+              <a:rPr lang="pl-PL" sz="5600" b="0" dirty="0">
+                <a:solidFill>
+                  <a:srgbClr val="000000"/>
+                </a:solidFill>
+                <a:effectLst/>
+                <a:latin typeface="Consolas" panose="020B0609020204030204" pitchFamily="49" charset="0"/>
+              </a:rPr>
+              <a:t>               </a:t>
+            </a:r>
+            <a:r>
+              <a:rPr lang="pl-PL" sz="5600" b="0" dirty="0">
+                <a:solidFill>
+                  <a:srgbClr val="800000"/>
+                </a:solidFill>
+                <a:effectLst/>
+                <a:latin typeface="Consolas" panose="020B0609020204030204" pitchFamily="49" charset="0"/>
+              </a:rPr>
+              <a:t>&lt;</a:t>
+            </a:r>
+            <a:r>
+              <a:rPr lang="pl-PL" sz="5600" b="0" dirty="0" err="1">
+                <a:solidFill>
+                  <a:srgbClr val="800000"/>
+                </a:solidFill>
+                <a:effectLst/>
+                <a:latin typeface="Consolas" panose="020B0609020204030204" pitchFamily="49" charset="0"/>
+              </a:rPr>
+              <a:t>td</a:t>
+            </a:r>
+            <a:r>
+              <a:rPr lang="pl-PL" sz="5600" b="0" dirty="0">
+                <a:solidFill>
+                  <a:srgbClr val="800000"/>
+                </a:solidFill>
+                <a:effectLst/>
+                <a:latin typeface="Consolas" panose="020B0609020204030204" pitchFamily="49" charset="0"/>
+              </a:rPr>
+              <a:t>&gt;</a:t>
+            </a:r>
+            <a:r>
+              <a:rPr lang="pl-PL" sz="5600" b="0" dirty="0">
+                <a:solidFill>
+                  <a:srgbClr val="AF00DB"/>
+                </a:solidFill>
+                <a:effectLst/>
+                <a:latin typeface="Consolas" panose="020B0609020204030204" pitchFamily="49" charset="0"/>
+              </a:rPr>
+              <a:t>@</a:t>
+            </a:r>
+            <a:r>
+              <a:rPr lang="pl-PL" sz="5600" b="0" dirty="0">
+                <a:solidFill>
+                  <a:srgbClr val="001080"/>
+                </a:solidFill>
+                <a:effectLst/>
+                <a:latin typeface="Consolas" panose="020B0609020204030204" pitchFamily="49" charset="0"/>
+              </a:rPr>
+              <a:t>item</a:t>
+            </a:r>
+            <a:r>
+              <a:rPr lang="pl-PL" sz="5600" b="0" dirty="0">
+                <a:solidFill>
+                  <a:srgbClr val="000000"/>
+                </a:solidFill>
+                <a:effectLst/>
+                <a:latin typeface="Consolas" panose="020B0609020204030204" pitchFamily="49" charset="0"/>
+              </a:rPr>
+              <a:t>.</a:t>
+            </a:r>
+            <a:r>
+              <a:rPr lang="pl-PL" sz="5600" b="0" dirty="0">
+                <a:solidFill>
+                  <a:srgbClr val="001080"/>
+                </a:solidFill>
+                <a:effectLst/>
+                <a:latin typeface="Consolas" panose="020B0609020204030204" pitchFamily="49" charset="0"/>
+              </a:rPr>
+              <a:t>YearOfPublication</a:t>
+            </a:r>
+            <a:r>
+              <a:rPr lang="pl-PL" sz="5600" b="0" dirty="0">
+                <a:solidFill>
+                  <a:srgbClr val="800000"/>
+                </a:solidFill>
+                <a:effectLst/>
+                <a:latin typeface="Consolas" panose="020B0609020204030204" pitchFamily="49" charset="0"/>
+              </a:rPr>
+              <a:t>&lt;/td&gt;</a:t>
+            </a:r>
+            <a:endParaRPr lang="pl-PL" sz="5600" b="0" dirty="0">
+              <a:solidFill>
+                <a:srgbClr val="000000"/>
+              </a:solidFill>
+              <a:effectLst/>
+              <a:latin typeface="Consolas" panose="020B0609020204030204" pitchFamily="49" charset="0"/>
+            </a:endParaRPr>
+          </a:p>
+          <a:p>
+            <a:pPr marL="0" indent="0">
+              <a:spcBef>
+                <a:spcPts val="600"/>
+              </a:spcBef>
+              <a:buNone/>
+            </a:pPr>
+            <a:r>
+              <a:rPr lang="pl-PL" sz="5600" b="0" dirty="0">
+                <a:solidFill>
+                  <a:srgbClr val="000000"/>
+                </a:solidFill>
+                <a:effectLst/>
+                <a:latin typeface="Consolas" panose="020B0609020204030204" pitchFamily="49" charset="0"/>
+              </a:rPr>
+              <a:t>               </a:t>
+            </a:r>
+            <a:r>
+              <a:rPr lang="pl-PL" sz="5600" b="0" dirty="0">
+                <a:solidFill>
+                  <a:srgbClr val="800000"/>
+                </a:solidFill>
+                <a:effectLst/>
+                <a:latin typeface="Consolas" panose="020B0609020204030204" pitchFamily="49" charset="0"/>
+              </a:rPr>
+              <a:t>&lt;</a:t>
+            </a:r>
+            <a:r>
+              <a:rPr lang="pl-PL" sz="5600" b="0" dirty="0" err="1">
+                <a:solidFill>
+                  <a:srgbClr val="800000"/>
+                </a:solidFill>
+                <a:effectLst/>
+                <a:latin typeface="Consolas" panose="020B0609020204030204" pitchFamily="49" charset="0"/>
+              </a:rPr>
+              <a:t>td</a:t>
+            </a:r>
+            <a:r>
+              <a:rPr lang="pl-PL" sz="5600" b="0" dirty="0">
+                <a:solidFill>
+                  <a:srgbClr val="800000"/>
+                </a:solidFill>
+                <a:effectLst/>
+                <a:latin typeface="Consolas" panose="020B0609020204030204" pitchFamily="49" charset="0"/>
+              </a:rPr>
+              <a:t>&gt;</a:t>
+            </a:r>
+            <a:r>
+              <a:rPr lang="pl-PL" sz="5600" b="0" dirty="0">
+                <a:solidFill>
+                  <a:srgbClr val="AF00DB"/>
+                </a:solidFill>
+                <a:effectLst/>
+                <a:latin typeface="Consolas" panose="020B0609020204030204" pitchFamily="49" charset="0"/>
+              </a:rPr>
+              <a:t>@</a:t>
+            </a:r>
+            <a:r>
+              <a:rPr lang="pl-PL" sz="5600" b="0" dirty="0">
+                <a:solidFill>
+                  <a:srgbClr val="001080"/>
+                </a:solidFill>
+                <a:effectLst/>
+                <a:latin typeface="Consolas" panose="020B0609020204030204" pitchFamily="49" charset="0"/>
+              </a:rPr>
+              <a:t>item</a:t>
+            </a:r>
+            <a:r>
+              <a:rPr lang="pl-PL" sz="5600" b="0" dirty="0">
+                <a:solidFill>
+                  <a:srgbClr val="000000"/>
+                </a:solidFill>
+                <a:effectLst/>
+                <a:latin typeface="Consolas" panose="020B0609020204030204" pitchFamily="49" charset="0"/>
+              </a:rPr>
+              <a:t>.</a:t>
+            </a:r>
+            <a:r>
+              <a:rPr lang="pl-PL" sz="5600" b="0" dirty="0">
+                <a:solidFill>
+                  <a:srgbClr val="001080"/>
+                </a:solidFill>
+                <a:effectLst/>
+                <a:latin typeface="Consolas" panose="020B0609020204030204" pitchFamily="49" charset="0"/>
+              </a:rPr>
+              <a:t>Publisher</a:t>
+            </a:r>
+            <a:r>
+              <a:rPr lang="pl-PL" sz="5600" b="0" dirty="0">
+                <a:solidFill>
+                  <a:srgbClr val="800000"/>
+                </a:solidFill>
+                <a:effectLst/>
+                <a:latin typeface="Consolas" panose="020B0609020204030204" pitchFamily="49" charset="0"/>
+              </a:rPr>
+              <a:t>&lt;/td&gt;</a:t>
+            </a:r>
+            <a:endParaRPr lang="pl-PL" sz="5600" b="0" dirty="0">
+              <a:solidFill>
+                <a:srgbClr val="000000"/>
+              </a:solidFill>
+              <a:effectLst/>
+              <a:latin typeface="Consolas" panose="020B0609020204030204" pitchFamily="49" charset="0"/>
+            </a:endParaRPr>
+          </a:p>
+          <a:p>
+            <a:pPr marL="0" indent="0">
+              <a:spcBef>
+                <a:spcPts val="600"/>
+              </a:spcBef>
+              <a:buNone/>
+            </a:pPr>
+            <a:r>
+              <a:rPr lang="pl-PL" sz="5600" b="0" dirty="0">
+                <a:solidFill>
+                  <a:srgbClr val="000000"/>
+                </a:solidFill>
+                <a:effectLst/>
+                <a:latin typeface="Consolas" panose="020B0609020204030204" pitchFamily="49" charset="0"/>
+              </a:rPr>
+              <a:t>               </a:t>
+            </a:r>
+            <a:r>
+              <a:rPr lang="pl-PL" sz="5600" b="0" dirty="0">
+                <a:solidFill>
+                  <a:srgbClr val="800000"/>
+                </a:solidFill>
+                <a:effectLst/>
+                <a:latin typeface="Consolas" panose="020B0609020204030204" pitchFamily="49" charset="0"/>
+              </a:rPr>
+              <a:t>&lt;</a:t>
+            </a:r>
+            <a:r>
+              <a:rPr lang="pl-PL" sz="5600" b="0" dirty="0" err="1">
+                <a:solidFill>
+                  <a:srgbClr val="800000"/>
+                </a:solidFill>
+                <a:effectLst/>
+                <a:latin typeface="Consolas" panose="020B0609020204030204" pitchFamily="49" charset="0"/>
+              </a:rPr>
+              <a:t>td</a:t>
+            </a:r>
+            <a:r>
+              <a:rPr lang="pl-PL" sz="5600" b="0" dirty="0">
+                <a:solidFill>
+                  <a:srgbClr val="800000"/>
+                </a:solidFill>
+                <a:effectLst/>
+                <a:latin typeface="Consolas" panose="020B0609020204030204" pitchFamily="49" charset="0"/>
+              </a:rPr>
+              <a:t>&gt;</a:t>
+            </a:r>
+            <a:r>
+              <a:rPr lang="pl-PL" sz="5600" b="0" dirty="0">
+                <a:solidFill>
+                  <a:srgbClr val="AF00DB"/>
+                </a:solidFill>
+                <a:effectLst/>
+                <a:latin typeface="Consolas" panose="020B0609020204030204" pitchFamily="49" charset="0"/>
+              </a:rPr>
+              <a:t>@</a:t>
+            </a:r>
+            <a:r>
+              <a:rPr lang="pl-PL" sz="5600" b="0" dirty="0">
+                <a:solidFill>
+                  <a:srgbClr val="001080"/>
+                </a:solidFill>
+                <a:effectLst/>
+                <a:latin typeface="Consolas" panose="020B0609020204030204" pitchFamily="49" charset="0"/>
+              </a:rPr>
+              <a:t>item</a:t>
+            </a:r>
+            <a:r>
+              <a:rPr lang="pl-PL" sz="5600" b="0" dirty="0">
+                <a:solidFill>
+                  <a:srgbClr val="000000"/>
+                </a:solidFill>
+                <a:effectLst/>
+                <a:latin typeface="Consolas" panose="020B0609020204030204" pitchFamily="49" charset="0"/>
+              </a:rPr>
+              <a:t>?.</a:t>
+            </a:r>
+            <a:r>
+              <a:rPr lang="pl-PL" sz="5600" b="0" dirty="0">
+                <a:solidFill>
+                  <a:srgbClr val="001080"/>
+                </a:solidFill>
+                <a:effectLst/>
+                <a:latin typeface="Consolas" panose="020B0609020204030204" pitchFamily="49" charset="0"/>
+              </a:rPr>
+              <a:t>ISBN</a:t>
+            </a:r>
+            <a:r>
+              <a:rPr lang="pl-PL" sz="5600" b="0" dirty="0">
+                <a:solidFill>
+                  <a:srgbClr val="800000"/>
+                </a:solidFill>
+                <a:effectLst/>
+                <a:latin typeface="Consolas" panose="020B0609020204030204" pitchFamily="49" charset="0"/>
+              </a:rPr>
+              <a:t>&lt;/td&gt;</a:t>
+            </a:r>
+            <a:endParaRPr lang="pl-PL" sz="5600" b="0" dirty="0">
+              <a:solidFill>
+                <a:srgbClr val="000000"/>
+              </a:solidFill>
+              <a:effectLst/>
+              <a:latin typeface="Consolas" panose="020B0609020204030204" pitchFamily="49" charset="0"/>
+            </a:endParaRPr>
+          </a:p>
+          <a:p>
+            <a:pPr marL="0" indent="0">
+              <a:spcBef>
+                <a:spcPts val="600"/>
+              </a:spcBef>
+              <a:buNone/>
+            </a:pPr>
+            <a:r>
+              <a:rPr lang="pl-PL" sz="5600" b="0" dirty="0">
+                <a:solidFill>
+                  <a:srgbClr val="000000"/>
+                </a:solidFill>
+                <a:effectLst/>
+                <a:latin typeface="Consolas" panose="020B0609020204030204" pitchFamily="49" charset="0"/>
+              </a:rPr>
+              <a:t>            </a:t>
+            </a:r>
+            <a:r>
+              <a:rPr lang="pl-PL" sz="5600" b="0" dirty="0">
+                <a:solidFill>
+                  <a:srgbClr val="800000"/>
+                </a:solidFill>
+                <a:effectLst/>
+                <a:latin typeface="Consolas" panose="020B0609020204030204" pitchFamily="49" charset="0"/>
+              </a:rPr>
+              <a:t>&lt;/</a:t>
+            </a:r>
+            <a:r>
+              <a:rPr lang="pl-PL" sz="5600" b="0" dirty="0" err="1">
+                <a:solidFill>
+                  <a:srgbClr val="800000"/>
+                </a:solidFill>
+                <a:effectLst/>
+                <a:latin typeface="Consolas" panose="020B0609020204030204" pitchFamily="49" charset="0"/>
+              </a:rPr>
+              <a:t>tr</a:t>
+            </a:r>
+            <a:r>
+              <a:rPr lang="pl-PL" sz="5600" b="0" dirty="0">
+                <a:solidFill>
+                  <a:srgbClr val="800000"/>
+                </a:solidFill>
+                <a:effectLst/>
+                <a:latin typeface="Consolas" panose="020B0609020204030204" pitchFamily="49" charset="0"/>
+              </a:rPr>
+              <a:t>&gt;</a:t>
+            </a:r>
+            <a:endParaRPr lang="pl-PL" sz="5600" b="0" dirty="0">
+              <a:solidFill>
+                <a:srgbClr val="000000"/>
+              </a:solidFill>
+              <a:effectLst/>
+              <a:latin typeface="Consolas" panose="020B0609020204030204" pitchFamily="49" charset="0"/>
+            </a:endParaRPr>
+          </a:p>
+          <a:p>
+            <a:pPr marL="0" indent="0">
+              <a:spcBef>
+                <a:spcPts val="600"/>
+              </a:spcBef>
+              <a:buNone/>
+            </a:pPr>
+            <a:r>
+              <a:rPr lang="pl-PL" sz="5600" b="0" dirty="0">
+                <a:solidFill>
+                  <a:srgbClr val="000000"/>
+                </a:solidFill>
+                <a:effectLst/>
+                <a:latin typeface="Consolas" panose="020B0609020204030204" pitchFamily="49" charset="0"/>
+              </a:rPr>
+              <a:t>          }</a:t>
+            </a:r>
+          </a:p>
+          <a:p>
+            <a:pPr marL="0" indent="0">
+              <a:spcBef>
+                <a:spcPts val="600"/>
+              </a:spcBef>
+              <a:buNone/>
+            </a:pPr>
+            <a:r>
+              <a:rPr lang="pl-PL" sz="5600" b="0" dirty="0">
+                <a:solidFill>
+                  <a:srgbClr val="000000"/>
+                </a:solidFill>
+                <a:effectLst/>
+                <a:latin typeface="Consolas" panose="020B0609020204030204" pitchFamily="49" charset="0"/>
+              </a:rPr>
+              <a:t>     }</a:t>
+            </a:r>
+          </a:p>
+          <a:p>
+            <a:pPr marL="0" indent="0">
+              <a:spcBef>
+                <a:spcPts val="600"/>
+              </a:spcBef>
+              <a:buNone/>
+            </a:pPr>
+            <a:r>
+              <a:rPr lang="pl-PL" sz="5600" b="0" dirty="0">
+                <a:solidFill>
+                  <a:srgbClr val="000000"/>
+                </a:solidFill>
+                <a:effectLst/>
+                <a:latin typeface="Consolas" panose="020B0609020204030204" pitchFamily="49" charset="0"/>
+              </a:rPr>
+              <a:t> </a:t>
+            </a:r>
+            <a:r>
+              <a:rPr lang="pl-PL" sz="5600" b="0" dirty="0">
+                <a:solidFill>
+                  <a:srgbClr val="AF00DB"/>
+                </a:solidFill>
+                <a:effectLst/>
+                <a:latin typeface="Consolas" panose="020B0609020204030204" pitchFamily="49" charset="0"/>
+              </a:rPr>
+              <a:t>}</a:t>
+            </a:r>
+            <a:endParaRPr lang="pl-PL" sz="5600" dirty="0">
+              <a:solidFill>
+                <a:srgbClr val="000000"/>
+              </a:solidFill>
+              <a:latin typeface="Consolas" panose="020B0609020204030204" pitchFamily="49" charset="0"/>
+            </a:endParaRPr>
+          </a:p>
+          <a:p>
+            <a:pPr marL="0" indent="0">
+              <a:spcBef>
+                <a:spcPts val="600"/>
+              </a:spcBef>
+              <a:buNone/>
+            </a:pPr>
+            <a:r>
+              <a:rPr lang="pl-PL" sz="5600" b="0" dirty="0">
+                <a:solidFill>
+                  <a:srgbClr val="800000"/>
+                </a:solidFill>
+                <a:effectLst/>
+                <a:latin typeface="Consolas" panose="020B0609020204030204" pitchFamily="49" charset="0"/>
+              </a:rPr>
+              <a:t>&lt;/</a:t>
+            </a:r>
+            <a:r>
+              <a:rPr lang="pl-PL" sz="5600" b="0" dirty="0" err="1">
+                <a:solidFill>
+                  <a:srgbClr val="800000"/>
+                </a:solidFill>
+                <a:effectLst/>
+                <a:latin typeface="Consolas" panose="020B0609020204030204" pitchFamily="49" charset="0"/>
+              </a:rPr>
+              <a:t>tbody</a:t>
+            </a:r>
+            <a:r>
+              <a:rPr lang="pl-PL" sz="5600" b="0" dirty="0">
+                <a:solidFill>
+                  <a:srgbClr val="800000"/>
+                </a:solidFill>
+                <a:effectLst/>
+                <a:latin typeface="Consolas" panose="020B0609020204030204" pitchFamily="49" charset="0"/>
+              </a:rPr>
+              <a:t>&gt;</a:t>
+            </a:r>
+            <a:endParaRPr lang="pl-PL" sz="5600" b="0" dirty="0">
+              <a:solidFill>
+                <a:srgbClr val="000000"/>
+              </a:solidFill>
+              <a:effectLst/>
+              <a:latin typeface="Consolas" panose="020B0609020204030204" pitchFamily="49" charset="0"/>
+            </a:endParaRPr>
+          </a:p>
+          <a:p>
             <a:endParaRPr lang="pl-PL" dirty="0"/>
           </a:p>
         </p:txBody>
@@ -15060,7 +18682,59 @@
           <a:bodyPr/>
           <a:lstStyle/>
           <a:p>
+            <a:pPr marL="0" indent="0">
+              <a:buNone/>
+            </a:pPr>
+            <a:r>
+              <a:rPr lang="pl-PL" dirty="0"/>
+              <a:t>Zbiór funkcjonalności związanych z zarządzaniem użytkownikami, ich uwierzytelnianiem i autoryzacją.</a:t>
+            </a:r>
+          </a:p>
+          <a:p>
+            <a:pPr marL="0" indent="0">
+              <a:buNone/>
+            </a:pPr>
+            <a:r>
+              <a:rPr lang="pl-PL" dirty="0"/>
+              <a:t> </a:t>
+            </a:r>
+          </a:p>
+          <a:p>
+            <a:pPr marL="0" indent="0">
+              <a:buNone/>
+            </a:pPr>
             <a:endParaRPr lang="pl-PL" dirty="0"/>
+          </a:p>
+          <a:p>
+            <a:pPr marL="0" indent="0">
+              <a:buNone/>
+            </a:pPr>
+            <a:endParaRPr lang="pl-PL" dirty="0"/>
+          </a:p>
+          <a:p>
+            <a:pPr marL="0" indent="0">
+              <a:buNone/>
+            </a:pPr>
+            <a:r>
+              <a:rPr lang="pl-PL" dirty="0">
+                <a:solidFill>
+                  <a:srgbClr val="6FCFCE"/>
+                </a:solidFill>
+                <a:hlinkClick r:id="rId2">
+                  <a:extLst>
+                    <a:ext uri="{A12FA001-AC4F-418D-AE19-62706E023703}">
+                      <ahyp:hlinkClr xmlns:ahyp="http://schemas.microsoft.com/office/drawing/2018/hyperlinkcolor" val="tx"/>
+                    </a:ext>
+                  </a:extLst>
+                </a:hlinkClick>
+              </a:rPr>
+              <a:t>https://docs.microsoft.com/pl-pl/aspnet/core/security/authentication/identity?view=aspnetcore-5.0&amp;tabs=visual-studio</a:t>
+            </a:r>
+            <a:endParaRPr lang="pl-PL" dirty="0">
+              <a:solidFill>
+                <a:srgbClr val="6FCFCE"/>
+              </a:solidFill>
+            </a:endParaRPr>
           </a:p>
         </p:txBody>
       </p:sp>
@@ -15086,10 +18760,9 @@
           <a:lstStyle/>
           <a:p>
             <a:r>
-              <a:rPr lang="pl-PL" dirty="0" err="1"/>
-              <a:t>IdentityAPI</a:t>
-            </a:r>
-            <a:endParaRPr lang="pl-PL" dirty="0"/>
+              <a:rPr lang="pl-PL" dirty="0"/>
+              <a:t>Identity API</a:t>
+            </a:r>
           </a:p>
         </p:txBody>
       </p:sp>
@@ -15144,7 +18817,65 @@
           <a:bodyPr/>
           <a:lstStyle/>
           <a:p>
-            <a:endParaRPr lang="pl-PL"/>
+            <a:pPr marL="0" indent="0">
+              <a:buNone/>
+            </a:pPr>
+            <a:r>
+              <a:rPr lang="pl-PL" dirty="0"/>
+              <a:t>Biblioteka zapewniająca obsługę i łączenie z BD.</a:t>
+            </a:r>
+          </a:p>
+          <a:p>
+            <a:pPr marL="0" indent="0">
+              <a:buNone/>
+            </a:pPr>
+            <a:r>
+              <a:rPr lang="pl-PL" dirty="0"/>
+              <a:t>Umożliwia mapowanie obiektowo-relacyjne (ORM).</a:t>
+            </a:r>
+          </a:p>
+          <a:p>
+            <a:pPr marL="0" indent="0">
+              <a:buNone/>
+            </a:pPr>
+            <a:endParaRPr lang="pl-PL" dirty="0"/>
+          </a:p>
+          <a:p>
+            <a:pPr marL="0" indent="0">
+              <a:buNone/>
+            </a:pPr>
+            <a:endParaRPr lang="pl-PL" dirty="0"/>
+          </a:p>
+          <a:p>
+            <a:pPr marL="0" indent="0">
+              <a:buNone/>
+            </a:pPr>
+            <a:endParaRPr lang="pl-PL" dirty="0"/>
+          </a:p>
+          <a:p>
+            <a:pPr marL="0" indent="0">
+              <a:buNone/>
+            </a:pPr>
+            <a:r>
+              <a:rPr lang="pl-PL" dirty="0">
+                <a:solidFill>
+                  <a:srgbClr val="6FCFCE"/>
+                </a:solidFill>
+                <a:hlinkClick r:id="rId2">
+                  <a:extLst>
+                    <a:ext uri="{A12FA001-AC4F-418D-AE19-62706E023703}">
+                      <ahyp:hlinkClr xmlns:ahyp="http://schemas.microsoft.com/office/drawing/2018/hyperlinkcolor" val="tx"/>
+                    </a:ext>
+                  </a:extLst>
+                </a:hlinkClick>
+              </a:rPr>
+              <a:t>https://docs.microsoft.com/pl-pl/ef/core/</a:t>
+            </a:r>
+            <a:endParaRPr lang="pl-PL" dirty="0">
+              <a:solidFill>
+                <a:srgbClr val="6FCFCE"/>
+              </a:solidFill>
+            </a:endParaRPr>
           </a:p>
         </p:txBody>
       </p:sp>
@@ -15257,7 +18988,13 @@
                 <a:solidFill>
                   <a:srgbClr val="6FCFCE"/>
                 </a:solidFill>
-                <a:hlinkClick r:id="rId2"/>
+                <a:hlinkClick r:id="rId2">
+                  <a:extLst>
+                    <a:ext uri="{A12FA001-AC4F-418D-AE19-62706E023703}">
+                      <ahyp:hlinkClr xmlns:ahyp="http://schemas.microsoft.com/office/drawing/2018/hyperlinkcolor" val="tx"/>
+                    </a:ext>
+                  </a:extLst>
+                </a:hlinkClick>
               </a:rPr>
               <a:t>https://github.com/SignalR/SignalR</a:t>
             </a:r>
@@ -15500,7 +19237,7 @@
               <a:buAutoNum type="arabicPeriod"/>
             </a:pPr>
             <a:r>
-              <a:rPr lang="pl-PL" dirty="0"/>
+              <a:rPr lang="pl-PL" sz="2400" dirty="0"/>
               <a:t>ASP.NET – wprowadzenie</a:t>
             </a:r>
           </a:p>
@@ -15513,7 +19250,7 @@
               <a:buAutoNum type="arabicPeriod"/>
             </a:pPr>
             <a:r>
-              <a:rPr lang="pl-PL" dirty="0"/>
+              <a:rPr lang="pl-PL" sz="2400" dirty="0"/>
               <a:t>Model MVC</a:t>
             </a:r>
           </a:p>
@@ -15526,9 +19263,10 @@
               <a:buAutoNum type="arabicPeriod"/>
             </a:pPr>
             <a:r>
-              <a:rPr lang="pl-PL" dirty="0"/>
-              <a:t>HTTP</a:t>
-            </a:r>
+              <a:rPr lang="pl-PL" sz="2400"/>
+              <a:t>HTTP – model REST</a:t>
+            </a:r>
+            <a:endParaRPr lang="pl-PL" sz="2400" dirty="0"/>
           </a:p>
           <a:p>
             <a:pPr marL="514350" indent="-514350">
@@ -15539,7 +19277,7 @@
               <a:buAutoNum type="arabicPeriod"/>
             </a:pPr>
             <a:r>
-              <a:rPr lang="pl-PL" dirty="0"/>
+              <a:rPr lang="pl-PL" sz="2400" dirty="0"/>
               <a:t>Inne usługi</a:t>
             </a:r>
           </a:p>
@@ -15552,11 +19290,11 @@
               <a:buAutoNum type="arabicPeriod"/>
             </a:pPr>
             <a:r>
-              <a:rPr lang="pl-PL" dirty="0" err="1"/>
+              <a:rPr lang="pl-PL" sz="2000" dirty="0" err="1"/>
               <a:t>IdentityAPI</a:t>
             </a:r>
             <a:r>
-              <a:rPr lang="pl-PL" dirty="0"/>
+              <a:rPr lang="pl-PL" sz="2000" dirty="0"/>
               <a:t>	</a:t>
             </a:r>
           </a:p>
@@ -15569,11 +19307,11 @@
               <a:buAutoNum type="arabicPeriod"/>
             </a:pPr>
             <a:r>
-              <a:rPr lang="pl-PL" dirty="0" err="1"/>
+              <a:rPr lang="pl-PL" sz="2000" dirty="0" err="1"/>
               <a:t>Entity</a:t>
             </a:r>
             <a:r>
-              <a:rPr lang="pl-PL" dirty="0"/>
+              <a:rPr lang="pl-PL" sz="2000" dirty="0"/>
               <a:t> Framework</a:t>
             </a:r>
           </a:p>
@@ -15586,7 +19324,7 @@
               <a:buAutoNum type="arabicPeriod"/>
             </a:pPr>
             <a:r>
-              <a:rPr lang="pl-PL" dirty="0"/>
+              <a:rPr lang="pl-PL" sz="2000" dirty="0"/>
               <a:t>SignalR</a:t>
             </a:r>
           </a:p>
@@ -15599,10 +19337,10 @@
               <a:buAutoNum type="arabicPeriod"/>
             </a:pPr>
             <a:r>
-              <a:rPr lang="pl-PL" dirty="0" err="1"/>
+              <a:rPr lang="pl-PL" sz="2000" dirty="0" err="1"/>
               <a:t>gRPC</a:t>
             </a:r>
-            <a:endParaRPr lang="pl-PL" dirty="0"/>
+            <a:endParaRPr lang="pl-PL" sz="2000" dirty="0"/>
           </a:p>
           <a:p>
             <a:pPr marL="514350" indent="-514350">
@@ -15613,14 +19351,14 @@
               <a:buAutoNum type="arabicPeriod"/>
             </a:pPr>
             <a:r>
-              <a:rPr lang="pl-PL" dirty="0"/>
+              <a:rPr lang="pl-PL" sz="2400" dirty="0"/>
               <a:t>Publikacja aplikacji na MS </a:t>
             </a:r>
             <a:r>
-              <a:rPr lang="pl-PL" dirty="0" err="1"/>
+              <a:rPr lang="pl-PL" sz="2400" dirty="0" err="1"/>
               <a:t>Azure</a:t>
             </a:r>
-            <a:endParaRPr lang="pl-PL" dirty="0"/>
+            <a:endParaRPr lang="pl-PL" sz="2400" dirty="0"/>
           </a:p>
           <a:p>
             <a:pPr marL="514350" indent="-514350">
@@ -15781,7 +19519,29 @@
           <a:bodyPr/>
           <a:lstStyle/>
           <a:p>
-            <a:endParaRPr lang="pl-PL"/>
+            <a:pPr marL="0" indent="0">
+              <a:buNone/>
+            </a:pPr>
+            <a:r>
+              <a:rPr lang="pl-PL" dirty="0">
+                <a:solidFill>
+                  <a:srgbClr val="6FCFCE"/>
+                </a:solidFill>
+                <a:hlinkClick r:id="rId2">
+                  <a:extLst>
+                    <a:ext uri="{A12FA001-AC4F-418D-AE19-62706E023703}">
+                      <ahyp:hlinkClr xmlns:ahyp="http://schemas.microsoft.com/office/drawing/2018/hyperlinkcolor" val="tx"/>
+                    </a:ext>
+                  </a:extLst>
+                </a:hlinkClick>
+              </a:rPr>
+              <a:t>https://docs.microsoft.com/pl-pl/aspnet/core/grpc/?view=aspnetcore-5.0</a:t>
+            </a:r>
+            <a:endParaRPr lang="pl-PL" dirty="0">
+              <a:solidFill>
+                <a:srgbClr val="6FCFCE"/>
+              </a:solidFill>
+            </a:endParaRPr>
           </a:p>
         </p:txBody>
       </p:sp>
@@ -16150,7 +19910,45 @@
           <a:bodyPr/>
           <a:lstStyle/>
           <a:p>
-            <a:endParaRPr lang="pl-PL"/>
+            <a:pPr marL="0" indent="0">
+              <a:buNone/>
+            </a:pPr>
+            <a:r>
+              <a:rPr lang="pl-PL" dirty="0"/>
+              <a:t>Usługa bazodanowa na platformie </a:t>
+            </a:r>
+            <a:r>
+              <a:rPr lang="pl-PL" dirty="0" err="1"/>
+              <a:t>Azure</a:t>
+            </a:r>
+            <a:r>
+              <a:rPr lang="pl-PL" dirty="0"/>
+              <a:t>.</a:t>
+            </a:r>
+          </a:p>
+          <a:p>
+            <a:pPr marL="0" indent="0">
+              <a:buNone/>
+            </a:pPr>
+            <a:r>
+              <a:rPr lang="pl-PL" dirty="0"/>
+              <a:t>Dla studentów:</a:t>
+            </a:r>
+          </a:p>
+          <a:p>
+            <a:pPr marL="0" indent="0" algn="ctr">
+              <a:buNone/>
+            </a:pPr>
+            <a:r>
+              <a:rPr lang="pl-PL" dirty="0"/>
+              <a:t>250GB miejsca</a:t>
+            </a:r>
+          </a:p>
+          <a:p>
+            <a:pPr marL="0" indent="0">
+              <a:buNone/>
+            </a:pPr>
+            <a:endParaRPr lang="pl-PL" dirty="0"/>
           </a:p>
         </p:txBody>
       </p:sp>
@@ -16175,7 +19973,10 @@
           <a:bodyPr/>
           <a:lstStyle/>
           <a:p>
-            <a:endParaRPr lang="pl-PL"/>
+            <a:r>
+              <a:rPr lang="pl-PL" dirty="0"/>
+              <a:t>SQL Database</a:t>
+            </a:r>
           </a:p>
         </p:txBody>
       </p:sp>
@@ -16253,7 +20054,16 @@
             </a:pPr>
             <a:r>
               <a:rPr lang="pl-PL" dirty="0"/>
-              <a:t>20000 komunikatów dziennie, do 20 połączeń jednocześnie,</a:t>
+              <a:t>20000 komunikatów dziennie, </a:t>
+            </a:r>
+          </a:p>
+          <a:p>
+            <a:pPr marL="0" indent="0" algn="ctr">
+              <a:buNone/>
+            </a:pPr>
+            <a:r>
+              <a:rPr lang="pl-PL" dirty="0"/>
+              <a:t>do 20 połączeń jednocześnie,</a:t>
             </a:r>
           </a:p>
           <a:p>
@@ -16416,10 +20226,10 @@
       </p:grpSpPr>
       <p:sp>
         <p:nvSpPr>
-          <p:cNvPr id="2" name="Symbol zastępczy zawartości 1">
-            <a:extLst>
-              <a:ext uri="{FF2B5EF4-FFF2-40B4-BE49-F238E27FC236}">
-                <a16:creationId xmlns:a16="http://schemas.microsoft.com/office/drawing/2014/main" id="{3E038200-93D7-407F-B9A3-CD2B5F88AB25}"/>
+          <p:cNvPr id="5" name="Symbol zastępczy zawartości 4">
+            <a:extLst>
+              <a:ext uri="{FF2B5EF4-FFF2-40B4-BE49-F238E27FC236}">
+                <a16:creationId xmlns:a16="http://schemas.microsoft.com/office/drawing/2014/main" id="{8F236375-400D-40C1-B887-BD61CBEB2223}"/>
               </a:ext>
             </a:extLst>
           </p:cNvPr>
@@ -16435,16 +20245,62 @@
           <a:bodyPr/>
           <a:lstStyle/>
           <a:p>
-            <a:endParaRPr lang="pl-PL"/>
+            <a:pPr marL="0" indent="0" algn="just">
+              <a:buNone/>
+            </a:pPr>
+            <a:r>
+              <a:rPr lang="pl-PL" dirty="0"/>
+              <a:t>Najważniejszy plik w każdym projekcie ASP.NET.</a:t>
+            </a:r>
+          </a:p>
+          <a:p>
+            <a:pPr marL="0" indent="0" algn="just">
+              <a:buNone/>
+            </a:pPr>
+            <a:r>
+              <a:rPr lang="pl-PL" dirty="0"/>
+              <a:t>To w nim dodajemy i konfigurujemy wszystkie usługi, które ma obsługiwać nasza aplikacja:</a:t>
+            </a:r>
+          </a:p>
+          <a:p>
+            <a:r>
+              <a:rPr lang="pl-PL" dirty="0"/>
+              <a:t>powiązanie z BD</a:t>
+            </a:r>
+          </a:p>
+          <a:p>
+            <a:r>
+              <a:rPr lang="pl-PL" dirty="0"/>
+              <a:t>obsługa Identity API</a:t>
+            </a:r>
+          </a:p>
+          <a:p>
+            <a:r>
+              <a:rPr lang="pl-PL"/>
+              <a:t>SignalR</a:t>
+            </a:r>
+            <a:endParaRPr lang="pl-PL" dirty="0"/>
+          </a:p>
+          <a:p>
+            <a:r>
+              <a:rPr lang="pl-PL" dirty="0"/>
+              <a:t>i wiele więcej …</a:t>
+            </a:r>
+          </a:p>
+          <a:p>
+            <a:endParaRPr lang="pl-PL" dirty="0"/>
+          </a:p>
+          <a:p>
+            <a:endParaRPr lang="pl-PL" dirty="0"/>
           </a:p>
         </p:txBody>
       </p:sp>
       <p:sp>
         <p:nvSpPr>
-          <p:cNvPr id="3" name="Tytuł 2">
-            <a:extLst>
-              <a:ext uri="{FF2B5EF4-FFF2-40B4-BE49-F238E27FC236}">
-                <a16:creationId xmlns:a16="http://schemas.microsoft.com/office/drawing/2014/main" id="{11E96E32-2500-4AFC-8FF2-AD853A287A4C}"/>
+          <p:cNvPr id="4" name="Tytuł 3">
+            <a:extLst>
+              <a:ext uri="{FF2B5EF4-FFF2-40B4-BE49-F238E27FC236}">
+                <a16:creationId xmlns:a16="http://schemas.microsoft.com/office/drawing/2014/main" id="{F1F57F10-8F59-43B5-BF8A-B4D92D1F815E}"/>
               </a:ext>
             </a:extLst>
           </p:cNvPr>
@@ -16460,14 +20316,18 @@
           <a:bodyPr/>
           <a:lstStyle/>
           <a:p>
-            <a:endParaRPr lang="pl-PL"/>
+            <a:r>
+              <a:rPr lang="pl-PL" dirty="0" err="1"/>
+              <a:t>Startup.cs</a:t>
+            </a:r>
+            <a:endParaRPr lang="pl-PL" dirty="0"/>
           </a:p>
         </p:txBody>
       </p:sp>
     </p:spTree>
     <p:extLst>
       <p:ext uri="{BB962C8B-B14F-4D97-AF65-F5344CB8AC3E}">
-        <p14:creationId xmlns:p14="http://schemas.microsoft.com/office/powerpoint/2010/main" val="3927841883"/>
+        <p14:creationId xmlns:p14="http://schemas.microsoft.com/office/powerpoint/2010/main" val="2246621971"/>
       </p:ext>
     </p:extLst>
   </p:cSld>
@@ -16595,14 +20455,16 @@
         </p:nvSpPr>
         <p:spPr/>
         <p:txBody>
-          <a:bodyPr/>
+          <a:bodyPr>
+            <a:normAutofit/>
+          </a:bodyPr>
           <a:lstStyle/>
           <a:p>
             <a:pPr marL="0" indent="0">
               <a:buNone/>
             </a:pPr>
             <a:r>
-              <a:rPr lang="pl-PL" dirty="0"/>
+              <a:rPr lang="pl-PL" sz="2400" dirty="0"/>
               <a:t>Wzorzec projektowy, składający się z 3 części:</a:t>
             </a:r>
           </a:p>
@@ -16611,7 +20473,7 @@
               <a:buNone/>
             </a:pPr>
             <a:r>
-              <a:rPr lang="pl-PL" dirty="0">
+              <a:rPr lang="pl-PL" sz="2400" dirty="0">
                 <a:solidFill>
                   <a:srgbClr val="6D16E7"/>
                 </a:solidFill>
@@ -16619,10 +20481,10 @@
               <a:t>M -&gt; </a:t>
             </a:r>
             <a:r>
-              <a:rPr lang="pl-PL" dirty="0"/>
+              <a:rPr lang="pl-PL" sz="2400" dirty="0"/>
               <a:t>model</a:t>
             </a:r>
-            <a:endParaRPr lang="pl-PL" dirty="0">
+            <a:endParaRPr lang="pl-PL" sz="2400" dirty="0">
               <a:solidFill>
                 <a:srgbClr val="6D16E7"/>
               </a:solidFill>
@@ -16633,7 +20495,7 @@
               <a:buNone/>
             </a:pPr>
             <a:r>
-              <a:rPr lang="pl-PL" dirty="0">
+              <a:rPr lang="pl-PL" sz="2400" dirty="0">
                 <a:solidFill>
                   <a:srgbClr val="6D16E7"/>
                 </a:solidFill>
@@ -16641,17 +20503,17 @@
               <a:t>V -&gt; </a:t>
             </a:r>
             <a:r>
-              <a:rPr lang="pl-PL" dirty="0" err="1"/>
+              <a:rPr lang="pl-PL" sz="2400" dirty="0" err="1"/>
               <a:t>view</a:t>
             </a:r>
-            <a:endParaRPr lang="pl-PL" dirty="0"/>
+            <a:endParaRPr lang="pl-PL" sz="2400" dirty="0"/>
           </a:p>
           <a:p>
             <a:pPr marL="0" indent="0">
               <a:buNone/>
             </a:pPr>
             <a:r>
-              <a:rPr lang="pl-PL" dirty="0">
+              <a:rPr lang="pl-PL" sz="2400" dirty="0">
                 <a:solidFill>
                   <a:srgbClr val="6D16E7"/>
                 </a:solidFill>
@@ -16659,10 +20521,41 @@
               <a:t>C -&gt; </a:t>
             </a:r>
             <a:r>
-              <a:rPr lang="pl-PL" dirty="0" err="1"/>
+              <a:rPr lang="pl-PL" sz="2400" dirty="0" err="1"/>
               <a:t>controller</a:t>
             </a:r>
-            <a:endParaRPr lang="pl-PL" dirty="0"/>
+            <a:endParaRPr lang="pl-PL" sz="2400" dirty="0"/>
+          </a:p>
+          <a:p>
+            <a:pPr marL="0" indent="0">
+              <a:buNone/>
+            </a:pPr>
+            <a:endParaRPr lang="pl-PL" sz="2400" dirty="0"/>
+          </a:p>
+          <a:p>
+            <a:pPr marL="0" indent="0">
+              <a:buNone/>
+            </a:pPr>
+            <a:r>
+              <a:rPr lang="pl-PL" sz="2400" dirty="0">
+                <a:solidFill>
+                  <a:srgbClr val="6FCFCE"/>
+                </a:solidFill>
+                <a:hlinkClick r:id="rId2">
+                  <a:extLst>
+                    <a:ext uri="{A12FA001-AC4F-418D-AE19-62706E023703}">
+                      <ahyp:hlinkClr xmlns:ahyp="http://schemas.microsoft.com/office/drawing/2018/hyperlinkcolor" val="tx"/>
+                    </a:ext>
+                  </a:extLst>
+                </a:hlinkClick>
+              </a:rPr>
+              <a:t>https://dotnet.microsoft.com/apps/aspnet/mvc</a:t>
+            </a:r>
+            <a:endParaRPr lang="pl-PL" sz="2400" dirty="0">
+              <a:solidFill>
+                <a:srgbClr val="6FCFCE"/>
+              </a:solidFill>
+            </a:endParaRPr>
           </a:p>
         </p:txBody>
       </p:sp>
@@ -16754,33 +20647,6 @@
       </p:sp>
       <p:sp>
         <p:nvSpPr>
-          <p:cNvPr id="4" name="Symbol zastępczy zawartości 3">
-            <a:extLst>
-              <a:ext uri="{FF2B5EF4-FFF2-40B4-BE49-F238E27FC236}">
-                <a16:creationId xmlns:a16="http://schemas.microsoft.com/office/drawing/2014/main" id="{429788FA-4206-4987-BE62-07FA384A67C6}"/>
-              </a:ext>
-            </a:extLst>
-          </p:cNvPr>
-          <p:cNvSpPr>
-            <a:spLocks noGrp="1"/>
-          </p:cNvSpPr>
-          <p:nvPr>
-            <p:ph sz="half" idx="1"/>
-          </p:nvPr>
-        </p:nvSpPr>
-        <p:spPr/>
-        <p:txBody>
-          <a:bodyPr>
-            <a:normAutofit/>
-          </a:bodyPr>
-          <a:lstStyle/>
-          <a:p>
-            <a:endParaRPr lang="pl-PL" dirty="0"/>
-          </a:p>
-        </p:txBody>
-      </p:sp>
-      <p:sp>
-        <p:nvSpPr>
           <p:cNvPr id="5" name="Symbol zastępczy zawartości 4">
             <a:extLst>
               <a:ext uri="{FF2B5EF4-FFF2-40B4-BE49-F238E27FC236}">
@@ -16798,6 +20664,1141 @@
         <p:spPr/>
         <p:txBody>
           <a:bodyPr>
+            <a:normAutofit fontScale="47500" lnSpcReduction="20000"/>
+          </a:bodyPr>
+          <a:lstStyle/>
+          <a:p>
+            <a:pPr marL="0" indent="0">
+              <a:buNone/>
+            </a:pPr>
+            <a:r>
+              <a:rPr lang="pl-PL" b="0" dirty="0">
+                <a:solidFill>
+                  <a:srgbClr val="0000FF"/>
+                </a:solidFill>
+                <a:effectLst/>
+                <a:latin typeface="Consolas" panose="020B0609020204030204" pitchFamily="49" charset="0"/>
+              </a:rPr>
+              <a:t>    </a:t>
+            </a:r>
+            <a:r>
+              <a:rPr lang="pl-PL" sz="2900" b="0" dirty="0">
+                <a:solidFill>
+                  <a:srgbClr val="0000FF"/>
+                </a:solidFill>
+                <a:effectLst/>
+                <a:latin typeface="Consolas" panose="020B0609020204030204" pitchFamily="49" charset="0"/>
+              </a:rPr>
+              <a:t>public</a:t>
+            </a:r>
+            <a:r>
+              <a:rPr lang="pl-PL" sz="2900" b="0" dirty="0">
+                <a:solidFill>
+                  <a:srgbClr val="000000"/>
+                </a:solidFill>
+                <a:effectLst/>
+                <a:latin typeface="Consolas" panose="020B0609020204030204" pitchFamily="49" charset="0"/>
+              </a:rPr>
+              <a:t> </a:t>
+            </a:r>
+            <a:r>
+              <a:rPr lang="pl-PL" sz="2900" b="0" dirty="0" err="1">
+                <a:solidFill>
+                  <a:srgbClr val="0000FF"/>
+                </a:solidFill>
+                <a:effectLst/>
+                <a:latin typeface="Consolas" panose="020B0609020204030204" pitchFamily="49" charset="0"/>
+              </a:rPr>
+              <a:t>class</a:t>
+            </a:r>
+            <a:r>
+              <a:rPr lang="pl-PL" sz="2900" b="0" dirty="0">
+                <a:solidFill>
+                  <a:srgbClr val="000000"/>
+                </a:solidFill>
+                <a:effectLst/>
+                <a:latin typeface="Consolas" panose="020B0609020204030204" pitchFamily="49" charset="0"/>
+              </a:rPr>
+              <a:t> </a:t>
+            </a:r>
+            <a:r>
+              <a:rPr lang="pl-PL" sz="2900" b="0" dirty="0" err="1">
+                <a:solidFill>
+                  <a:srgbClr val="267F99"/>
+                </a:solidFill>
+                <a:effectLst/>
+                <a:latin typeface="Consolas" panose="020B0609020204030204" pitchFamily="49" charset="0"/>
+              </a:rPr>
+              <a:t>BookModel</a:t>
+            </a:r>
+            <a:endParaRPr lang="pl-PL" sz="2900" b="0" dirty="0">
+              <a:solidFill>
+                <a:srgbClr val="267F99"/>
+              </a:solidFill>
+              <a:effectLst/>
+              <a:latin typeface="Consolas" panose="020B0609020204030204" pitchFamily="49" charset="0"/>
+            </a:endParaRPr>
+          </a:p>
+          <a:p>
+            <a:pPr marL="0" indent="0">
+              <a:buNone/>
+            </a:pPr>
+            <a:r>
+              <a:rPr lang="pl-PL" sz="2900" b="0" dirty="0">
+                <a:solidFill>
+                  <a:srgbClr val="000000"/>
+                </a:solidFill>
+                <a:effectLst/>
+                <a:latin typeface="Consolas" panose="020B0609020204030204" pitchFamily="49" charset="0"/>
+              </a:rPr>
+              <a:t>    {</a:t>
+            </a:r>
+          </a:p>
+          <a:p>
+            <a:pPr marL="0" indent="0">
+              <a:buNone/>
+            </a:pPr>
+            <a:r>
+              <a:rPr lang="pl-PL" sz="2900" b="0" dirty="0">
+                <a:solidFill>
+                  <a:srgbClr val="000000"/>
+                </a:solidFill>
+                <a:effectLst/>
+                <a:latin typeface="Consolas" panose="020B0609020204030204" pitchFamily="49" charset="0"/>
+              </a:rPr>
+              <a:t>        [</a:t>
+            </a:r>
+            <a:r>
+              <a:rPr lang="pl-PL" sz="2900" b="0" dirty="0" err="1">
+                <a:solidFill>
+                  <a:srgbClr val="267F99"/>
+                </a:solidFill>
+                <a:effectLst/>
+                <a:latin typeface="Consolas" panose="020B0609020204030204" pitchFamily="49" charset="0"/>
+              </a:rPr>
+              <a:t>Key</a:t>
+            </a:r>
+            <a:r>
+              <a:rPr lang="pl-PL" sz="2900" b="0" dirty="0">
+                <a:solidFill>
+                  <a:srgbClr val="000000"/>
+                </a:solidFill>
+                <a:effectLst/>
+                <a:latin typeface="Consolas" panose="020B0609020204030204" pitchFamily="49" charset="0"/>
+              </a:rPr>
+              <a:t>]</a:t>
+            </a:r>
+            <a:endParaRPr lang="pl-PL" sz="2900" dirty="0">
+              <a:solidFill>
+                <a:srgbClr val="000000"/>
+              </a:solidFill>
+              <a:latin typeface="Consolas" panose="020B0609020204030204" pitchFamily="49" charset="0"/>
+            </a:endParaRPr>
+          </a:p>
+          <a:p>
+            <a:pPr marL="0" indent="0">
+              <a:spcBef>
+                <a:spcPts val="600"/>
+              </a:spcBef>
+              <a:buNone/>
+            </a:pPr>
+            <a:r>
+              <a:rPr lang="pl-PL" sz="2900" b="0" dirty="0">
+                <a:solidFill>
+                  <a:srgbClr val="000000"/>
+                </a:solidFill>
+                <a:effectLst/>
+                <a:latin typeface="Consolas" panose="020B0609020204030204" pitchFamily="49" charset="0"/>
+              </a:rPr>
+              <a:t>        </a:t>
+            </a:r>
+            <a:r>
+              <a:rPr lang="pl-PL" sz="2900" b="0" dirty="0">
+                <a:solidFill>
+                  <a:srgbClr val="0000FF"/>
+                </a:solidFill>
+                <a:effectLst/>
+                <a:latin typeface="Consolas" panose="020B0609020204030204" pitchFamily="49" charset="0"/>
+              </a:rPr>
+              <a:t>public</a:t>
+            </a:r>
+            <a:r>
+              <a:rPr lang="pl-PL" sz="2900" b="0" dirty="0">
+                <a:solidFill>
+                  <a:srgbClr val="000000"/>
+                </a:solidFill>
+                <a:effectLst/>
+                <a:latin typeface="Consolas" panose="020B0609020204030204" pitchFamily="49" charset="0"/>
+              </a:rPr>
+              <a:t> </a:t>
+            </a:r>
+            <a:r>
+              <a:rPr lang="pl-PL" sz="2900" b="0" dirty="0" err="1">
+                <a:solidFill>
+                  <a:srgbClr val="0000FF"/>
+                </a:solidFill>
+                <a:effectLst/>
+                <a:latin typeface="Consolas" panose="020B0609020204030204" pitchFamily="49" charset="0"/>
+              </a:rPr>
+              <a:t>int</a:t>
+            </a:r>
+            <a:r>
+              <a:rPr lang="pl-PL" sz="2900" b="0" dirty="0">
+                <a:solidFill>
+                  <a:srgbClr val="000000"/>
+                </a:solidFill>
+                <a:effectLst/>
+                <a:latin typeface="Consolas" panose="020B0609020204030204" pitchFamily="49" charset="0"/>
+              </a:rPr>
+              <a:t> </a:t>
+            </a:r>
+            <a:r>
+              <a:rPr lang="pl-PL" sz="2900" b="0" dirty="0" err="1">
+                <a:solidFill>
+                  <a:srgbClr val="001080"/>
+                </a:solidFill>
+                <a:effectLst/>
+                <a:latin typeface="Consolas" panose="020B0609020204030204" pitchFamily="49" charset="0"/>
+              </a:rPr>
+              <a:t>BookId</a:t>
+            </a:r>
+            <a:r>
+              <a:rPr lang="pl-PL" sz="2900" b="0" dirty="0">
+                <a:solidFill>
+                  <a:srgbClr val="000000"/>
+                </a:solidFill>
+                <a:effectLst/>
+                <a:latin typeface="Consolas" panose="020B0609020204030204" pitchFamily="49" charset="0"/>
+              </a:rPr>
+              <a:t> { </a:t>
+            </a:r>
+            <a:r>
+              <a:rPr lang="pl-PL" sz="2900" b="0" dirty="0" err="1">
+                <a:solidFill>
+                  <a:srgbClr val="0000FF"/>
+                </a:solidFill>
+                <a:effectLst/>
+                <a:latin typeface="Consolas" panose="020B0609020204030204" pitchFamily="49" charset="0"/>
+              </a:rPr>
+              <a:t>get</a:t>
+            </a:r>
+            <a:r>
+              <a:rPr lang="pl-PL" sz="2900" b="0" dirty="0">
+                <a:solidFill>
+                  <a:srgbClr val="000000"/>
+                </a:solidFill>
+                <a:effectLst/>
+                <a:latin typeface="Consolas" panose="020B0609020204030204" pitchFamily="49" charset="0"/>
+              </a:rPr>
+              <a:t>; </a:t>
+            </a:r>
+            <a:r>
+              <a:rPr lang="pl-PL" sz="2900" b="0" dirty="0">
+                <a:solidFill>
+                  <a:srgbClr val="0000FF"/>
+                </a:solidFill>
+                <a:effectLst/>
+                <a:latin typeface="Consolas" panose="020B0609020204030204" pitchFamily="49" charset="0"/>
+              </a:rPr>
+              <a:t>set</a:t>
+            </a:r>
+            <a:r>
+              <a:rPr lang="pl-PL" sz="2900" b="0" dirty="0">
+                <a:solidFill>
+                  <a:srgbClr val="000000"/>
+                </a:solidFill>
+                <a:effectLst/>
+                <a:latin typeface="Consolas" panose="020B0609020204030204" pitchFamily="49" charset="0"/>
+              </a:rPr>
+              <a:t>; }</a:t>
+            </a:r>
+          </a:p>
+          <a:p>
+            <a:pPr marL="0" indent="0">
+              <a:buNone/>
+            </a:pPr>
+            <a:r>
+              <a:rPr lang="pl-PL" sz="2900" b="0" dirty="0">
+                <a:solidFill>
+                  <a:srgbClr val="000000"/>
+                </a:solidFill>
+                <a:effectLst/>
+                <a:latin typeface="Consolas" panose="020B0609020204030204" pitchFamily="49" charset="0"/>
+              </a:rPr>
+              <a:t>        [</a:t>
+            </a:r>
+            <a:r>
+              <a:rPr lang="pl-PL" sz="2900" b="0" dirty="0" err="1">
+                <a:solidFill>
+                  <a:srgbClr val="267F99"/>
+                </a:solidFill>
+                <a:effectLst/>
+                <a:latin typeface="Consolas" panose="020B0609020204030204" pitchFamily="49" charset="0"/>
+              </a:rPr>
+              <a:t>Required</a:t>
+            </a:r>
+            <a:r>
+              <a:rPr lang="pl-PL" sz="2900" b="0" dirty="0">
+                <a:solidFill>
+                  <a:srgbClr val="000000"/>
+                </a:solidFill>
+                <a:effectLst/>
+                <a:latin typeface="Consolas" panose="020B0609020204030204" pitchFamily="49" charset="0"/>
+              </a:rPr>
+              <a:t>]</a:t>
+            </a:r>
+            <a:endParaRPr lang="pl-PL" sz="2900" dirty="0">
+              <a:solidFill>
+                <a:srgbClr val="000000"/>
+              </a:solidFill>
+              <a:latin typeface="Consolas" panose="020B0609020204030204" pitchFamily="49" charset="0"/>
+            </a:endParaRPr>
+          </a:p>
+          <a:p>
+            <a:pPr marL="0" indent="0">
+              <a:spcBef>
+                <a:spcPts val="600"/>
+              </a:spcBef>
+              <a:buNone/>
+            </a:pPr>
+            <a:r>
+              <a:rPr lang="pl-PL" sz="2900" b="0" dirty="0">
+                <a:solidFill>
+                  <a:srgbClr val="0000FF"/>
+                </a:solidFill>
+                <a:effectLst/>
+                <a:latin typeface="Consolas" panose="020B0609020204030204" pitchFamily="49" charset="0"/>
+              </a:rPr>
+              <a:t>        public</a:t>
+            </a:r>
+            <a:r>
+              <a:rPr lang="pl-PL" sz="2900" b="0" dirty="0">
+                <a:solidFill>
+                  <a:srgbClr val="000000"/>
+                </a:solidFill>
+                <a:effectLst/>
+                <a:latin typeface="Consolas" panose="020B0609020204030204" pitchFamily="49" charset="0"/>
+              </a:rPr>
+              <a:t> </a:t>
+            </a:r>
+            <a:r>
+              <a:rPr lang="pl-PL" sz="2900" b="0" dirty="0">
+                <a:solidFill>
+                  <a:srgbClr val="0000FF"/>
+                </a:solidFill>
+                <a:effectLst/>
+                <a:latin typeface="Consolas" panose="020B0609020204030204" pitchFamily="49" charset="0"/>
+              </a:rPr>
+              <a:t>string</a:t>
+            </a:r>
+            <a:r>
+              <a:rPr lang="pl-PL" sz="2900" b="0" dirty="0">
+                <a:solidFill>
+                  <a:srgbClr val="000000"/>
+                </a:solidFill>
+                <a:effectLst/>
+                <a:latin typeface="Consolas" panose="020B0609020204030204" pitchFamily="49" charset="0"/>
+              </a:rPr>
+              <a:t> </a:t>
+            </a:r>
+            <a:r>
+              <a:rPr lang="pl-PL" sz="2900" b="0" dirty="0" err="1">
+                <a:solidFill>
+                  <a:srgbClr val="001080"/>
+                </a:solidFill>
+                <a:effectLst/>
+                <a:latin typeface="Consolas" panose="020B0609020204030204" pitchFamily="49" charset="0"/>
+              </a:rPr>
+              <a:t>Title</a:t>
+            </a:r>
+            <a:r>
+              <a:rPr lang="pl-PL" sz="2900" b="0" dirty="0">
+                <a:solidFill>
+                  <a:srgbClr val="000000"/>
+                </a:solidFill>
+                <a:effectLst/>
+                <a:latin typeface="Consolas" panose="020B0609020204030204" pitchFamily="49" charset="0"/>
+              </a:rPr>
+              <a:t> { </a:t>
+            </a:r>
+            <a:r>
+              <a:rPr lang="pl-PL" sz="2900" b="0" dirty="0" err="1">
+                <a:solidFill>
+                  <a:srgbClr val="0000FF"/>
+                </a:solidFill>
+                <a:effectLst/>
+                <a:latin typeface="Consolas" panose="020B0609020204030204" pitchFamily="49" charset="0"/>
+              </a:rPr>
+              <a:t>get</a:t>
+            </a:r>
+            <a:r>
+              <a:rPr lang="pl-PL" sz="2900" b="0" dirty="0">
+                <a:solidFill>
+                  <a:srgbClr val="000000"/>
+                </a:solidFill>
+                <a:effectLst/>
+                <a:latin typeface="Consolas" panose="020B0609020204030204" pitchFamily="49" charset="0"/>
+              </a:rPr>
+              <a:t>; </a:t>
+            </a:r>
+            <a:r>
+              <a:rPr lang="pl-PL" sz="2900" b="0" dirty="0">
+                <a:solidFill>
+                  <a:srgbClr val="0000FF"/>
+                </a:solidFill>
+                <a:effectLst/>
+                <a:latin typeface="Consolas" panose="020B0609020204030204" pitchFamily="49" charset="0"/>
+              </a:rPr>
+              <a:t>set</a:t>
+            </a:r>
+            <a:r>
+              <a:rPr lang="pl-PL" sz="2900" b="0" dirty="0">
+                <a:solidFill>
+                  <a:srgbClr val="000000"/>
+                </a:solidFill>
+                <a:effectLst/>
+                <a:latin typeface="Consolas" panose="020B0609020204030204" pitchFamily="49" charset="0"/>
+              </a:rPr>
+              <a:t>; }</a:t>
+            </a:r>
+          </a:p>
+          <a:p>
+            <a:pPr marL="0" indent="0">
+              <a:buNone/>
+            </a:pPr>
+            <a:r>
+              <a:rPr lang="pl-PL" sz="2900" dirty="0">
+                <a:solidFill>
+                  <a:srgbClr val="000000"/>
+                </a:solidFill>
+                <a:latin typeface="Consolas" panose="020B0609020204030204" pitchFamily="49" charset="0"/>
+              </a:rPr>
+              <a:t>        </a:t>
+            </a:r>
+            <a:r>
+              <a:rPr lang="pl-PL" sz="2900" b="0" dirty="0">
+                <a:solidFill>
+                  <a:srgbClr val="000000"/>
+                </a:solidFill>
+                <a:effectLst/>
+                <a:latin typeface="Consolas" panose="020B0609020204030204" pitchFamily="49" charset="0"/>
+              </a:rPr>
+              <a:t>[</a:t>
+            </a:r>
+            <a:r>
+              <a:rPr lang="pl-PL" sz="2900" b="0" dirty="0" err="1">
+                <a:solidFill>
+                  <a:srgbClr val="267F99"/>
+                </a:solidFill>
+                <a:effectLst/>
+                <a:latin typeface="Consolas" panose="020B0609020204030204" pitchFamily="49" charset="0"/>
+              </a:rPr>
+              <a:t>Required</a:t>
+            </a:r>
+            <a:r>
+              <a:rPr lang="pl-PL" sz="2900" b="0" dirty="0">
+                <a:solidFill>
+                  <a:srgbClr val="000000"/>
+                </a:solidFill>
+                <a:effectLst/>
+                <a:latin typeface="Consolas" panose="020B0609020204030204" pitchFamily="49" charset="0"/>
+              </a:rPr>
+              <a:t>]</a:t>
+            </a:r>
+          </a:p>
+          <a:p>
+            <a:pPr marL="0" indent="0">
+              <a:spcBef>
+                <a:spcPts val="600"/>
+              </a:spcBef>
+              <a:buNone/>
+            </a:pPr>
+            <a:r>
+              <a:rPr lang="pl-PL" sz="2900" b="0" dirty="0">
+                <a:solidFill>
+                  <a:srgbClr val="0000FF"/>
+                </a:solidFill>
+                <a:effectLst/>
+                <a:latin typeface="Consolas" panose="020B0609020204030204" pitchFamily="49" charset="0"/>
+              </a:rPr>
+              <a:t>        public</a:t>
+            </a:r>
+            <a:r>
+              <a:rPr lang="pl-PL" sz="2900" b="0" dirty="0">
+                <a:solidFill>
+                  <a:srgbClr val="000000"/>
+                </a:solidFill>
+                <a:effectLst/>
+                <a:latin typeface="Consolas" panose="020B0609020204030204" pitchFamily="49" charset="0"/>
+              </a:rPr>
+              <a:t> </a:t>
+            </a:r>
+            <a:r>
+              <a:rPr lang="pl-PL" sz="2900" b="0" dirty="0">
+                <a:solidFill>
+                  <a:srgbClr val="0000FF"/>
+                </a:solidFill>
+                <a:effectLst/>
+                <a:latin typeface="Consolas" panose="020B0609020204030204" pitchFamily="49" charset="0"/>
+              </a:rPr>
+              <a:t>string</a:t>
+            </a:r>
+            <a:r>
+              <a:rPr lang="pl-PL" sz="2900" b="0" dirty="0">
+                <a:solidFill>
+                  <a:srgbClr val="000000"/>
+                </a:solidFill>
+                <a:effectLst/>
+                <a:latin typeface="Consolas" panose="020B0609020204030204" pitchFamily="49" charset="0"/>
+              </a:rPr>
+              <a:t> </a:t>
+            </a:r>
+            <a:r>
+              <a:rPr lang="pl-PL" sz="2900" b="0" dirty="0">
+                <a:solidFill>
+                  <a:srgbClr val="001080"/>
+                </a:solidFill>
+                <a:effectLst/>
+                <a:latin typeface="Consolas" panose="020B0609020204030204" pitchFamily="49" charset="0"/>
+              </a:rPr>
+              <a:t>Author</a:t>
+            </a:r>
+            <a:r>
+              <a:rPr lang="pl-PL" sz="2900" b="0" dirty="0">
+                <a:solidFill>
+                  <a:srgbClr val="000000"/>
+                </a:solidFill>
+                <a:effectLst/>
+                <a:latin typeface="Consolas" panose="020B0609020204030204" pitchFamily="49" charset="0"/>
+              </a:rPr>
+              <a:t> { </a:t>
+            </a:r>
+            <a:r>
+              <a:rPr lang="pl-PL" sz="2900" b="0" dirty="0" err="1">
+                <a:solidFill>
+                  <a:srgbClr val="0000FF"/>
+                </a:solidFill>
+                <a:effectLst/>
+                <a:latin typeface="Consolas" panose="020B0609020204030204" pitchFamily="49" charset="0"/>
+              </a:rPr>
+              <a:t>get</a:t>
+            </a:r>
+            <a:r>
+              <a:rPr lang="pl-PL" sz="2900" b="0" dirty="0">
+                <a:solidFill>
+                  <a:srgbClr val="000000"/>
+                </a:solidFill>
+                <a:effectLst/>
+                <a:latin typeface="Consolas" panose="020B0609020204030204" pitchFamily="49" charset="0"/>
+              </a:rPr>
+              <a:t>; </a:t>
+            </a:r>
+            <a:r>
+              <a:rPr lang="pl-PL" sz="2900" b="0" dirty="0">
+                <a:solidFill>
+                  <a:srgbClr val="0000FF"/>
+                </a:solidFill>
+                <a:effectLst/>
+                <a:latin typeface="Consolas" panose="020B0609020204030204" pitchFamily="49" charset="0"/>
+              </a:rPr>
+              <a:t>set</a:t>
+            </a:r>
+            <a:r>
+              <a:rPr lang="pl-PL" sz="2900" b="0" dirty="0">
+                <a:solidFill>
+                  <a:srgbClr val="000000"/>
+                </a:solidFill>
+                <a:effectLst/>
+                <a:latin typeface="Consolas" panose="020B0609020204030204" pitchFamily="49" charset="0"/>
+              </a:rPr>
+              <a:t>; }</a:t>
+            </a:r>
+          </a:p>
+          <a:p>
+            <a:pPr marL="0" indent="0">
+              <a:buNone/>
+            </a:pPr>
+            <a:r>
+              <a:rPr lang="pl-PL" sz="2900" dirty="0">
+                <a:solidFill>
+                  <a:srgbClr val="000000"/>
+                </a:solidFill>
+                <a:latin typeface="Consolas" panose="020B0609020204030204" pitchFamily="49" charset="0"/>
+              </a:rPr>
+              <a:t>        [</a:t>
+            </a:r>
+            <a:r>
+              <a:rPr lang="pl-PL" sz="2900" b="0" dirty="0" err="1">
+                <a:solidFill>
+                  <a:srgbClr val="267F99"/>
+                </a:solidFill>
+                <a:effectLst/>
+                <a:latin typeface="Consolas" panose="020B0609020204030204" pitchFamily="49" charset="0"/>
+              </a:rPr>
+              <a:t>Required</a:t>
+            </a:r>
+            <a:r>
+              <a:rPr lang="pl-PL" sz="2900" b="0" dirty="0">
+                <a:solidFill>
+                  <a:srgbClr val="000000"/>
+                </a:solidFill>
+                <a:effectLst/>
+                <a:latin typeface="Consolas" panose="020B0609020204030204" pitchFamily="49" charset="0"/>
+              </a:rPr>
+              <a:t>]</a:t>
+            </a:r>
+          </a:p>
+          <a:p>
+            <a:pPr marL="0" indent="0">
+              <a:spcBef>
+                <a:spcPts val="600"/>
+              </a:spcBef>
+              <a:buNone/>
+            </a:pPr>
+            <a:r>
+              <a:rPr lang="pl-PL" sz="2900" dirty="0">
+                <a:solidFill>
+                  <a:srgbClr val="000000"/>
+                </a:solidFill>
+                <a:latin typeface="Consolas" panose="020B0609020204030204" pitchFamily="49" charset="0"/>
+              </a:rPr>
+              <a:t>        </a:t>
+            </a:r>
+            <a:r>
+              <a:rPr lang="pl-PL" sz="2900" b="0" dirty="0">
+                <a:solidFill>
+                  <a:srgbClr val="0000FF"/>
+                </a:solidFill>
+                <a:effectLst/>
+                <a:latin typeface="Consolas" panose="020B0609020204030204" pitchFamily="49" charset="0"/>
+              </a:rPr>
+              <a:t>public</a:t>
+            </a:r>
+            <a:r>
+              <a:rPr lang="pl-PL" sz="2900" b="0" dirty="0">
+                <a:solidFill>
+                  <a:srgbClr val="000000"/>
+                </a:solidFill>
+                <a:effectLst/>
+                <a:latin typeface="Consolas" panose="020B0609020204030204" pitchFamily="49" charset="0"/>
+              </a:rPr>
+              <a:t> </a:t>
+            </a:r>
+            <a:r>
+              <a:rPr lang="pl-PL" sz="2900" b="0" dirty="0">
+                <a:solidFill>
+                  <a:srgbClr val="0000FF"/>
+                </a:solidFill>
+                <a:effectLst/>
+                <a:latin typeface="Consolas" panose="020B0609020204030204" pitchFamily="49" charset="0"/>
+              </a:rPr>
+              <a:t>string</a:t>
+            </a:r>
+            <a:r>
+              <a:rPr lang="pl-PL" sz="2900" b="0" dirty="0">
+                <a:solidFill>
+                  <a:srgbClr val="000000"/>
+                </a:solidFill>
+                <a:effectLst/>
+                <a:latin typeface="Consolas" panose="020B0609020204030204" pitchFamily="49" charset="0"/>
+              </a:rPr>
+              <a:t> </a:t>
+            </a:r>
+            <a:r>
+              <a:rPr lang="pl-PL" sz="2900" b="0" dirty="0">
+                <a:solidFill>
+                  <a:srgbClr val="001080"/>
+                </a:solidFill>
+                <a:effectLst/>
+                <a:latin typeface="Consolas" panose="020B0609020204030204" pitchFamily="49" charset="0"/>
+              </a:rPr>
+              <a:t>Publisher</a:t>
+            </a:r>
+            <a:r>
+              <a:rPr lang="pl-PL" sz="2900" b="0" dirty="0">
+                <a:solidFill>
+                  <a:srgbClr val="000000"/>
+                </a:solidFill>
+                <a:effectLst/>
+                <a:latin typeface="Consolas" panose="020B0609020204030204" pitchFamily="49" charset="0"/>
+              </a:rPr>
+              <a:t> { </a:t>
+            </a:r>
+            <a:r>
+              <a:rPr lang="pl-PL" sz="2900" b="0" dirty="0" err="1">
+                <a:solidFill>
+                  <a:srgbClr val="0000FF"/>
+                </a:solidFill>
+                <a:effectLst/>
+                <a:latin typeface="Consolas" panose="020B0609020204030204" pitchFamily="49" charset="0"/>
+              </a:rPr>
+              <a:t>get</a:t>
+            </a:r>
+            <a:r>
+              <a:rPr lang="pl-PL" sz="2900" b="0" dirty="0">
+                <a:solidFill>
+                  <a:srgbClr val="000000"/>
+                </a:solidFill>
+                <a:effectLst/>
+                <a:latin typeface="Consolas" panose="020B0609020204030204" pitchFamily="49" charset="0"/>
+              </a:rPr>
+              <a:t>; </a:t>
+            </a:r>
+            <a:r>
+              <a:rPr lang="pl-PL" sz="2900" b="0" dirty="0">
+                <a:solidFill>
+                  <a:srgbClr val="0000FF"/>
+                </a:solidFill>
+                <a:effectLst/>
+                <a:latin typeface="Consolas" panose="020B0609020204030204" pitchFamily="49" charset="0"/>
+              </a:rPr>
+              <a:t>set</a:t>
+            </a:r>
+            <a:r>
+              <a:rPr lang="pl-PL" sz="2900" b="0" dirty="0">
+                <a:solidFill>
+                  <a:srgbClr val="000000"/>
+                </a:solidFill>
+                <a:effectLst/>
+                <a:latin typeface="Consolas" panose="020B0609020204030204" pitchFamily="49" charset="0"/>
+              </a:rPr>
+              <a:t>; }</a:t>
+            </a:r>
+          </a:p>
+          <a:p>
+            <a:pPr marL="0" indent="0">
+              <a:buNone/>
+            </a:pPr>
+            <a:r>
+              <a:rPr lang="pl-PL" sz="2900" b="0" dirty="0">
+                <a:solidFill>
+                  <a:srgbClr val="000000"/>
+                </a:solidFill>
+                <a:effectLst/>
+                <a:latin typeface="Consolas" panose="020B0609020204030204" pitchFamily="49" charset="0"/>
+              </a:rPr>
+              <a:t>        [</a:t>
+            </a:r>
+            <a:r>
+              <a:rPr lang="pl-PL" sz="2900" b="0" dirty="0" err="1">
+                <a:solidFill>
+                  <a:srgbClr val="267F99"/>
+                </a:solidFill>
+                <a:effectLst/>
+                <a:latin typeface="Consolas" panose="020B0609020204030204" pitchFamily="49" charset="0"/>
+              </a:rPr>
+              <a:t>Column</a:t>
+            </a:r>
+            <a:r>
+              <a:rPr lang="pl-PL" sz="2900" b="0" dirty="0">
+                <a:solidFill>
+                  <a:srgbClr val="000000"/>
+                </a:solidFill>
+                <a:effectLst/>
+                <a:latin typeface="Consolas" panose="020B0609020204030204" pitchFamily="49" charset="0"/>
+              </a:rPr>
+              <a:t>(</a:t>
+            </a:r>
+            <a:r>
+              <a:rPr lang="pl-PL" sz="2900" b="0" dirty="0">
+                <a:solidFill>
+                  <a:srgbClr val="A31515"/>
+                </a:solidFill>
+                <a:effectLst/>
+                <a:latin typeface="Consolas" panose="020B0609020204030204" pitchFamily="49" charset="0"/>
+              </a:rPr>
+              <a:t>"</a:t>
+            </a:r>
+            <a:r>
+              <a:rPr lang="pl-PL" sz="2900" b="0" dirty="0" err="1">
+                <a:solidFill>
+                  <a:srgbClr val="A31515"/>
+                </a:solidFill>
+                <a:effectLst/>
+                <a:latin typeface="Consolas" panose="020B0609020204030204" pitchFamily="49" charset="0"/>
+              </a:rPr>
+              <a:t>Year</a:t>
+            </a:r>
+            <a:r>
+              <a:rPr lang="pl-PL" sz="2900" b="0" dirty="0">
+                <a:solidFill>
+                  <a:srgbClr val="A31515"/>
+                </a:solidFill>
+                <a:effectLst/>
+                <a:latin typeface="Consolas" panose="020B0609020204030204" pitchFamily="49" charset="0"/>
+              </a:rPr>
+              <a:t>"</a:t>
+            </a:r>
+            <a:r>
+              <a:rPr lang="pl-PL" sz="2900" b="0" dirty="0">
+                <a:solidFill>
+                  <a:srgbClr val="000000"/>
+                </a:solidFill>
+                <a:effectLst/>
+                <a:latin typeface="Consolas" panose="020B0609020204030204" pitchFamily="49" charset="0"/>
+              </a:rPr>
+              <a:t>)]</a:t>
+            </a:r>
+          </a:p>
+          <a:p>
+            <a:pPr marL="0" indent="0">
+              <a:spcBef>
+                <a:spcPts val="600"/>
+              </a:spcBef>
+              <a:buNone/>
+            </a:pPr>
+            <a:r>
+              <a:rPr lang="pl-PL" sz="2900" b="0" dirty="0">
+                <a:solidFill>
+                  <a:srgbClr val="000000"/>
+                </a:solidFill>
+                <a:effectLst/>
+                <a:latin typeface="Consolas" panose="020B0609020204030204" pitchFamily="49" charset="0"/>
+              </a:rPr>
+              <a:t>        [</a:t>
+            </a:r>
+            <a:r>
+              <a:rPr lang="pl-PL" sz="2900" b="0" dirty="0" err="1">
+                <a:solidFill>
+                  <a:srgbClr val="267F99"/>
+                </a:solidFill>
+                <a:effectLst/>
+                <a:latin typeface="Consolas" panose="020B0609020204030204" pitchFamily="49" charset="0"/>
+              </a:rPr>
+              <a:t>Required</a:t>
+            </a:r>
+            <a:r>
+              <a:rPr lang="pl-PL" sz="2900" b="0" dirty="0">
+                <a:solidFill>
+                  <a:srgbClr val="000000"/>
+                </a:solidFill>
+                <a:effectLst/>
+                <a:latin typeface="Consolas" panose="020B0609020204030204" pitchFamily="49" charset="0"/>
+              </a:rPr>
+              <a:t>]</a:t>
+            </a:r>
+          </a:p>
+          <a:p>
+            <a:pPr marL="0" indent="0">
+              <a:spcBef>
+                <a:spcPts val="600"/>
+              </a:spcBef>
+              <a:buNone/>
+            </a:pPr>
+            <a:r>
+              <a:rPr lang="pl-PL" sz="2900" b="0" dirty="0">
+                <a:solidFill>
+                  <a:srgbClr val="0000FF"/>
+                </a:solidFill>
+                <a:effectLst/>
+                <a:latin typeface="Consolas" panose="020B0609020204030204" pitchFamily="49" charset="0"/>
+              </a:rPr>
+              <a:t>        public</a:t>
+            </a:r>
+            <a:r>
+              <a:rPr lang="pl-PL" sz="2900" b="0" dirty="0">
+                <a:solidFill>
+                  <a:srgbClr val="000000"/>
+                </a:solidFill>
+                <a:effectLst/>
+                <a:latin typeface="Consolas" panose="020B0609020204030204" pitchFamily="49" charset="0"/>
+              </a:rPr>
+              <a:t> </a:t>
+            </a:r>
+            <a:r>
+              <a:rPr lang="pl-PL" sz="2900" b="0" dirty="0" err="1">
+                <a:solidFill>
+                  <a:srgbClr val="0000FF"/>
+                </a:solidFill>
+                <a:effectLst/>
+                <a:latin typeface="Consolas" panose="020B0609020204030204" pitchFamily="49" charset="0"/>
+              </a:rPr>
+              <a:t>int</a:t>
+            </a:r>
+            <a:r>
+              <a:rPr lang="pl-PL" sz="2900" b="0" dirty="0">
+                <a:solidFill>
+                  <a:srgbClr val="000000"/>
+                </a:solidFill>
+                <a:effectLst/>
+                <a:latin typeface="Consolas" panose="020B0609020204030204" pitchFamily="49" charset="0"/>
+              </a:rPr>
+              <a:t> </a:t>
+            </a:r>
+            <a:r>
+              <a:rPr lang="pl-PL" sz="2900" b="0" dirty="0" err="1">
+                <a:solidFill>
+                  <a:srgbClr val="001080"/>
+                </a:solidFill>
+                <a:effectLst/>
+                <a:latin typeface="Consolas" panose="020B0609020204030204" pitchFamily="49" charset="0"/>
+              </a:rPr>
+              <a:t>YearOfPublication</a:t>
+            </a:r>
+            <a:r>
+              <a:rPr lang="pl-PL" sz="2900" b="0" dirty="0">
+                <a:solidFill>
+                  <a:srgbClr val="000000"/>
+                </a:solidFill>
+                <a:effectLst/>
+                <a:latin typeface="Consolas" panose="020B0609020204030204" pitchFamily="49" charset="0"/>
+              </a:rPr>
+              <a:t> { </a:t>
+            </a:r>
+            <a:r>
+              <a:rPr lang="pl-PL" sz="2900" b="0" dirty="0" err="1">
+                <a:solidFill>
+                  <a:srgbClr val="0000FF"/>
+                </a:solidFill>
+                <a:effectLst/>
+                <a:latin typeface="Consolas" panose="020B0609020204030204" pitchFamily="49" charset="0"/>
+              </a:rPr>
+              <a:t>get</a:t>
+            </a:r>
+            <a:r>
+              <a:rPr lang="pl-PL" sz="2900" b="0" dirty="0">
+                <a:solidFill>
+                  <a:srgbClr val="000000"/>
+                </a:solidFill>
+                <a:effectLst/>
+                <a:latin typeface="Consolas" panose="020B0609020204030204" pitchFamily="49" charset="0"/>
+              </a:rPr>
+              <a:t>; </a:t>
+            </a:r>
+            <a:r>
+              <a:rPr lang="pl-PL" sz="2900" b="0" dirty="0">
+                <a:solidFill>
+                  <a:srgbClr val="0000FF"/>
+                </a:solidFill>
+                <a:effectLst/>
+                <a:latin typeface="Consolas" panose="020B0609020204030204" pitchFamily="49" charset="0"/>
+              </a:rPr>
+              <a:t>set</a:t>
+            </a:r>
+            <a:r>
+              <a:rPr lang="pl-PL" sz="2900" b="0" dirty="0">
+                <a:solidFill>
+                  <a:srgbClr val="000000"/>
+                </a:solidFill>
+                <a:effectLst/>
+                <a:latin typeface="Consolas" panose="020B0609020204030204" pitchFamily="49" charset="0"/>
+              </a:rPr>
+              <a:t>; }</a:t>
+            </a:r>
+          </a:p>
+          <a:p>
+            <a:pPr marL="0" indent="0">
+              <a:buNone/>
+            </a:pPr>
+            <a:r>
+              <a:rPr lang="pl-PL" sz="2900" b="0" dirty="0">
+                <a:solidFill>
+                  <a:srgbClr val="000000"/>
+                </a:solidFill>
+                <a:effectLst/>
+                <a:latin typeface="Consolas" panose="020B0609020204030204" pitchFamily="49" charset="0"/>
+              </a:rPr>
+              <a:t>        [</a:t>
+            </a:r>
+            <a:r>
+              <a:rPr lang="pl-PL" sz="2900" b="0" dirty="0" err="1">
+                <a:solidFill>
+                  <a:srgbClr val="267F99"/>
+                </a:solidFill>
+                <a:effectLst/>
+                <a:latin typeface="Consolas" panose="020B0609020204030204" pitchFamily="49" charset="0"/>
+              </a:rPr>
+              <a:t>RegularExpression</a:t>
+            </a:r>
+            <a:r>
+              <a:rPr lang="pl-PL" sz="2900" b="0" dirty="0">
+                <a:solidFill>
+                  <a:srgbClr val="000000"/>
+                </a:solidFill>
+                <a:effectLst/>
+                <a:latin typeface="Consolas" panose="020B0609020204030204" pitchFamily="49" charset="0"/>
+              </a:rPr>
+              <a:t>(</a:t>
+            </a:r>
+            <a:r>
+              <a:rPr lang="pl-PL" sz="2900" b="0" dirty="0">
+                <a:solidFill>
+                  <a:srgbClr val="A31515"/>
+                </a:solidFill>
+                <a:effectLst/>
+                <a:latin typeface="Consolas" panose="020B0609020204030204" pitchFamily="49" charset="0"/>
+              </a:rPr>
+              <a:t>@"^([0-9]{3}-)…$"</a:t>
+            </a:r>
+            <a:r>
+              <a:rPr lang="pl-PL" sz="2900" b="0" dirty="0">
+                <a:solidFill>
+                  <a:srgbClr val="000000"/>
+                </a:solidFill>
+                <a:effectLst/>
+                <a:latin typeface="Consolas" panose="020B0609020204030204" pitchFamily="49" charset="0"/>
+              </a:rPr>
+              <a:t>)]</a:t>
+            </a:r>
+          </a:p>
+          <a:p>
+            <a:pPr marL="0" indent="0">
+              <a:spcBef>
+                <a:spcPts val="600"/>
+              </a:spcBef>
+              <a:buNone/>
+            </a:pPr>
+            <a:r>
+              <a:rPr lang="pl-PL" sz="2900" b="0" dirty="0">
+                <a:solidFill>
+                  <a:srgbClr val="0000FF"/>
+                </a:solidFill>
+                <a:effectLst/>
+                <a:latin typeface="Consolas" panose="020B0609020204030204" pitchFamily="49" charset="0"/>
+              </a:rPr>
+              <a:t>        public</a:t>
+            </a:r>
+            <a:r>
+              <a:rPr lang="pl-PL" sz="2900" b="0" dirty="0">
+                <a:solidFill>
+                  <a:srgbClr val="000000"/>
+                </a:solidFill>
+                <a:effectLst/>
+                <a:latin typeface="Consolas" panose="020B0609020204030204" pitchFamily="49" charset="0"/>
+              </a:rPr>
+              <a:t> </a:t>
+            </a:r>
+            <a:r>
+              <a:rPr lang="pl-PL" sz="2900" b="0" dirty="0">
+                <a:solidFill>
+                  <a:srgbClr val="0000FF"/>
+                </a:solidFill>
+                <a:effectLst/>
+                <a:latin typeface="Consolas" panose="020B0609020204030204" pitchFamily="49" charset="0"/>
+              </a:rPr>
+              <a:t>string</a:t>
+            </a:r>
+            <a:r>
+              <a:rPr lang="pl-PL" sz="2900" b="0" dirty="0">
+                <a:solidFill>
+                  <a:srgbClr val="000000"/>
+                </a:solidFill>
+                <a:effectLst/>
+                <a:latin typeface="Consolas" panose="020B0609020204030204" pitchFamily="49" charset="0"/>
+              </a:rPr>
+              <a:t>? </a:t>
+            </a:r>
+            <a:r>
+              <a:rPr lang="pl-PL" sz="2900" b="0" dirty="0">
+                <a:solidFill>
+                  <a:srgbClr val="001080"/>
+                </a:solidFill>
+                <a:effectLst/>
+                <a:latin typeface="Consolas" panose="020B0609020204030204" pitchFamily="49" charset="0"/>
+              </a:rPr>
+              <a:t>ISBN</a:t>
+            </a:r>
+            <a:r>
+              <a:rPr lang="pl-PL" sz="2900" b="0" dirty="0">
+                <a:solidFill>
+                  <a:srgbClr val="000000"/>
+                </a:solidFill>
+                <a:effectLst/>
+                <a:latin typeface="Consolas" panose="020B0609020204030204" pitchFamily="49" charset="0"/>
+              </a:rPr>
+              <a:t> { </a:t>
+            </a:r>
+            <a:r>
+              <a:rPr lang="pl-PL" sz="2900" b="0" dirty="0" err="1">
+                <a:solidFill>
+                  <a:srgbClr val="0000FF"/>
+                </a:solidFill>
+                <a:effectLst/>
+                <a:latin typeface="Consolas" panose="020B0609020204030204" pitchFamily="49" charset="0"/>
+              </a:rPr>
+              <a:t>get</a:t>
+            </a:r>
+            <a:r>
+              <a:rPr lang="pl-PL" sz="2900" b="0" dirty="0">
+                <a:solidFill>
+                  <a:srgbClr val="000000"/>
+                </a:solidFill>
+                <a:effectLst/>
+                <a:latin typeface="Consolas" panose="020B0609020204030204" pitchFamily="49" charset="0"/>
+              </a:rPr>
+              <a:t>; </a:t>
+            </a:r>
+            <a:r>
+              <a:rPr lang="pl-PL" sz="2900" b="0" dirty="0">
+                <a:solidFill>
+                  <a:srgbClr val="0000FF"/>
+                </a:solidFill>
+                <a:effectLst/>
+                <a:latin typeface="Consolas" panose="020B0609020204030204" pitchFamily="49" charset="0"/>
+              </a:rPr>
+              <a:t>set</a:t>
+            </a:r>
+            <a:r>
+              <a:rPr lang="pl-PL" sz="2900" b="0" dirty="0">
+                <a:solidFill>
+                  <a:srgbClr val="000000"/>
+                </a:solidFill>
+                <a:effectLst/>
+                <a:latin typeface="Consolas" panose="020B0609020204030204" pitchFamily="49" charset="0"/>
+              </a:rPr>
+              <a:t>; }     </a:t>
+            </a:r>
+          </a:p>
+          <a:p>
+            <a:pPr marL="0" indent="0">
+              <a:buNone/>
+            </a:pPr>
+            <a:r>
+              <a:rPr lang="pl-PL" sz="2900" dirty="0">
+                <a:solidFill>
+                  <a:srgbClr val="000000"/>
+                </a:solidFill>
+                <a:latin typeface="Consolas" panose="020B0609020204030204" pitchFamily="49" charset="0"/>
+              </a:rPr>
+              <a:t>    </a:t>
+            </a:r>
+            <a:r>
+              <a:rPr lang="pl-PL" sz="2900" b="0" dirty="0">
+                <a:solidFill>
+                  <a:srgbClr val="000000"/>
+                </a:solidFill>
+                <a:effectLst/>
+                <a:latin typeface="Consolas" panose="020B0609020204030204" pitchFamily="49" charset="0"/>
+              </a:rPr>
+              <a:t>}</a:t>
+            </a:r>
+          </a:p>
+        </p:txBody>
+      </p:sp>
+      <p:sp>
+        <p:nvSpPr>
+          <p:cNvPr id="8" name="Symbol zastępczy zawartości 7">
+            <a:extLst>
+              <a:ext uri="{FF2B5EF4-FFF2-40B4-BE49-F238E27FC236}">
+                <a16:creationId xmlns:a16="http://schemas.microsoft.com/office/drawing/2014/main" id="{5D94DDEF-1CEF-401B-80E4-579BDD719044}"/>
+              </a:ext>
+            </a:extLst>
+          </p:cNvPr>
+          <p:cNvSpPr>
+            <a:spLocks noGrp="1"/>
+          </p:cNvSpPr>
+          <p:nvPr>
+            <p:ph sz="half" idx="1"/>
+          </p:nvPr>
+        </p:nvSpPr>
+        <p:spPr>
+          <a:xfrm>
+            <a:off x="838199" y="1825625"/>
+            <a:ext cx="5482701" cy="4351338"/>
+          </a:xfrm>
+        </p:spPr>
+        <p:txBody>
+          <a:bodyPr>
             <a:normAutofit/>
           </a:bodyPr>
           <a:lstStyle/>
@@ -16806,16 +21807,8 @@
               <a:buNone/>
             </a:pPr>
             <a:r>
-              <a:rPr lang="pl-PL" dirty="0"/>
-              <a:t>Kod modelu „</a:t>
-            </a:r>
-            <a:r>
-              <a:rPr lang="pl-PL" dirty="0" err="1"/>
-              <a:t>Book</a:t>
-            </a:r>
-            <a:r>
-              <a:rPr lang="pl-PL" dirty="0"/>
-              <a:t>”</a:t>
+              <a:rPr lang="pl-PL" sz="2400" dirty="0"/>
+              <a:t>Przykładowa klasa reprezentująca model -&gt; tutaj książkę.</a:t>
             </a:r>
           </a:p>
         </p:txBody>
@@ -16868,10 +21861,27 @@
         </p:nvSpPr>
         <p:spPr/>
         <p:txBody>
-          <a:bodyPr/>
+          <a:bodyPr>
+            <a:normAutofit/>
+          </a:bodyPr>
           <a:lstStyle/>
           <a:p>
-            <a:endParaRPr lang="pl-PL"/>
+            <a:pPr marL="0" indent="0">
+              <a:buNone/>
+            </a:pPr>
+            <a:r>
+              <a:rPr lang="pl-PL" sz="2400" dirty="0"/>
+              <a:t>Widokiem w klasycznym podejściu będzie strona WWW.</a:t>
+            </a:r>
+          </a:p>
+          <a:p>
+            <a:pPr marL="0" indent="0">
+              <a:buNone/>
+            </a:pPr>
+            <a:r>
+              <a:rPr lang="pl-PL" sz="2400" dirty="0"/>
+              <a:t>Jednak można również uznać za widok dedykowaną aplikację z interfejsem graficznym.</a:t>
+            </a:r>
           </a:p>
         </p:txBody>
       </p:sp>
@@ -16936,31 +21946,6 @@
       </p:grpSpPr>
       <p:sp>
         <p:nvSpPr>
-          <p:cNvPr id="2" name="Symbol zastępczy zawartości 1">
-            <a:extLst>
-              <a:ext uri="{FF2B5EF4-FFF2-40B4-BE49-F238E27FC236}">
-                <a16:creationId xmlns:a16="http://schemas.microsoft.com/office/drawing/2014/main" id="{2A87475F-2356-4C07-887E-8A63728F5A5F}"/>
-              </a:ext>
-            </a:extLst>
-          </p:cNvPr>
-          <p:cNvSpPr>
-            <a:spLocks noGrp="1"/>
-          </p:cNvSpPr>
-          <p:nvPr>
-            <p:ph idx="1"/>
-          </p:nvPr>
-        </p:nvSpPr>
-        <p:spPr/>
-        <p:txBody>
-          <a:bodyPr/>
-          <a:lstStyle/>
-          <a:p>
-            <a:endParaRPr lang="pl-PL" dirty="0"/>
-          </a:p>
-        </p:txBody>
-      </p:sp>
-      <p:sp>
-        <p:nvSpPr>
           <p:cNvPr id="3" name="Tytuł 2">
             <a:extLst>
               <a:ext uri="{FF2B5EF4-FFF2-40B4-BE49-F238E27FC236}">
@@ -16984,6 +21969,951 @@
               <a:rPr lang="pl-PL" dirty="0"/>
               <a:t>Controller</a:t>
             </a:r>
+          </a:p>
+        </p:txBody>
+      </p:sp>
+      <p:sp>
+        <p:nvSpPr>
+          <p:cNvPr id="4" name="Symbol zastępczy zawartości 3">
+            <a:extLst>
+              <a:ext uri="{FF2B5EF4-FFF2-40B4-BE49-F238E27FC236}">
+                <a16:creationId xmlns:a16="http://schemas.microsoft.com/office/drawing/2014/main" id="{230BBAD7-D97F-4AA9-BF3A-6A4AB212B5CF}"/>
+              </a:ext>
+            </a:extLst>
+          </p:cNvPr>
+          <p:cNvSpPr>
+            <a:spLocks noGrp="1"/>
+          </p:cNvSpPr>
+          <p:nvPr>
+            <p:ph sz="half" idx="1"/>
+          </p:nvPr>
+        </p:nvSpPr>
+        <p:spPr>
+          <a:xfrm>
+            <a:off x="727969" y="1825625"/>
+            <a:ext cx="4154749" cy="4351338"/>
+          </a:xfrm>
+        </p:spPr>
+        <p:txBody>
+          <a:bodyPr>
+            <a:normAutofit/>
+          </a:bodyPr>
+          <a:lstStyle/>
+          <a:p>
+            <a:pPr marL="0" indent="0" algn="just">
+              <a:buNone/>
+            </a:pPr>
+            <a:r>
+              <a:rPr lang="pl-PL" sz="2400" dirty="0"/>
+              <a:t>Kontroler jest najważniejszym elementem, łączy bowiem serwer i jego zasoby z klientem.</a:t>
+            </a:r>
+          </a:p>
+        </p:txBody>
+      </p:sp>
+      <p:sp>
+        <p:nvSpPr>
+          <p:cNvPr id="5" name="Symbol zastępczy zawartości 4">
+            <a:extLst>
+              <a:ext uri="{FF2B5EF4-FFF2-40B4-BE49-F238E27FC236}">
+                <a16:creationId xmlns:a16="http://schemas.microsoft.com/office/drawing/2014/main" id="{B598C646-4288-4731-804B-14CCF562445B}"/>
+              </a:ext>
+            </a:extLst>
+          </p:cNvPr>
+          <p:cNvSpPr>
+            <a:spLocks noGrp="1"/>
+          </p:cNvSpPr>
+          <p:nvPr>
+            <p:ph sz="half" idx="2"/>
+          </p:nvPr>
+        </p:nvSpPr>
+        <p:spPr>
+          <a:xfrm>
+            <a:off x="5166804" y="1825624"/>
+            <a:ext cx="6599068" cy="4351339"/>
+          </a:xfrm>
+        </p:spPr>
+        <p:txBody>
+          <a:bodyPr>
+            <a:noAutofit/>
+          </a:bodyPr>
+          <a:lstStyle/>
+          <a:p>
+            <a:pPr marL="0" indent="0">
+              <a:spcBef>
+                <a:spcPts val="600"/>
+              </a:spcBef>
+              <a:buNone/>
+            </a:pPr>
+            <a:r>
+              <a:rPr lang="pl-PL" sz="1400" b="0" dirty="0">
+                <a:solidFill>
+                  <a:srgbClr val="000000"/>
+                </a:solidFill>
+                <a:effectLst/>
+                <a:latin typeface="Consolas" panose="020B0609020204030204" pitchFamily="49" charset="0"/>
+              </a:rPr>
+              <a:t>[</a:t>
+            </a:r>
+            <a:r>
+              <a:rPr lang="pl-PL" sz="1400" b="0" dirty="0" err="1">
+                <a:solidFill>
+                  <a:srgbClr val="267F99"/>
+                </a:solidFill>
+                <a:effectLst/>
+                <a:latin typeface="Consolas" panose="020B0609020204030204" pitchFamily="49" charset="0"/>
+              </a:rPr>
+              <a:t>Route</a:t>
+            </a:r>
+            <a:r>
+              <a:rPr lang="pl-PL" sz="1400" b="0" dirty="0">
+                <a:solidFill>
+                  <a:srgbClr val="000000"/>
+                </a:solidFill>
+                <a:effectLst/>
+                <a:latin typeface="Consolas" panose="020B0609020204030204" pitchFamily="49" charset="0"/>
+              </a:rPr>
+              <a:t>(</a:t>
+            </a:r>
+            <a:r>
+              <a:rPr lang="pl-PL" sz="1400" b="0" dirty="0">
+                <a:solidFill>
+                  <a:srgbClr val="A31515"/>
+                </a:solidFill>
+                <a:effectLst/>
+                <a:latin typeface="Consolas" panose="020B0609020204030204" pitchFamily="49" charset="0"/>
+              </a:rPr>
+              <a:t>"[</a:t>
+            </a:r>
+            <a:r>
+              <a:rPr lang="pl-PL" sz="1400" b="0" dirty="0" err="1">
+                <a:solidFill>
+                  <a:srgbClr val="A31515"/>
+                </a:solidFill>
+                <a:effectLst/>
+                <a:latin typeface="Consolas" panose="020B0609020204030204" pitchFamily="49" charset="0"/>
+              </a:rPr>
+              <a:t>controller</a:t>
+            </a:r>
+            <a:r>
+              <a:rPr lang="pl-PL" sz="1400" b="0" dirty="0">
+                <a:solidFill>
+                  <a:srgbClr val="A31515"/>
+                </a:solidFill>
+                <a:effectLst/>
+                <a:latin typeface="Consolas" panose="020B0609020204030204" pitchFamily="49" charset="0"/>
+              </a:rPr>
+              <a:t>]/[</a:t>
+            </a:r>
+            <a:r>
+              <a:rPr lang="pl-PL" sz="1400" b="0" dirty="0" err="1">
+                <a:solidFill>
+                  <a:srgbClr val="A31515"/>
+                </a:solidFill>
+                <a:effectLst/>
+                <a:latin typeface="Consolas" panose="020B0609020204030204" pitchFamily="49" charset="0"/>
+              </a:rPr>
+              <a:t>action</a:t>
+            </a:r>
+            <a:r>
+              <a:rPr lang="pl-PL" sz="1400" b="0" dirty="0">
+                <a:solidFill>
+                  <a:srgbClr val="A31515"/>
+                </a:solidFill>
+                <a:effectLst/>
+                <a:latin typeface="Consolas" panose="020B0609020204030204" pitchFamily="49" charset="0"/>
+              </a:rPr>
+              <a:t>]"</a:t>
+            </a:r>
+            <a:r>
+              <a:rPr lang="pl-PL" sz="1400" b="0" dirty="0">
+                <a:solidFill>
+                  <a:srgbClr val="000000"/>
+                </a:solidFill>
+                <a:effectLst/>
+                <a:latin typeface="Consolas" panose="020B0609020204030204" pitchFamily="49" charset="0"/>
+              </a:rPr>
+              <a:t>)]</a:t>
+            </a:r>
+          </a:p>
+          <a:p>
+            <a:pPr marL="0" indent="0">
+              <a:spcBef>
+                <a:spcPts val="600"/>
+              </a:spcBef>
+              <a:buNone/>
+            </a:pPr>
+            <a:r>
+              <a:rPr lang="pl-PL" sz="1400" b="0" dirty="0">
+                <a:solidFill>
+                  <a:srgbClr val="0000FF"/>
+                </a:solidFill>
+                <a:effectLst/>
+                <a:latin typeface="Consolas" panose="020B0609020204030204" pitchFamily="49" charset="0"/>
+              </a:rPr>
+              <a:t>public</a:t>
+            </a:r>
+            <a:r>
+              <a:rPr lang="pl-PL" sz="1400" b="0" dirty="0">
+                <a:solidFill>
+                  <a:srgbClr val="000000"/>
+                </a:solidFill>
+                <a:effectLst/>
+                <a:latin typeface="Consolas" panose="020B0609020204030204" pitchFamily="49" charset="0"/>
+              </a:rPr>
+              <a:t> </a:t>
+            </a:r>
+            <a:r>
+              <a:rPr lang="pl-PL" sz="1400" b="0" dirty="0" err="1">
+                <a:solidFill>
+                  <a:srgbClr val="0000FF"/>
+                </a:solidFill>
+                <a:effectLst/>
+                <a:latin typeface="Consolas" panose="020B0609020204030204" pitchFamily="49" charset="0"/>
+              </a:rPr>
+              <a:t>class</a:t>
+            </a:r>
+            <a:r>
+              <a:rPr lang="pl-PL" sz="1400" b="0" dirty="0">
+                <a:solidFill>
+                  <a:srgbClr val="000000"/>
+                </a:solidFill>
+                <a:effectLst/>
+                <a:latin typeface="Consolas" panose="020B0609020204030204" pitchFamily="49" charset="0"/>
+              </a:rPr>
+              <a:t> </a:t>
+            </a:r>
+            <a:r>
+              <a:rPr lang="pl-PL" sz="1400" b="0" dirty="0" err="1">
+                <a:solidFill>
+                  <a:srgbClr val="267F99"/>
+                </a:solidFill>
+                <a:effectLst/>
+                <a:latin typeface="Consolas" panose="020B0609020204030204" pitchFamily="49" charset="0"/>
+              </a:rPr>
+              <a:t>BookshelfController</a:t>
+            </a:r>
+            <a:r>
+              <a:rPr lang="pl-PL" sz="1400" b="0" dirty="0">
+                <a:solidFill>
+                  <a:srgbClr val="000000"/>
+                </a:solidFill>
+                <a:effectLst/>
+                <a:latin typeface="Consolas" panose="020B0609020204030204" pitchFamily="49" charset="0"/>
+              </a:rPr>
+              <a:t> : </a:t>
+            </a:r>
+            <a:r>
+              <a:rPr lang="pl-PL" sz="1400" b="0" dirty="0">
+                <a:solidFill>
+                  <a:srgbClr val="267F99"/>
+                </a:solidFill>
+                <a:effectLst/>
+                <a:latin typeface="Consolas" panose="020B0609020204030204" pitchFamily="49" charset="0"/>
+              </a:rPr>
+              <a:t>Controller</a:t>
+            </a:r>
+            <a:endParaRPr lang="pl-PL" sz="1400" b="0" dirty="0">
+              <a:solidFill>
+                <a:srgbClr val="000000"/>
+              </a:solidFill>
+              <a:effectLst/>
+              <a:latin typeface="Consolas" panose="020B0609020204030204" pitchFamily="49" charset="0"/>
+            </a:endParaRPr>
+          </a:p>
+          <a:p>
+            <a:pPr marL="0" indent="0">
+              <a:spcBef>
+                <a:spcPts val="600"/>
+              </a:spcBef>
+              <a:buNone/>
+            </a:pPr>
+            <a:r>
+              <a:rPr lang="pl-PL" sz="1400" b="0" dirty="0">
+                <a:solidFill>
+                  <a:srgbClr val="000000"/>
+                </a:solidFill>
+                <a:effectLst/>
+                <a:latin typeface="Consolas" panose="020B0609020204030204" pitchFamily="49" charset="0"/>
+              </a:rPr>
+              <a:t>{</a:t>
+            </a:r>
+          </a:p>
+          <a:p>
+            <a:pPr marL="0" indent="0">
+              <a:spcBef>
+                <a:spcPts val="600"/>
+              </a:spcBef>
+              <a:buNone/>
+            </a:pPr>
+            <a:r>
+              <a:rPr lang="pl-PL" sz="1400" b="0" dirty="0">
+                <a:solidFill>
+                  <a:srgbClr val="0000FF"/>
+                </a:solidFill>
+                <a:effectLst/>
+                <a:latin typeface="Consolas" panose="020B0609020204030204" pitchFamily="49" charset="0"/>
+              </a:rPr>
+              <a:t>    </a:t>
+            </a:r>
+            <a:r>
+              <a:rPr lang="pl-PL" sz="1400" b="0" dirty="0" err="1">
+                <a:solidFill>
+                  <a:srgbClr val="0000FF"/>
+                </a:solidFill>
+                <a:effectLst/>
+                <a:latin typeface="Consolas" panose="020B0609020204030204" pitchFamily="49" charset="0"/>
+              </a:rPr>
+              <a:t>private</a:t>
+            </a:r>
+            <a:r>
+              <a:rPr lang="pl-PL" sz="1400" b="0" dirty="0">
+                <a:solidFill>
+                  <a:srgbClr val="000000"/>
+                </a:solidFill>
+                <a:effectLst/>
+                <a:latin typeface="Consolas" panose="020B0609020204030204" pitchFamily="49" charset="0"/>
+              </a:rPr>
+              <a:t> </a:t>
+            </a:r>
+            <a:r>
+              <a:rPr lang="pl-PL" sz="1400" b="0" dirty="0" err="1">
+                <a:solidFill>
+                  <a:srgbClr val="0000FF"/>
+                </a:solidFill>
+                <a:effectLst/>
+                <a:latin typeface="Consolas" panose="020B0609020204030204" pitchFamily="49" charset="0"/>
+              </a:rPr>
+              <a:t>readonly</a:t>
+            </a:r>
+            <a:r>
+              <a:rPr lang="pl-PL" sz="1400" b="0" dirty="0">
+                <a:solidFill>
+                  <a:srgbClr val="000000"/>
+                </a:solidFill>
+                <a:effectLst/>
+                <a:latin typeface="Consolas" panose="020B0609020204030204" pitchFamily="49" charset="0"/>
+              </a:rPr>
+              <a:t> </a:t>
+            </a:r>
+            <a:r>
+              <a:rPr lang="pl-PL" sz="1400" b="0" dirty="0" err="1">
+                <a:solidFill>
+                  <a:srgbClr val="267F99"/>
+                </a:solidFill>
+                <a:effectLst/>
+                <a:latin typeface="Consolas" panose="020B0609020204030204" pitchFamily="49" charset="0"/>
+              </a:rPr>
+              <a:t>AppDbContext</a:t>
+            </a:r>
+            <a:r>
+              <a:rPr lang="pl-PL" sz="1400" b="0" dirty="0">
+                <a:solidFill>
+                  <a:srgbClr val="000000"/>
+                </a:solidFill>
+                <a:effectLst/>
+                <a:latin typeface="Consolas" panose="020B0609020204030204" pitchFamily="49" charset="0"/>
+              </a:rPr>
+              <a:t> </a:t>
+            </a:r>
+            <a:r>
+              <a:rPr lang="pl-PL" sz="1400" b="0" dirty="0">
+                <a:solidFill>
+                  <a:srgbClr val="001080"/>
+                </a:solidFill>
+                <a:effectLst/>
+                <a:latin typeface="Consolas" panose="020B0609020204030204" pitchFamily="49" charset="0"/>
+              </a:rPr>
+              <a:t>_</a:t>
+            </a:r>
+            <a:r>
+              <a:rPr lang="pl-PL" sz="1400" b="0" dirty="0" err="1">
+                <a:solidFill>
+                  <a:srgbClr val="001080"/>
+                </a:solidFill>
+                <a:effectLst/>
+                <a:latin typeface="Consolas" panose="020B0609020204030204" pitchFamily="49" charset="0"/>
+              </a:rPr>
+              <a:t>dbContext</a:t>
+            </a:r>
+            <a:r>
+              <a:rPr lang="pl-PL" sz="1400" b="0" dirty="0">
+                <a:solidFill>
+                  <a:srgbClr val="000000"/>
+                </a:solidFill>
+                <a:effectLst/>
+                <a:latin typeface="Consolas" panose="020B0609020204030204" pitchFamily="49" charset="0"/>
+              </a:rPr>
+              <a:t>;</a:t>
+            </a:r>
+          </a:p>
+          <a:p>
+            <a:pPr marL="0" indent="0">
+              <a:spcBef>
+                <a:spcPts val="600"/>
+              </a:spcBef>
+              <a:buNone/>
+            </a:pPr>
+            <a:r>
+              <a:rPr lang="pl-PL" sz="1400" dirty="0">
+                <a:solidFill>
+                  <a:srgbClr val="0000FF"/>
+                </a:solidFill>
+                <a:latin typeface="Consolas" panose="020B0609020204030204" pitchFamily="49" charset="0"/>
+              </a:rPr>
+              <a:t>    </a:t>
+            </a:r>
+            <a:r>
+              <a:rPr lang="pl-PL" sz="1400" b="0" dirty="0">
+                <a:solidFill>
+                  <a:srgbClr val="0000FF"/>
+                </a:solidFill>
+                <a:effectLst/>
+                <a:latin typeface="Consolas" panose="020B0609020204030204" pitchFamily="49" charset="0"/>
+              </a:rPr>
+              <a:t>public</a:t>
+            </a:r>
+            <a:r>
+              <a:rPr lang="pl-PL" sz="1400" b="0" dirty="0">
+                <a:solidFill>
+                  <a:srgbClr val="000000"/>
+                </a:solidFill>
+                <a:effectLst/>
+                <a:latin typeface="Consolas" panose="020B0609020204030204" pitchFamily="49" charset="0"/>
+              </a:rPr>
+              <a:t> </a:t>
+            </a:r>
+            <a:r>
+              <a:rPr lang="pl-PL" sz="1400" b="0" dirty="0" err="1">
+                <a:solidFill>
+                  <a:srgbClr val="795E26"/>
+                </a:solidFill>
+                <a:effectLst/>
+                <a:latin typeface="Consolas" panose="020B0609020204030204" pitchFamily="49" charset="0"/>
+              </a:rPr>
+              <a:t>BookshelfController</a:t>
+            </a:r>
+            <a:r>
+              <a:rPr lang="pl-PL" sz="1400" b="0" dirty="0">
+                <a:solidFill>
+                  <a:srgbClr val="000000"/>
+                </a:solidFill>
+                <a:effectLst/>
+                <a:latin typeface="Consolas" panose="020B0609020204030204" pitchFamily="49" charset="0"/>
+              </a:rPr>
+              <a:t>(</a:t>
+            </a:r>
+            <a:r>
+              <a:rPr lang="pl-PL" sz="1400" b="0" dirty="0" err="1">
+                <a:solidFill>
+                  <a:srgbClr val="267F99"/>
+                </a:solidFill>
+                <a:effectLst/>
+                <a:latin typeface="Consolas" panose="020B0609020204030204" pitchFamily="49" charset="0"/>
+              </a:rPr>
+              <a:t>AppDbContext</a:t>
+            </a:r>
+            <a:r>
+              <a:rPr lang="pl-PL" sz="1400" b="0" dirty="0">
+                <a:solidFill>
+                  <a:srgbClr val="000000"/>
+                </a:solidFill>
+                <a:effectLst/>
+                <a:latin typeface="Consolas" panose="020B0609020204030204" pitchFamily="49" charset="0"/>
+              </a:rPr>
+              <a:t> </a:t>
+            </a:r>
+            <a:r>
+              <a:rPr lang="pl-PL" sz="1400" b="0" dirty="0" err="1">
+                <a:solidFill>
+                  <a:srgbClr val="001080"/>
+                </a:solidFill>
+                <a:effectLst/>
+                <a:latin typeface="Consolas" panose="020B0609020204030204" pitchFamily="49" charset="0"/>
+              </a:rPr>
+              <a:t>dbContext</a:t>
+            </a:r>
+            <a:r>
+              <a:rPr lang="pl-PL" sz="1400" b="0" dirty="0">
+                <a:solidFill>
+                  <a:srgbClr val="000000"/>
+                </a:solidFill>
+                <a:effectLst/>
+                <a:latin typeface="Consolas" panose="020B0609020204030204" pitchFamily="49" charset="0"/>
+              </a:rPr>
+              <a:t>)</a:t>
+            </a:r>
+          </a:p>
+          <a:p>
+            <a:pPr marL="0" indent="0">
+              <a:spcBef>
+                <a:spcPts val="600"/>
+              </a:spcBef>
+              <a:buNone/>
+            </a:pPr>
+            <a:r>
+              <a:rPr lang="pl-PL" sz="1400" b="0" dirty="0">
+                <a:solidFill>
+                  <a:srgbClr val="000000"/>
+                </a:solidFill>
+                <a:effectLst/>
+                <a:latin typeface="Consolas" panose="020B0609020204030204" pitchFamily="49" charset="0"/>
+              </a:rPr>
+              <a:t>    {</a:t>
+            </a:r>
+          </a:p>
+          <a:p>
+            <a:pPr marL="0" indent="0">
+              <a:spcBef>
+                <a:spcPts val="600"/>
+              </a:spcBef>
+              <a:buNone/>
+            </a:pPr>
+            <a:r>
+              <a:rPr lang="pl-PL" sz="1400" dirty="0">
+                <a:solidFill>
+                  <a:srgbClr val="001080"/>
+                </a:solidFill>
+                <a:latin typeface="Consolas" panose="020B0609020204030204" pitchFamily="49" charset="0"/>
+              </a:rPr>
+              <a:t>        </a:t>
+            </a:r>
+            <a:r>
+              <a:rPr lang="pl-PL" sz="1400" b="0" dirty="0">
+                <a:solidFill>
+                  <a:srgbClr val="001080"/>
+                </a:solidFill>
+                <a:effectLst/>
+                <a:latin typeface="Consolas" panose="020B0609020204030204" pitchFamily="49" charset="0"/>
+              </a:rPr>
+              <a:t>_</a:t>
+            </a:r>
+            <a:r>
+              <a:rPr lang="pl-PL" sz="1400" b="0" dirty="0" err="1">
+                <a:solidFill>
+                  <a:srgbClr val="001080"/>
+                </a:solidFill>
+                <a:effectLst/>
+                <a:latin typeface="Consolas" panose="020B0609020204030204" pitchFamily="49" charset="0"/>
+              </a:rPr>
+              <a:t>dbContext</a:t>
+            </a:r>
+            <a:r>
+              <a:rPr lang="pl-PL" sz="1400" b="0" dirty="0">
+                <a:solidFill>
+                  <a:srgbClr val="000000"/>
+                </a:solidFill>
+                <a:effectLst/>
+                <a:latin typeface="Consolas" panose="020B0609020204030204" pitchFamily="49" charset="0"/>
+              </a:rPr>
+              <a:t> = </a:t>
+            </a:r>
+            <a:r>
+              <a:rPr lang="pl-PL" sz="1400" b="0" dirty="0" err="1">
+                <a:solidFill>
+                  <a:srgbClr val="001080"/>
+                </a:solidFill>
+                <a:effectLst/>
+                <a:latin typeface="Consolas" panose="020B0609020204030204" pitchFamily="49" charset="0"/>
+              </a:rPr>
+              <a:t>dbContext</a:t>
+            </a:r>
+            <a:r>
+              <a:rPr lang="pl-PL" sz="1400" b="0" dirty="0">
+                <a:solidFill>
+                  <a:srgbClr val="000000"/>
+                </a:solidFill>
+                <a:effectLst/>
+                <a:latin typeface="Consolas" panose="020B0609020204030204" pitchFamily="49" charset="0"/>
+              </a:rPr>
+              <a:t>;</a:t>
+            </a:r>
+          </a:p>
+          <a:p>
+            <a:pPr marL="0" indent="0">
+              <a:spcBef>
+                <a:spcPts val="600"/>
+              </a:spcBef>
+              <a:buNone/>
+            </a:pPr>
+            <a:r>
+              <a:rPr lang="pl-PL" sz="1400" b="0" dirty="0">
+                <a:solidFill>
+                  <a:srgbClr val="000000"/>
+                </a:solidFill>
+                <a:effectLst/>
+                <a:latin typeface="Consolas" panose="020B0609020204030204" pitchFamily="49" charset="0"/>
+              </a:rPr>
+              <a:t>    }</a:t>
+            </a:r>
+          </a:p>
+          <a:p>
+            <a:pPr marL="0" indent="0">
+              <a:buNone/>
+            </a:pPr>
+            <a:r>
+              <a:rPr lang="pl-PL" sz="1400" b="0" dirty="0">
+                <a:solidFill>
+                  <a:srgbClr val="000000"/>
+                </a:solidFill>
+                <a:effectLst/>
+                <a:latin typeface="Consolas" panose="020B0609020204030204" pitchFamily="49" charset="0"/>
+              </a:rPr>
+              <a:t>    [</a:t>
+            </a:r>
+            <a:r>
+              <a:rPr lang="pl-PL" sz="1400" b="0" dirty="0" err="1">
+                <a:solidFill>
+                  <a:srgbClr val="267F99"/>
+                </a:solidFill>
+                <a:effectLst/>
+                <a:latin typeface="Consolas" panose="020B0609020204030204" pitchFamily="49" charset="0"/>
+              </a:rPr>
+              <a:t>HttpGet</a:t>
+            </a:r>
+            <a:r>
+              <a:rPr lang="pl-PL" sz="1400" b="0" dirty="0">
+                <a:solidFill>
+                  <a:srgbClr val="000000"/>
+                </a:solidFill>
+                <a:effectLst/>
+                <a:latin typeface="Consolas" panose="020B0609020204030204" pitchFamily="49" charset="0"/>
+              </a:rPr>
+              <a:t>]</a:t>
+            </a:r>
+          </a:p>
+          <a:p>
+            <a:pPr marL="0" indent="0">
+              <a:spcBef>
+                <a:spcPts val="600"/>
+              </a:spcBef>
+              <a:buNone/>
+            </a:pPr>
+            <a:r>
+              <a:rPr lang="pl-PL" sz="1400" dirty="0">
+                <a:solidFill>
+                  <a:srgbClr val="000000"/>
+                </a:solidFill>
+                <a:latin typeface="Consolas" panose="020B0609020204030204" pitchFamily="49" charset="0"/>
+              </a:rPr>
+              <a:t>    </a:t>
+            </a:r>
+            <a:r>
+              <a:rPr lang="pl-PL" sz="1400" b="0" dirty="0">
+                <a:solidFill>
+                  <a:srgbClr val="0000FF"/>
+                </a:solidFill>
+                <a:effectLst/>
+                <a:latin typeface="Consolas" panose="020B0609020204030204" pitchFamily="49" charset="0"/>
+              </a:rPr>
+              <a:t>public</a:t>
+            </a:r>
+            <a:r>
+              <a:rPr lang="pl-PL" sz="1400" b="0" dirty="0">
+                <a:solidFill>
+                  <a:srgbClr val="000000"/>
+                </a:solidFill>
+                <a:effectLst/>
+                <a:latin typeface="Consolas" panose="020B0609020204030204" pitchFamily="49" charset="0"/>
+              </a:rPr>
+              <a:t> </a:t>
+            </a:r>
+            <a:r>
+              <a:rPr lang="pl-PL" sz="1400" b="0" dirty="0" err="1">
+                <a:solidFill>
+                  <a:srgbClr val="267F99"/>
+                </a:solidFill>
+                <a:effectLst/>
+                <a:latin typeface="Consolas" panose="020B0609020204030204" pitchFamily="49" charset="0"/>
+              </a:rPr>
+              <a:t>IActionResult</a:t>
+            </a:r>
+            <a:r>
+              <a:rPr lang="pl-PL" sz="1400" b="0" dirty="0">
+                <a:solidFill>
+                  <a:srgbClr val="000000"/>
+                </a:solidFill>
+                <a:effectLst/>
+                <a:latin typeface="Consolas" panose="020B0609020204030204" pitchFamily="49" charset="0"/>
+              </a:rPr>
+              <a:t> </a:t>
+            </a:r>
+            <a:r>
+              <a:rPr lang="pl-PL" sz="1400" b="0" dirty="0">
+                <a:solidFill>
+                  <a:srgbClr val="795E26"/>
+                </a:solidFill>
+                <a:effectLst/>
+                <a:latin typeface="Consolas" panose="020B0609020204030204" pitchFamily="49" charset="0"/>
+              </a:rPr>
+              <a:t>Test</a:t>
+            </a:r>
+            <a:r>
+              <a:rPr lang="pl-PL" sz="1400" b="0" dirty="0">
+                <a:solidFill>
+                  <a:srgbClr val="000000"/>
+                </a:solidFill>
+                <a:effectLst/>
+                <a:latin typeface="Consolas" panose="020B0609020204030204" pitchFamily="49" charset="0"/>
+              </a:rPr>
+              <a:t>()</a:t>
+            </a:r>
+          </a:p>
+          <a:p>
+            <a:pPr marL="0" indent="0">
+              <a:spcBef>
+                <a:spcPts val="600"/>
+              </a:spcBef>
+              <a:buNone/>
+            </a:pPr>
+            <a:r>
+              <a:rPr lang="pl-PL" sz="1400" b="0" dirty="0">
+                <a:solidFill>
+                  <a:srgbClr val="000000"/>
+                </a:solidFill>
+                <a:effectLst/>
+                <a:latin typeface="Consolas" panose="020B0609020204030204" pitchFamily="49" charset="0"/>
+              </a:rPr>
+              <a:t>    {</a:t>
+            </a:r>
+            <a:r>
+              <a:rPr lang="pl-PL" sz="1400" dirty="0">
+                <a:solidFill>
+                  <a:srgbClr val="000000"/>
+                </a:solidFill>
+                <a:latin typeface="Consolas" panose="020B0609020204030204" pitchFamily="49" charset="0"/>
+              </a:rPr>
+              <a:t>     </a:t>
+            </a:r>
+          </a:p>
+          <a:p>
+            <a:pPr marL="0" indent="0">
+              <a:spcBef>
+                <a:spcPts val="600"/>
+              </a:spcBef>
+              <a:buNone/>
+            </a:pPr>
+            <a:r>
+              <a:rPr lang="pl-PL" sz="1400" b="0" dirty="0">
+                <a:solidFill>
+                  <a:srgbClr val="000000"/>
+                </a:solidFill>
+                <a:effectLst/>
+                <a:latin typeface="Consolas" panose="020B0609020204030204" pitchFamily="49" charset="0"/>
+              </a:rPr>
+              <a:t>        </a:t>
+            </a:r>
+            <a:r>
+              <a:rPr lang="pl-PL" sz="1400" b="0" dirty="0">
+                <a:solidFill>
+                  <a:srgbClr val="AF00DB"/>
+                </a:solidFill>
+                <a:effectLst/>
+                <a:latin typeface="Consolas" panose="020B0609020204030204" pitchFamily="49" charset="0"/>
+              </a:rPr>
+              <a:t>return</a:t>
+            </a:r>
+            <a:r>
+              <a:rPr lang="pl-PL" sz="1400" b="0" dirty="0">
+                <a:solidFill>
+                  <a:srgbClr val="000000"/>
+                </a:solidFill>
+                <a:effectLst/>
+                <a:latin typeface="Consolas" panose="020B0609020204030204" pitchFamily="49" charset="0"/>
+              </a:rPr>
+              <a:t> </a:t>
+            </a:r>
+            <a:r>
+              <a:rPr lang="pl-PL" sz="1400" b="0" dirty="0" err="1">
+                <a:solidFill>
+                  <a:srgbClr val="795E26"/>
+                </a:solidFill>
+                <a:effectLst/>
+                <a:latin typeface="Consolas" panose="020B0609020204030204" pitchFamily="49" charset="0"/>
+              </a:rPr>
+              <a:t>StatusCode</a:t>
+            </a:r>
+            <a:r>
+              <a:rPr lang="pl-PL" sz="1400" b="0" dirty="0">
+                <a:solidFill>
+                  <a:srgbClr val="000000"/>
+                </a:solidFill>
+                <a:effectLst/>
+                <a:latin typeface="Consolas" panose="020B0609020204030204" pitchFamily="49" charset="0"/>
+              </a:rPr>
+              <a:t>(</a:t>
+            </a:r>
+            <a:r>
+              <a:rPr lang="pl-PL" sz="1400" b="0" dirty="0">
+                <a:solidFill>
+                  <a:srgbClr val="098658"/>
+                </a:solidFill>
+                <a:effectLst/>
+                <a:latin typeface="Consolas" panose="020B0609020204030204" pitchFamily="49" charset="0"/>
+              </a:rPr>
+              <a:t>418</a:t>
+            </a:r>
+            <a:r>
+              <a:rPr lang="pl-PL" sz="1400" b="0" dirty="0">
+                <a:solidFill>
+                  <a:srgbClr val="000000"/>
+                </a:solidFill>
+                <a:effectLst/>
+                <a:latin typeface="Consolas" panose="020B0609020204030204" pitchFamily="49" charset="0"/>
+              </a:rPr>
+              <a:t>, </a:t>
+            </a:r>
+            <a:r>
+              <a:rPr lang="pl-PL" sz="1400" b="0" dirty="0" err="1">
+                <a:solidFill>
+                  <a:srgbClr val="0000FF"/>
+                </a:solidFill>
+                <a:effectLst/>
+                <a:latin typeface="Consolas" panose="020B0609020204030204" pitchFamily="49" charset="0"/>
+              </a:rPr>
+              <a:t>new</a:t>
+            </a:r>
+            <a:r>
+              <a:rPr lang="pl-PL" sz="1400" b="0" dirty="0">
+                <a:solidFill>
+                  <a:srgbClr val="000000"/>
+                </a:solidFill>
+                <a:effectLst/>
+                <a:latin typeface="Consolas" panose="020B0609020204030204" pitchFamily="49" charset="0"/>
+              </a:rPr>
+              <a:t> { </a:t>
+            </a:r>
+            <a:r>
+              <a:rPr lang="pl-PL" sz="1400" b="0" dirty="0">
+                <a:solidFill>
+                  <a:srgbClr val="001080"/>
+                </a:solidFill>
+                <a:effectLst/>
+                <a:latin typeface="Consolas" panose="020B0609020204030204" pitchFamily="49" charset="0"/>
+              </a:rPr>
+              <a:t>test</a:t>
+            </a:r>
+            <a:r>
+              <a:rPr lang="pl-PL" sz="1400" b="0" dirty="0">
+                <a:solidFill>
+                  <a:srgbClr val="000000"/>
+                </a:solidFill>
+                <a:effectLst/>
+                <a:latin typeface="Consolas" panose="020B0609020204030204" pitchFamily="49" charset="0"/>
+              </a:rPr>
+              <a:t> = </a:t>
+            </a:r>
+            <a:r>
+              <a:rPr lang="pl-PL" sz="1400" b="0" dirty="0">
+                <a:solidFill>
+                  <a:srgbClr val="A31515"/>
+                </a:solidFill>
+                <a:effectLst/>
+                <a:latin typeface="Consolas" panose="020B0609020204030204" pitchFamily="49" charset="0"/>
+              </a:rPr>
+              <a:t>"</a:t>
+            </a:r>
+            <a:r>
+              <a:rPr lang="pl-PL" sz="1400" b="0" dirty="0" err="1">
+                <a:solidFill>
+                  <a:srgbClr val="A31515"/>
+                </a:solidFill>
+                <a:effectLst/>
+                <a:latin typeface="Consolas" panose="020B0609020204030204" pitchFamily="49" charset="0"/>
+              </a:rPr>
+              <a:t>I'm</a:t>
+            </a:r>
+            <a:r>
+              <a:rPr lang="pl-PL" sz="1400" b="0" dirty="0">
+                <a:solidFill>
+                  <a:srgbClr val="A31515"/>
+                </a:solidFill>
+                <a:effectLst/>
+                <a:latin typeface="Consolas" panose="020B0609020204030204" pitchFamily="49" charset="0"/>
+              </a:rPr>
+              <a:t> a </a:t>
+            </a:r>
+            <a:r>
+              <a:rPr lang="pl-PL" sz="1400" b="0" dirty="0" err="1">
+                <a:solidFill>
+                  <a:srgbClr val="A31515"/>
+                </a:solidFill>
+                <a:effectLst/>
+                <a:latin typeface="Consolas" panose="020B0609020204030204" pitchFamily="49" charset="0"/>
+              </a:rPr>
+              <a:t>teapot</a:t>
+            </a:r>
+            <a:r>
+              <a:rPr lang="pl-PL" sz="1400" b="0" dirty="0">
+                <a:solidFill>
+                  <a:srgbClr val="A31515"/>
+                </a:solidFill>
+                <a:effectLst/>
+                <a:latin typeface="Consolas" panose="020B0609020204030204" pitchFamily="49" charset="0"/>
+              </a:rPr>
+              <a:t>!!"</a:t>
+            </a:r>
+            <a:r>
+              <a:rPr lang="pl-PL" sz="1400" b="0" dirty="0">
+                <a:solidFill>
+                  <a:srgbClr val="000000"/>
+                </a:solidFill>
+                <a:effectLst/>
+                <a:latin typeface="Consolas" panose="020B0609020204030204" pitchFamily="49" charset="0"/>
+              </a:rPr>
+              <a:t> });</a:t>
+            </a:r>
+          </a:p>
+          <a:p>
+            <a:pPr marL="0" indent="0">
+              <a:spcBef>
+                <a:spcPts val="600"/>
+              </a:spcBef>
+              <a:buNone/>
+            </a:pPr>
+            <a:r>
+              <a:rPr lang="pl-PL" sz="1400" dirty="0">
+                <a:solidFill>
+                  <a:srgbClr val="000000"/>
+                </a:solidFill>
+                <a:latin typeface="Consolas" panose="020B0609020204030204" pitchFamily="49" charset="0"/>
+              </a:rPr>
+              <a:t>    </a:t>
+            </a:r>
+            <a:r>
+              <a:rPr lang="pl-PL" sz="1400" b="0" dirty="0">
+                <a:solidFill>
+                  <a:srgbClr val="000000"/>
+                </a:solidFill>
+                <a:effectLst/>
+                <a:latin typeface="Consolas" panose="020B0609020204030204" pitchFamily="49" charset="0"/>
+              </a:rPr>
+              <a:t>}</a:t>
+            </a:r>
+            <a:br>
+              <a:rPr lang="pl-PL" sz="1400" b="0" dirty="0">
+                <a:solidFill>
+                  <a:srgbClr val="000000"/>
+                </a:solidFill>
+                <a:effectLst/>
+                <a:latin typeface="Consolas" panose="020B0609020204030204" pitchFamily="49" charset="0"/>
+              </a:rPr>
+            </a:br>
+            <a:r>
+              <a:rPr lang="pl-PL" sz="1400" b="0" dirty="0">
+                <a:solidFill>
+                  <a:srgbClr val="000000"/>
+                </a:solidFill>
+                <a:effectLst/>
+                <a:latin typeface="Consolas" panose="020B0609020204030204" pitchFamily="49" charset="0"/>
+              </a:rPr>
+              <a:t>}</a:t>
+            </a:r>
+          </a:p>
+          <a:p>
+            <a:pPr marL="0" indent="0">
+              <a:buNone/>
+            </a:pPr>
+            <a:endParaRPr lang="pl-PL" sz="2200" dirty="0"/>
           </a:p>
         </p:txBody>
       </p:sp>
